--- a/Power point files/Project plan report.pptx
+++ b/Power point files/Project plan report.pptx
@@ -216,7 +216,7 @@
           <a:p>
             <a:fld id="{3C11D06C-D5DE-814D-931E-02A0CE659BAA}" type="datetimeFigureOut">
               <a:rPr lang="fi-FI" smtClean="0"/>
-              <a:t>9.2.2021</a:t>
+              <a:t>10.2.2021</a:t>
             </a:fld>
             <a:endParaRPr lang="fi-FI"/>
           </a:p>
@@ -393,7 +393,7 @@
           <a:p>
             <a:fld id="{5CE9BFB5-475C-5B44-BA4D-42DE8089864D}" type="datetimeFigureOut">
               <a:rPr lang="fi-FI" smtClean="0"/>
-              <a:t>9.2.2021</a:t>
+              <a:t>10.2.2021</a:t>
             </a:fld>
             <a:endParaRPr lang="fi-FI"/>
           </a:p>
@@ -947,7 +947,7 @@
           <a:p>
             <a:fld id="{46F494B7-536B-4523-A93B-014DDA635166}" type="datetime1">
               <a:rPr lang="en-GB" noProof="0" smtClean="0"/>
-              <a:t>09/02/2021</a:t>
+              <a:t>10/02/2021</a:t>
             </a:fld>
             <a:endParaRPr lang="en-GB" noProof="0"/>
           </a:p>
@@ -1259,7 +1259,7 @@
           <a:p>
             <a:fld id="{E49F6CDD-3D96-4E59-90E6-D27F0B55FBA1}" type="datetime1">
               <a:rPr lang="en-GB" noProof="0" smtClean="0"/>
-              <a:t>09/02/2021</a:t>
+              <a:t>10/02/2021</a:t>
             </a:fld>
             <a:endParaRPr lang="en-GB" noProof="0"/>
           </a:p>
@@ -1396,7 +1396,7 @@
           <a:p>
             <a:fld id="{CF43835C-B417-41EC-B18F-FE0259E07427}" type="datetime1">
               <a:rPr lang="en-GB" noProof="0" smtClean="0"/>
-              <a:t>09/02/2021</a:t>
+              <a:t>10/02/2021</a:t>
             </a:fld>
             <a:endParaRPr lang="en-GB" noProof="0"/>
           </a:p>
@@ -1794,7 +1794,7 @@
           <a:p>
             <a:fld id="{2AA00BC7-E6BD-409E-AC0A-D889FBBF3E1F}" type="datetime1">
               <a:rPr lang="en-GB" noProof="0" smtClean="0"/>
-              <a:t>09/02/2021</a:t>
+              <a:t>10/02/2021</a:t>
             </a:fld>
             <a:endParaRPr lang="en-GB" noProof="0"/>
           </a:p>
@@ -1993,7 +1993,7 @@
           <a:p>
             <a:fld id="{79F7EF30-58D9-49C5-94D1-8B67946A371B}" type="datetime1">
               <a:rPr lang="en-GB" noProof="0" smtClean="0"/>
-              <a:t>09/02/2021</a:t>
+              <a:t>10/02/2021</a:t>
             </a:fld>
             <a:endParaRPr lang="en-GB" noProof="0"/>
           </a:p>
@@ -2356,7 +2356,7 @@
           <a:p>
             <a:fld id="{9A4C26E0-BC88-47C0-AD7A-A430FED46C56}" type="datetime1">
               <a:rPr lang="en-GB" noProof="0" smtClean="0"/>
-              <a:t>09/02/2021</a:t>
+              <a:t>10/02/2021</a:t>
             </a:fld>
             <a:endParaRPr lang="en-GB" noProof="0"/>
           </a:p>
@@ -2847,7 +2847,7 @@
           <a:p>
             <a:fld id="{F4E85C38-12AF-4A65-9090-146927E09118}" type="datetime1">
               <a:rPr lang="en-GB" noProof="0" smtClean="0"/>
-              <a:t>09/02/2021</a:t>
+              <a:t>10/02/2021</a:t>
             </a:fld>
             <a:endParaRPr lang="en-GB" noProof="0"/>
           </a:p>
@@ -3072,7 +3072,7 @@
           <a:p>
             <a:fld id="{2AD8DA1C-8DF2-40CF-A6C6-9495D045055C}" type="datetime1">
               <a:rPr lang="en-GB" noProof="0" smtClean="0"/>
-              <a:t>09/02/2021</a:t>
+              <a:t>10/02/2021</a:t>
             </a:fld>
             <a:endParaRPr lang="en-GB" noProof="0"/>
           </a:p>
@@ -3477,7 +3477,7 @@
           <a:p>
             <a:fld id="{FA1142E9-37CE-4F05-A30E-024093FAE7FE}" type="datetime1">
               <a:rPr lang="en-GB" noProof="0" smtClean="0"/>
-              <a:t>09/02/2021</a:t>
+              <a:t>10/02/2021</a:t>
             </a:fld>
             <a:endParaRPr lang="en-GB" noProof="0"/>
           </a:p>
@@ -3702,7 +3702,7 @@
           <a:p>
             <a:fld id="{BA4F5F4A-6670-4A3D-BA5D-CF8F09F6A2E1}" type="datetime1">
               <a:rPr lang="en-GB" noProof="0" smtClean="0"/>
-              <a:t>09/02/2021</a:t>
+              <a:t>10/02/2021</a:t>
             </a:fld>
             <a:endParaRPr lang="en-GB" noProof="0"/>
           </a:p>
@@ -4089,7 +4089,7 @@
           <a:p>
             <a:fld id="{FA6CB48B-6017-439D-AA22-D52A1E8E03DF}" type="datetime1">
               <a:rPr lang="en-GB" noProof="0" smtClean="0"/>
-              <a:t>09/02/2021</a:t>
+              <a:t>10/02/2021</a:t>
             </a:fld>
             <a:endParaRPr lang="en-GB" noProof="0"/>
           </a:p>
@@ -4485,7 +4485,7 @@
           <a:p>
             <a:fld id="{43E7B4C2-9CD6-4CF3-963A-B0F7A6D52886}" type="datetime1">
               <a:rPr lang="en-GB" noProof="0" smtClean="0"/>
-              <a:t>09/02/2021</a:t>
+              <a:t>10/02/2021</a:t>
             </a:fld>
             <a:endParaRPr lang="en-GB" noProof="0"/>
           </a:p>
@@ -4793,7 +4793,7 @@
           <a:p>
             <a:fld id="{1EE6AC87-9CEE-4DB8-8548-B22705DD2657}" type="datetime1">
               <a:rPr lang="en-GB" noProof="0" smtClean="0"/>
-              <a:t>09/02/2021</a:t>
+              <a:t>10/02/2021</a:t>
             </a:fld>
             <a:endParaRPr lang="en-GB" noProof="0"/>
           </a:p>
@@ -5249,7 +5249,7 @@
           <a:p>
             <a:fld id="{9D03F41F-2DF9-4314-B419-CB3131364AA1}" type="datetime1">
               <a:rPr lang="en-GB" noProof="0" smtClean="0"/>
-              <a:t>09/02/2021</a:t>
+              <a:t>10/02/2021</a:t>
             </a:fld>
             <a:endParaRPr lang="en-GB" noProof="0"/>
           </a:p>
@@ -5523,7 +5523,7 @@
           <a:p>
             <a:fld id="{A586C00E-9402-4F7D-8E29-ACD9F4C25B61}" type="datetime1">
               <a:rPr lang="en-GB" noProof="0" smtClean="0"/>
-              <a:t>09/02/2021</a:t>
+              <a:t>10/02/2021</a:t>
             </a:fld>
             <a:endParaRPr lang="en-GB" noProof="0"/>
           </a:p>
@@ -5933,7 +5933,7 @@
           <a:p>
             <a:fld id="{DD093AD3-EDC3-4310-A3F5-847AF7FE82B9}" type="datetime1">
               <a:rPr lang="en-GB" noProof="0" smtClean="0"/>
-              <a:t>09/02/2021</a:t>
+              <a:t>10/02/2021</a:t>
             </a:fld>
             <a:endParaRPr lang="en-GB" noProof="0"/>
           </a:p>
@@ -6250,7 +6250,7 @@
           <a:p>
             <a:fld id="{1AFFCF40-801B-4055-982B-AEEA190E0F59}" type="datetime1">
               <a:rPr lang="en-GB" noProof="0" smtClean="0"/>
-              <a:t>09/02/2021</a:t>
+              <a:t>10/02/2021</a:t>
             </a:fld>
             <a:endParaRPr lang="en-GB" noProof="0"/>
           </a:p>
@@ -6703,7 +6703,7 @@
           <a:p>
             <a:fld id="{99D4FE21-5C27-4278-912B-A716F3E94A20}" type="datetime1">
               <a:rPr lang="en-GB" noProof="0" smtClean="0"/>
-              <a:t>09/02/2021</a:t>
+              <a:t>10/02/2021</a:t>
             </a:fld>
             <a:endParaRPr lang="en-GB" noProof="0"/>
           </a:p>
@@ -7457,7 +7457,7 @@
           <a:p>
             <a:fld id="{64EDD59F-3A17-4BC6-9E83-53686DFA9C26}" type="datetime1">
               <a:rPr lang="en-GB" noProof="0" smtClean="0"/>
-              <a:t>09/02/2021</a:t>
+              <a:t>10/02/2021</a:t>
             </a:fld>
             <a:endParaRPr lang="en-GB" noProof="0"/>
           </a:p>
@@ -8086,7 +8086,7 @@
           <a:p>
             <a:fld id="{C03CCED2-7CB5-4D58-8E64-3F32DD8AC35B}" type="datetime1">
               <a:rPr lang="en-GB" noProof="0" smtClean="0"/>
-              <a:t>09/02/2021</a:t>
+              <a:t>10/02/2021</a:t>
             </a:fld>
             <a:endParaRPr lang="en-GB" noProof="0"/>
           </a:p>
@@ -8371,7 +8371,7 @@
           <a:p>
             <a:fld id="{05B95343-439D-47C2-AB7D-A7B7FEDBEAB3}" type="datetime1">
               <a:rPr lang="en-GB" noProof="0" smtClean="0"/>
-              <a:t>09/02/2021</a:t>
+              <a:t>10/02/2021</a:t>
             </a:fld>
             <a:endParaRPr lang="en-GB" noProof="0"/>
           </a:p>
@@ -8698,7 +8698,7 @@
           <a:p>
             <a:fld id="{DFF24113-B408-42F9-B448-C515AD4E1B6E}" type="datetime1">
               <a:rPr lang="en-GB" noProof="0" smtClean="0"/>
-              <a:t>09/02/2021</a:t>
+              <a:t>10/02/2021</a:t>
             </a:fld>
             <a:endParaRPr lang="en-GB" noProof="0"/>
           </a:p>
@@ -9081,7 +9081,7 @@
           <a:p>
             <a:fld id="{E469B13D-3954-4F23-A09B-162115E21D05}" type="datetime1">
               <a:rPr lang="en-GB" noProof="0" smtClean="0"/>
-              <a:t>09/02/2021</a:t>
+              <a:t>10/02/2021</a:t>
             </a:fld>
             <a:endParaRPr lang="en-GB" noProof="0"/>
           </a:p>
@@ -9794,7 +9794,7 @@
           <a:p>
             <a:fld id="{FE98C067-8722-48C5-8452-DDEDD7114E73}" type="datetime1">
               <a:rPr lang="en-GB" noProof="0" smtClean="0"/>
-              <a:t>09/02/2021</a:t>
+              <a:t>10/02/2021</a:t>
             </a:fld>
             <a:endParaRPr lang="en-GB" noProof="0" dirty="0"/>
           </a:p>
@@ -10008,7 +10008,7 @@
           <a:p>
             <a:fld id="{6FA188AA-A794-4652-BE5A-909F08B6167B}" type="datetime1">
               <a:rPr lang="en-GB" noProof="0" smtClean="0"/>
-              <a:t>09/02/2021</a:t>
+              <a:t>10/02/2021</a:t>
             </a:fld>
             <a:endParaRPr lang="en-GB" noProof="0"/>
           </a:p>
@@ -10537,7 +10537,7 @@
           <a:p>
             <a:fld id="{19B791B1-16A9-4796-ABE1-3107E5C870A1}" type="datetime1">
               <a:rPr lang="en-GB" noProof="0" smtClean="0"/>
-              <a:t>09/02/2021</a:t>
+              <a:t>10/02/2021</a:t>
             </a:fld>
             <a:endParaRPr lang="en-GB" noProof="0"/>
           </a:p>
@@ -10899,7 +10899,7 @@
           <a:p>
             <a:fld id="{077F78B7-30BA-47DC-8D3D-B6AF7AA5C106}" type="datetime1">
               <a:rPr lang="en-GB" noProof="0" smtClean="0"/>
-              <a:t>09/02/2021</a:t>
+              <a:t>10/02/2021</a:t>
             </a:fld>
             <a:endParaRPr lang="en-GB" noProof="0"/>
           </a:p>
@@ -11224,7 +11224,7 @@
           <a:p>
             <a:fld id="{7A384A62-AD18-48D9-B88A-A3C8BA3326D3}" type="datetime1">
               <a:rPr lang="en-GB" noProof="0" smtClean="0"/>
-              <a:t>09/02/2021</a:t>
+              <a:t>10/02/2021</a:t>
             </a:fld>
             <a:endParaRPr lang="en-GB" noProof="0"/>
           </a:p>
@@ -11679,7 +11679,7 @@
           <a:p>
             <a:fld id="{B93D2B77-21B4-4503-8F96-67D29A8E98C1}" type="datetime1">
               <a:rPr lang="en-GB" noProof="0" smtClean="0"/>
-              <a:t>09/02/2021</a:t>
+              <a:t>10/02/2021</a:t>
             </a:fld>
             <a:endParaRPr lang="en-GB" noProof="0"/>
           </a:p>
@@ -12166,7 +12166,7 @@
           <a:p>
             <a:fld id="{7B41531B-607C-47F8-B3A9-9457FE35A658}" type="datetime1">
               <a:rPr lang="en-GB" noProof="0" smtClean="0"/>
-              <a:t>09/02/2021</a:t>
+              <a:t>10/02/2021</a:t>
             </a:fld>
             <a:endParaRPr lang="en-GB" noProof="0"/>
           </a:p>
@@ -12769,7 +12769,7 @@
           <a:p>
             <a:fld id="{2B82FCDA-E02D-49C5-97D6-3E67AC7AAA7E}" type="datetime1">
               <a:rPr lang="en-GB" noProof="0" smtClean="0"/>
-              <a:t>09/02/2021</a:t>
+              <a:t>10/02/2021</a:t>
             </a:fld>
             <a:endParaRPr lang="en-GB" noProof="0"/>
           </a:p>
@@ -12966,7 +12966,7 @@
           <a:p>
             <a:fld id="{78524CAB-73A3-4E1C-B819-63001E3C8AC4}" type="datetime1">
               <a:rPr lang="en-GB" noProof="0" smtClean="0"/>
-              <a:t>09/02/2021</a:t>
+              <a:t>10/02/2021</a:t>
             </a:fld>
             <a:endParaRPr lang="en-GB" noProof="0"/>
           </a:p>
@@ -14267,21 +14267,16 @@
             </a:pPr>
             <a:r>
               <a:rPr lang="tr-TR" b="1" dirty="0"/>
-              <a:t> </a:t>
-            </a:r>
-            <a:r>
-              <a:rPr lang="tr-TR" b="1" dirty="0" err="1"/>
-              <a:t>Advance</a:t>
+              <a:t> Advance</a:t>
+            </a:r>
+            <a:r>
+              <a:rPr lang="fi-FI" b="1" dirty="0"/>
+              <a:t>d</a:t>
             </a:r>
             <a:r>
               <a:rPr lang="tr-TR" b="1" dirty="0"/>
-              <a:t> </a:t>
-            </a:r>
-            <a:r>
-              <a:rPr lang="tr-TR" b="1" dirty="0" err="1"/>
-              <a:t>Goals</a:t>
-            </a:r>
-            <a:endParaRPr lang="tr-TR" b="1" dirty="0"/>
+              <a:t> Goals</a:t>
+            </a:r>
           </a:p>
           <a:p>
             <a:pPr marL="314325" lvl="1" indent="0">
@@ -15912,7 +15907,7 @@
               <a:buChar char="Ø"/>
             </a:pPr>
             <a:r>
-              <a:rPr lang="tr-TR" dirty="0" err="1">
+              <a:rPr lang="tr-TR" dirty="0">
                 <a:solidFill>
                   <a:srgbClr val="212529"/>
                 </a:solidFill>
@@ -15921,29 +15916,23 @@
               <a:t>Advance</a:t>
             </a:r>
             <a:r>
+              <a:rPr lang="fi-FI" dirty="0">
+                <a:solidFill>
+                  <a:srgbClr val="212529"/>
+                </a:solidFill>
+                <a:latin typeface="-apple-system"/>
+              </a:rPr>
+              <a:t>d</a:t>
+            </a:r>
+            <a:r>
               <a:rPr lang="tr-TR" dirty="0">
                 <a:solidFill>
                   <a:srgbClr val="212529"/>
                 </a:solidFill>
                 <a:latin typeface="-apple-system"/>
               </a:rPr>
-              <a:t> </a:t>
-            </a:r>
-            <a:r>
-              <a:rPr lang="tr-TR" dirty="0" err="1">
-                <a:solidFill>
-                  <a:srgbClr val="212529"/>
-                </a:solidFill>
-                <a:latin typeface="-apple-system"/>
-              </a:rPr>
-              <a:t>Goals</a:t>
-            </a:r>
-            <a:endParaRPr lang="tr-TR" dirty="0">
-              <a:solidFill>
-                <a:srgbClr val="212529"/>
-              </a:solidFill>
-              <a:latin typeface="-apple-system"/>
-            </a:endParaRPr>
+              <a:t> Goals</a:t>
+            </a:r>
           </a:p>
           <a:p>
             <a:pPr lvl="1">

--- a/Power point files/Project plan report.pptx
+++ b/Power point files/Project plan report.pptx
@@ -5,22 +5,29 @@
     <p:sldMasterId id="2147483768" r:id="rId1"/>
   </p:sldMasterIdLst>
   <p:notesMasterIdLst>
-    <p:notesMasterId r:id="rId12"/>
+    <p:notesMasterId r:id="rId19"/>
   </p:notesMasterIdLst>
   <p:handoutMasterIdLst>
-    <p:handoutMasterId r:id="rId13"/>
+    <p:handoutMasterId r:id="rId20"/>
   </p:handoutMasterIdLst>
   <p:sldIdLst>
     <p:sldId id="257" r:id="rId2"/>
-    <p:sldId id="259" r:id="rId3"/>
-    <p:sldId id="271" r:id="rId4"/>
+    <p:sldId id="271" r:id="rId3"/>
+    <p:sldId id="278" r:id="rId4"/>
     <p:sldId id="272" r:id="rId5"/>
-    <p:sldId id="273" r:id="rId6"/>
-    <p:sldId id="264" r:id="rId7"/>
-    <p:sldId id="274" r:id="rId8"/>
-    <p:sldId id="275" r:id="rId9"/>
-    <p:sldId id="276" r:id="rId10"/>
+    <p:sldId id="264" r:id="rId6"/>
+    <p:sldId id="274" r:id="rId7"/>
+    <p:sldId id="275" r:id="rId8"/>
+    <p:sldId id="279" r:id="rId9"/>
+    <p:sldId id="280" r:id="rId10"/>
     <p:sldId id="277" r:id="rId11"/>
+    <p:sldId id="281" r:id="rId12"/>
+    <p:sldId id="284" r:id="rId13"/>
+    <p:sldId id="285" r:id="rId14"/>
+    <p:sldId id="286" r:id="rId15"/>
+    <p:sldId id="282" r:id="rId16"/>
+    <p:sldId id="283" r:id="rId17"/>
+    <p:sldId id="287" r:id="rId18"/>
   </p:sldIdLst>
   <p:sldSz cx="12192000" cy="6858000"/>
   <p:notesSz cx="6858000" cy="9144000"/>
@@ -125,15 +132,22 @@
         <p14:section name="Untitled Section" id="{9A2B7D9F-E4A9-43B5-86FB-07816A5D50AE}">
           <p14:sldIdLst>
             <p14:sldId id="257"/>
-            <p14:sldId id="259"/>
             <p14:sldId id="271"/>
+            <p14:sldId id="278"/>
             <p14:sldId id="272"/>
-            <p14:sldId id="273"/>
             <p14:sldId id="264"/>
             <p14:sldId id="274"/>
             <p14:sldId id="275"/>
-            <p14:sldId id="276"/>
+            <p14:sldId id="279"/>
+            <p14:sldId id="280"/>
             <p14:sldId id="277"/>
+            <p14:sldId id="281"/>
+            <p14:sldId id="284"/>
+            <p14:sldId id="285"/>
+            <p14:sldId id="286"/>
+            <p14:sldId id="282"/>
+            <p14:sldId id="283"/>
+            <p14:sldId id="287"/>
           </p14:sldIdLst>
         </p14:section>
       </p14:sectionLst>
@@ -216,7 +230,7 @@
           <a:p>
             <a:fld id="{3C11D06C-D5DE-814D-931E-02A0CE659BAA}" type="datetimeFigureOut">
               <a:rPr lang="fi-FI" smtClean="0"/>
-              <a:t>10.2.2021</a:t>
+              <a:t>11.2.2021</a:t>
             </a:fld>
             <a:endParaRPr lang="fi-FI"/>
           </a:p>
@@ -393,7 +407,7 @@
           <a:p>
             <a:fld id="{5CE9BFB5-475C-5B44-BA4D-42DE8089864D}" type="datetimeFigureOut">
               <a:rPr lang="fi-FI" smtClean="0"/>
-              <a:t>10.2.2021</a:t>
+              <a:t>11.2.2021</a:t>
             </a:fld>
             <a:endParaRPr lang="fi-FI"/>
           </a:p>
@@ -947,7 +961,7 @@
           <a:p>
             <a:fld id="{46F494B7-536B-4523-A93B-014DDA635166}" type="datetime1">
               <a:rPr lang="en-GB" noProof="0" smtClean="0"/>
-              <a:t>10/02/2021</a:t>
+              <a:t>11/02/2021</a:t>
             </a:fld>
             <a:endParaRPr lang="en-GB" noProof="0"/>
           </a:p>
@@ -1259,7 +1273,7 @@
           <a:p>
             <a:fld id="{E49F6CDD-3D96-4E59-90E6-D27F0B55FBA1}" type="datetime1">
               <a:rPr lang="en-GB" noProof="0" smtClean="0"/>
-              <a:t>10/02/2021</a:t>
+              <a:t>11/02/2021</a:t>
             </a:fld>
             <a:endParaRPr lang="en-GB" noProof="0"/>
           </a:p>
@@ -1396,7 +1410,7 @@
           <a:p>
             <a:fld id="{CF43835C-B417-41EC-B18F-FE0259E07427}" type="datetime1">
               <a:rPr lang="en-GB" noProof="0" smtClean="0"/>
-              <a:t>10/02/2021</a:t>
+              <a:t>11/02/2021</a:t>
             </a:fld>
             <a:endParaRPr lang="en-GB" noProof="0"/>
           </a:p>
@@ -1794,7 +1808,7 @@
           <a:p>
             <a:fld id="{2AA00BC7-E6BD-409E-AC0A-D889FBBF3E1F}" type="datetime1">
               <a:rPr lang="en-GB" noProof="0" smtClean="0"/>
-              <a:t>10/02/2021</a:t>
+              <a:t>11/02/2021</a:t>
             </a:fld>
             <a:endParaRPr lang="en-GB" noProof="0"/>
           </a:p>
@@ -1993,7 +2007,7 @@
           <a:p>
             <a:fld id="{79F7EF30-58D9-49C5-94D1-8B67946A371B}" type="datetime1">
               <a:rPr lang="en-GB" noProof="0" smtClean="0"/>
-              <a:t>10/02/2021</a:t>
+              <a:t>11/02/2021</a:t>
             </a:fld>
             <a:endParaRPr lang="en-GB" noProof="0"/>
           </a:p>
@@ -2356,7 +2370,7 @@
           <a:p>
             <a:fld id="{9A4C26E0-BC88-47C0-AD7A-A430FED46C56}" type="datetime1">
               <a:rPr lang="en-GB" noProof="0" smtClean="0"/>
-              <a:t>10/02/2021</a:t>
+              <a:t>11/02/2021</a:t>
             </a:fld>
             <a:endParaRPr lang="en-GB" noProof="0"/>
           </a:p>
@@ -2847,7 +2861,7 @@
           <a:p>
             <a:fld id="{F4E85C38-12AF-4A65-9090-146927E09118}" type="datetime1">
               <a:rPr lang="en-GB" noProof="0" smtClean="0"/>
-              <a:t>10/02/2021</a:t>
+              <a:t>11/02/2021</a:t>
             </a:fld>
             <a:endParaRPr lang="en-GB" noProof="0"/>
           </a:p>
@@ -3072,7 +3086,7 @@
           <a:p>
             <a:fld id="{2AD8DA1C-8DF2-40CF-A6C6-9495D045055C}" type="datetime1">
               <a:rPr lang="en-GB" noProof="0" smtClean="0"/>
-              <a:t>10/02/2021</a:t>
+              <a:t>11/02/2021</a:t>
             </a:fld>
             <a:endParaRPr lang="en-GB" noProof="0"/>
           </a:p>
@@ -3477,7 +3491,7 @@
           <a:p>
             <a:fld id="{FA1142E9-37CE-4F05-A30E-024093FAE7FE}" type="datetime1">
               <a:rPr lang="en-GB" noProof="0" smtClean="0"/>
-              <a:t>10/02/2021</a:t>
+              <a:t>11/02/2021</a:t>
             </a:fld>
             <a:endParaRPr lang="en-GB" noProof="0"/>
           </a:p>
@@ -3702,7 +3716,7 @@
           <a:p>
             <a:fld id="{BA4F5F4A-6670-4A3D-BA5D-CF8F09F6A2E1}" type="datetime1">
               <a:rPr lang="en-GB" noProof="0" smtClean="0"/>
-              <a:t>10/02/2021</a:t>
+              <a:t>11/02/2021</a:t>
             </a:fld>
             <a:endParaRPr lang="en-GB" noProof="0"/>
           </a:p>
@@ -4089,7 +4103,7 @@
           <a:p>
             <a:fld id="{FA6CB48B-6017-439D-AA22-D52A1E8E03DF}" type="datetime1">
               <a:rPr lang="en-GB" noProof="0" smtClean="0"/>
-              <a:t>10/02/2021</a:t>
+              <a:t>11/02/2021</a:t>
             </a:fld>
             <a:endParaRPr lang="en-GB" noProof="0"/>
           </a:p>
@@ -4485,7 +4499,7 @@
           <a:p>
             <a:fld id="{43E7B4C2-9CD6-4CF3-963A-B0F7A6D52886}" type="datetime1">
               <a:rPr lang="en-GB" noProof="0" smtClean="0"/>
-              <a:t>10/02/2021</a:t>
+              <a:t>11/02/2021</a:t>
             </a:fld>
             <a:endParaRPr lang="en-GB" noProof="0"/>
           </a:p>
@@ -4793,7 +4807,7 @@
           <a:p>
             <a:fld id="{1EE6AC87-9CEE-4DB8-8548-B22705DD2657}" type="datetime1">
               <a:rPr lang="en-GB" noProof="0" smtClean="0"/>
-              <a:t>10/02/2021</a:t>
+              <a:t>11/02/2021</a:t>
             </a:fld>
             <a:endParaRPr lang="en-GB" noProof="0"/>
           </a:p>
@@ -5249,7 +5263,7 @@
           <a:p>
             <a:fld id="{9D03F41F-2DF9-4314-B419-CB3131364AA1}" type="datetime1">
               <a:rPr lang="en-GB" noProof="0" smtClean="0"/>
-              <a:t>10/02/2021</a:t>
+              <a:t>11/02/2021</a:t>
             </a:fld>
             <a:endParaRPr lang="en-GB" noProof="0"/>
           </a:p>
@@ -5523,7 +5537,7 @@
           <a:p>
             <a:fld id="{A586C00E-9402-4F7D-8E29-ACD9F4C25B61}" type="datetime1">
               <a:rPr lang="en-GB" noProof="0" smtClean="0"/>
-              <a:t>10/02/2021</a:t>
+              <a:t>11/02/2021</a:t>
             </a:fld>
             <a:endParaRPr lang="en-GB" noProof="0"/>
           </a:p>
@@ -5933,7 +5947,7 @@
           <a:p>
             <a:fld id="{DD093AD3-EDC3-4310-A3F5-847AF7FE82B9}" type="datetime1">
               <a:rPr lang="en-GB" noProof="0" smtClean="0"/>
-              <a:t>10/02/2021</a:t>
+              <a:t>11/02/2021</a:t>
             </a:fld>
             <a:endParaRPr lang="en-GB" noProof="0"/>
           </a:p>
@@ -6250,7 +6264,7 @@
           <a:p>
             <a:fld id="{1AFFCF40-801B-4055-982B-AEEA190E0F59}" type="datetime1">
               <a:rPr lang="en-GB" noProof="0" smtClean="0"/>
-              <a:t>10/02/2021</a:t>
+              <a:t>11/02/2021</a:t>
             </a:fld>
             <a:endParaRPr lang="en-GB" noProof="0"/>
           </a:p>
@@ -6703,7 +6717,7 @@
           <a:p>
             <a:fld id="{99D4FE21-5C27-4278-912B-A716F3E94A20}" type="datetime1">
               <a:rPr lang="en-GB" noProof="0" smtClean="0"/>
-              <a:t>10/02/2021</a:t>
+              <a:t>11/02/2021</a:t>
             </a:fld>
             <a:endParaRPr lang="en-GB" noProof="0"/>
           </a:p>
@@ -7457,7 +7471,7 @@
           <a:p>
             <a:fld id="{64EDD59F-3A17-4BC6-9E83-53686DFA9C26}" type="datetime1">
               <a:rPr lang="en-GB" noProof="0" smtClean="0"/>
-              <a:t>10/02/2021</a:t>
+              <a:t>11/02/2021</a:t>
             </a:fld>
             <a:endParaRPr lang="en-GB" noProof="0"/>
           </a:p>
@@ -8086,7 +8100,7 @@
           <a:p>
             <a:fld id="{C03CCED2-7CB5-4D58-8E64-3F32DD8AC35B}" type="datetime1">
               <a:rPr lang="en-GB" noProof="0" smtClean="0"/>
-              <a:t>10/02/2021</a:t>
+              <a:t>11/02/2021</a:t>
             </a:fld>
             <a:endParaRPr lang="en-GB" noProof="0"/>
           </a:p>
@@ -8371,7 +8385,7 @@
           <a:p>
             <a:fld id="{05B95343-439D-47C2-AB7D-A7B7FEDBEAB3}" type="datetime1">
               <a:rPr lang="en-GB" noProof="0" smtClean="0"/>
-              <a:t>10/02/2021</a:t>
+              <a:t>11/02/2021</a:t>
             </a:fld>
             <a:endParaRPr lang="en-GB" noProof="0"/>
           </a:p>
@@ -8698,7 +8712,7 @@
           <a:p>
             <a:fld id="{DFF24113-B408-42F9-B448-C515AD4E1B6E}" type="datetime1">
               <a:rPr lang="en-GB" noProof="0" smtClean="0"/>
-              <a:t>10/02/2021</a:t>
+              <a:t>11/02/2021</a:t>
             </a:fld>
             <a:endParaRPr lang="en-GB" noProof="0"/>
           </a:p>
@@ -9081,7 +9095,7 @@
           <a:p>
             <a:fld id="{E469B13D-3954-4F23-A09B-162115E21D05}" type="datetime1">
               <a:rPr lang="en-GB" noProof="0" smtClean="0"/>
-              <a:t>10/02/2021</a:t>
+              <a:t>11/02/2021</a:t>
             </a:fld>
             <a:endParaRPr lang="en-GB" noProof="0"/>
           </a:p>
@@ -9794,7 +9808,7 @@
           <a:p>
             <a:fld id="{FE98C067-8722-48C5-8452-DDEDD7114E73}" type="datetime1">
               <a:rPr lang="en-GB" noProof="0" smtClean="0"/>
-              <a:t>10/02/2021</a:t>
+              <a:t>11/02/2021</a:t>
             </a:fld>
             <a:endParaRPr lang="en-GB" noProof="0" dirty="0"/>
           </a:p>
@@ -10008,7 +10022,7 @@
           <a:p>
             <a:fld id="{6FA188AA-A794-4652-BE5A-909F08B6167B}" type="datetime1">
               <a:rPr lang="en-GB" noProof="0" smtClean="0"/>
-              <a:t>10/02/2021</a:t>
+              <a:t>11/02/2021</a:t>
             </a:fld>
             <a:endParaRPr lang="en-GB" noProof="0"/>
           </a:p>
@@ -10537,7 +10551,7 @@
           <a:p>
             <a:fld id="{19B791B1-16A9-4796-ABE1-3107E5C870A1}" type="datetime1">
               <a:rPr lang="en-GB" noProof="0" smtClean="0"/>
-              <a:t>10/02/2021</a:t>
+              <a:t>11/02/2021</a:t>
             </a:fld>
             <a:endParaRPr lang="en-GB" noProof="0"/>
           </a:p>
@@ -10899,7 +10913,7 @@
           <a:p>
             <a:fld id="{077F78B7-30BA-47DC-8D3D-B6AF7AA5C106}" type="datetime1">
               <a:rPr lang="en-GB" noProof="0" smtClean="0"/>
-              <a:t>10/02/2021</a:t>
+              <a:t>11/02/2021</a:t>
             </a:fld>
             <a:endParaRPr lang="en-GB" noProof="0"/>
           </a:p>
@@ -11224,7 +11238,7 @@
           <a:p>
             <a:fld id="{7A384A62-AD18-48D9-B88A-A3C8BA3326D3}" type="datetime1">
               <a:rPr lang="en-GB" noProof="0" smtClean="0"/>
-              <a:t>10/02/2021</a:t>
+              <a:t>11/02/2021</a:t>
             </a:fld>
             <a:endParaRPr lang="en-GB" noProof="0"/>
           </a:p>
@@ -11679,7 +11693,7 @@
           <a:p>
             <a:fld id="{B93D2B77-21B4-4503-8F96-67D29A8E98C1}" type="datetime1">
               <a:rPr lang="en-GB" noProof="0" smtClean="0"/>
-              <a:t>10/02/2021</a:t>
+              <a:t>11/02/2021</a:t>
             </a:fld>
             <a:endParaRPr lang="en-GB" noProof="0"/>
           </a:p>
@@ -12166,7 +12180,7 @@
           <a:p>
             <a:fld id="{7B41531B-607C-47F8-B3A9-9457FE35A658}" type="datetime1">
               <a:rPr lang="en-GB" noProof="0" smtClean="0"/>
-              <a:t>10/02/2021</a:t>
+              <a:t>11/02/2021</a:t>
             </a:fld>
             <a:endParaRPr lang="en-GB" noProof="0"/>
           </a:p>
@@ -12769,7 +12783,7 @@
           <a:p>
             <a:fld id="{2B82FCDA-E02D-49C5-97D6-3E67AC7AAA7E}" type="datetime1">
               <a:rPr lang="en-GB" noProof="0" smtClean="0"/>
-              <a:t>10/02/2021</a:t>
+              <a:t>11/02/2021</a:t>
             </a:fld>
             <a:endParaRPr lang="en-GB" noProof="0"/>
           </a:p>
@@ -12966,7 +12980,7 @@
           <a:p>
             <a:fld id="{78524CAB-73A3-4E1C-B819-63001E3C8AC4}" type="datetime1">
               <a:rPr lang="en-GB" noProof="0" smtClean="0"/>
-              <a:t>10/02/2021</a:t>
+              <a:t>11/02/2021</a:t>
             </a:fld>
             <a:endParaRPr lang="en-GB" noProof="0"/>
           </a:p>
@@ -13571,48 +13585,32 @@
           <a:lstStyle/>
           <a:p>
             <a:r>
-              <a:rPr lang="tr-TR" sz="4900" dirty="0" err="1"/>
-              <a:t>Automated</a:t>
-            </a:r>
-            <a:r>
               <a:rPr lang="tr-TR" sz="4900" dirty="0"/>
-              <a:t> </a:t>
-            </a:r>
-            <a:r>
-              <a:rPr lang="tr-TR" sz="4900" dirty="0" err="1"/>
-              <a:t>spatiotemoral</a:t>
+              <a:t>Automated spatiotem</a:t>
+            </a:r>
+            <a:r>
+              <a:rPr lang="fi-FI" sz="4900" dirty="0"/>
+              <a:t>p</a:t>
             </a:r>
             <a:r>
               <a:rPr lang="tr-TR" sz="4900" dirty="0"/>
-              <a:t> </a:t>
-            </a:r>
-            <a:r>
-              <a:rPr lang="tr-TR" sz="4900" dirty="0" err="1"/>
-              <a:t>annotation</a:t>
+              <a:t>oral annotation of sound o</a:t>
+            </a:r>
+            <a:r>
+              <a:rPr lang="fi-FI" sz="4900" dirty="0"/>
+              <a:t>b</a:t>
             </a:r>
             <a:r>
               <a:rPr lang="tr-TR" sz="4900" dirty="0"/>
-              <a:t> of </a:t>
-            </a:r>
-            <a:r>
-              <a:rPr lang="tr-TR" sz="4900" dirty="0" err="1"/>
-              <a:t>sound</a:t>
+              <a:t>ject</a:t>
+            </a:r>
+            <a:r>
+              <a:rPr lang="fi-FI" sz="4900" dirty="0"/>
+              <a:t>s</a:t>
             </a:r>
             <a:r>
               <a:rPr lang="tr-TR" sz="4900" dirty="0"/>
-              <a:t> </a:t>
-            </a:r>
-            <a:r>
-              <a:rPr lang="tr-TR" sz="4900" dirty="0" err="1"/>
-              <a:t>oject</a:t>
-            </a:r>
-            <a:r>
-              <a:rPr lang="tr-TR" sz="4900" dirty="0"/>
-              <a:t> in a </a:t>
-            </a:r>
-            <a:r>
-              <a:rPr lang="tr-TR" sz="4900" dirty="0" err="1"/>
-              <a:t>scene</a:t>
+              <a:t> in a scene</a:t>
             </a:r>
             <a:endParaRPr lang="en-GB" sz="4900" dirty="0"/>
           </a:p>
@@ -13973,8 +13971,8 @@
         </p:nvSpPr>
         <p:spPr>
           <a:xfrm>
-            <a:off x="550861" y="3124201"/>
-            <a:ext cx="11083550" cy="807926"/>
+            <a:off x="550861" y="3428999"/>
+            <a:ext cx="11083550" cy="844499"/>
           </a:xfrm>
           <a:prstGeom prst="rect">
             <a:avLst/>
@@ -14167,7 +14165,11 @@
           <a:p>
             <a:r>
               <a:rPr lang="tr-TR" sz="3000" dirty="0"/>
-              <a:t>Project Plan Report</a:t>
+              <a:t>Project Plan </a:t>
+            </a:r>
+            <a:r>
+              <a:rPr lang="fi-FI" sz="3000" dirty="0"/>
+              <a:t>Presentation</a:t>
             </a:r>
             <a:endParaRPr lang="en-US" sz="3000" dirty="0"/>
           </a:p>
@@ -14226,11 +14228,15 @@
           <a:p>
             <a:r>
               <a:rPr lang="tr-TR" dirty="0"/>
-              <a:t>Project </a:t>
-            </a:r>
-            <a:r>
-              <a:rPr lang="tr-TR" dirty="0" err="1"/>
-              <a:t>Objectives</a:t>
+              <a:t>Project Objectives</a:t>
+            </a:r>
+            <a:r>
+              <a:rPr lang="fi-FI" dirty="0"/>
+              <a:t> – Advanced </a:t>
+            </a:r>
+            <a:r>
+              <a:rPr lang="fi-FI" dirty="0" err="1"/>
+              <a:t>Goal</a:t>
             </a:r>
             <a:endParaRPr lang="en-US" dirty="0"/>
           </a:p>
@@ -14262,67 +14268,241 @@
           <a:bodyPr/>
           <a:lstStyle/>
           <a:p>
-            <a:pPr marL="828675" lvl="1" indent="-514350">
-              <a:buAutoNum type="arabicPeriod"/>
-            </a:pPr>
-            <a:r>
-              <a:rPr lang="tr-TR" b="1" dirty="0"/>
-              <a:t> Advance</a:t>
-            </a:r>
-            <a:r>
-              <a:rPr lang="fi-FI" b="1" dirty="0"/>
-              <a:t>d</a:t>
-            </a:r>
-            <a:r>
-              <a:rPr lang="tr-TR" b="1" dirty="0"/>
-              <a:t> Goals</a:t>
-            </a:r>
-          </a:p>
-          <a:p>
-            <a:pPr marL="314325" lvl="1" indent="0">
-              <a:buNone/>
-            </a:pPr>
-            <a:endParaRPr lang="tr-TR" b="1" dirty="0"/>
-          </a:p>
-          <a:p>
-            <a:pPr marL="314325" lvl="1" indent="0">
-              <a:buNone/>
-            </a:pPr>
-            <a:endParaRPr lang="tr-TR" dirty="0"/>
-          </a:p>
-          <a:p>
-            <a:pPr marL="314325" lvl="1" indent="0">
-              <a:buNone/>
-            </a:pPr>
-            <a:r>
-              <a:rPr lang="tr-TR" dirty="0" err="1"/>
-              <a:t>Kalle</a:t>
-            </a:r>
-            <a:r>
-              <a:rPr lang="tr-TR" dirty="0"/>
+            <a:pPr lvl="1"/>
+            <a:r>
+              <a:rPr lang="tr-TR" dirty="0">
+                <a:latin typeface="NimbusSanL-Regu"/>
+              </a:rPr>
+              <a:t>The </a:t>
+            </a:r>
+            <a:r>
+              <a:rPr lang="fi-FI" dirty="0" err="1">
+                <a:latin typeface="NimbusSanL-Regu"/>
+              </a:rPr>
+              <a:t>advanced</a:t>
+            </a:r>
+            <a:r>
+              <a:rPr lang="tr-TR" dirty="0">
+                <a:latin typeface="NimbusSanL-Regu"/>
+              </a:rPr>
+              <a:t> goal </a:t>
+            </a:r>
+            <a:r>
+              <a:rPr lang="fi-FI" dirty="0" err="1">
+                <a:latin typeface="NimbusSanL-Regu"/>
+              </a:rPr>
+              <a:t>builds</a:t>
+            </a:r>
+            <a:r>
+              <a:rPr lang="fi-FI" dirty="0">
+                <a:latin typeface="NimbusSanL-Regu"/>
+              </a:rPr>
+              <a:t> on top of </a:t>
+            </a:r>
+            <a:r>
+              <a:rPr lang="fi-FI" dirty="0" err="1">
+                <a:latin typeface="NimbusSanL-Regu"/>
+              </a:rPr>
+              <a:t>the</a:t>
+            </a:r>
+            <a:r>
+              <a:rPr lang="fi-FI" dirty="0">
+                <a:latin typeface="NimbusSanL-Regu"/>
+              </a:rPr>
               <a:t> </a:t>
             </a:r>
             <a:r>
-              <a:rPr lang="tr-TR" dirty="0" err="1"/>
-              <a:t>will</a:t>
-            </a:r>
-            <a:r>
-              <a:rPr lang="tr-TR" dirty="0"/>
+              <a:rPr lang="fi-FI" dirty="0" err="1">
+                <a:latin typeface="NimbusSanL-Regu"/>
+              </a:rPr>
+              <a:t>basic</a:t>
+            </a:r>
+            <a:r>
+              <a:rPr lang="fi-FI" dirty="0">
+                <a:latin typeface="NimbusSanL-Regu"/>
+              </a:rPr>
               <a:t> </a:t>
             </a:r>
             <a:r>
-              <a:rPr lang="tr-TR" dirty="0" err="1"/>
-              <a:t>take</a:t>
-            </a:r>
-            <a:r>
-              <a:rPr lang="tr-TR" dirty="0"/>
+              <a:rPr lang="fi-FI" dirty="0" err="1">
+                <a:latin typeface="NimbusSanL-Regu"/>
+              </a:rPr>
+              <a:t>goal</a:t>
+            </a:r>
+            <a:r>
+              <a:rPr lang="fi-FI" dirty="0">
+                <a:latin typeface="NimbusSanL-Regu"/>
+              </a:rPr>
               <a:t> </a:t>
             </a:r>
-            <a:r>
-              <a:rPr lang="tr-TR" dirty="0" err="1"/>
-              <a:t>care</a:t>
-            </a:r>
-            <a:endParaRPr lang="tr-TR" dirty="0"/>
+            <a:endParaRPr lang="tr-TR" dirty="0">
+              <a:latin typeface="NimbusSanL-Regu"/>
+            </a:endParaRPr>
+          </a:p>
+          <a:p>
+            <a:pPr lvl="1"/>
+            <a:r>
+              <a:rPr lang="tr-TR" dirty="0">
+                <a:latin typeface="NimbusSanL-Regu"/>
+              </a:rPr>
+              <a:t>Each Project member </a:t>
+            </a:r>
+            <a:r>
+              <a:rPr lang="fi-FI" dirty="0" err="1">
+                <a:latin typeface="NimbusSanL-Regu"/>
+              </a:rPr>
+              <a:t>gains</a:t>
+            </a:r>
+            <a:r>
+              <a:rPr lang="fi-FI" dirty="0">
+                <a:latin typeface="NimbusSanL-Regu"/>
+              </a:rPr>
+              <a:t> 6 </a:t>
+            </a:r>
+            <a:r>
+              <a:rPr lang="fi-FI" dirty="0" err="1">
+                <a:latin typeface="NimbusSanL-Regu"/>
+              </a:rPr>
+              <a:t>credits</a:t>
+            </a:r>
+            <a:r>
+              <a:rPr lang="fi-FI" dirty="0">
+                <a:latin typeface="NimbusSanL-Regu"/>
+              </a:rPr>
+              <a:t> </a:t>
+            </a:r>
+            <a:r>
+              <a:rPr lang="fi-FI" dirty="0" err="1">
+                <a:latin typeface="NimbusSanL-Regu"/>
+              </a:rPr>
+              <a:t>if</a:t>
+            </a:r>
+            <a:r>
+              <a:rPr lang="fi-FI" dirty="0">
+                <a:latin typeface="NimbusSanL-Regu"/>
+              </a:rPr>
+              <a:t> </a:t>
+            </a:r>
+            <a:r>
+              <a:rPr lang="fi-FI" dirty="0" err="1">
+                <a:latin typeface="NimbusSanL-Regu"/>
+              </a:rPr>
+              <a:t>the</a:t>
+            </a:r>
+            <a:r>
+              <a:rPr lang="fi-FI" dirty="0">
+                <a:latin typeface="NimbusSanL-Regu"/>
+              </a:rPr>
+              <a:t> </a:t>
+            </a:r>
+            <a:r>
+              <a:rPr lang="fi-FI" dirty="0" err="1">
+                <a:latin typeface="NimbusSanL-Regu"/>
+              </a:rPr>
+              <a:t>advanced</a:t>
+            </a:r>
+            <a:r>
+              <a:rPr lang="fi-FI" dirty="0">
+                <a:latin typeface="NimbusSanL-Regu"/>
+              </a:rPr>
+              <a:t> </a:t>
+            </a:r>
+            <a:r>
+              <a:rPr lang="fi-FI" dirty="0" err="1">
+                <a:latin typeface="NimbusSanL-Regu"/>
+              </a:rPr>
+              <a:t>goal</a:t>
+            </a:r>
+            <a:r>
+              <a:rPr lang="fi-FI" dirty="0">
+                <a:latin typeface="NimbusSanL-Regu"/>
+              </a:rPr>
+              <a:t> is </a:t>
+            </a:r>
+            <a:r>
+              <a:rPr lang="fi-FI" dirty="0" err="1">
+                <a:latin typeface="NimbusSanL-Regu"/>
+              </a:rPr>
+              <a:t>achieved</a:t>
+            </a:r>
+            <a:endParaRPr lang="tr-TR" dirty="0">
+              <a:latin typeface="NimbusSanL-Regu"/>
+            </a:endParaRPr>
+          </a:p>
+          <a:p>
+            <a:pPr lvl="1"/>
+            <a:r>
+              <a:rPr lang="tr-TR" dirty="0">
+                <a:latin typeface="NimbusSanL-Regu"/>
+              </a:rPr>
+              <a:t>The work spent on the </a:t>
+            </a:r>
+            <a:r>
+              <a:rPr lang="fi-FI" dirty="0" err="1">
+                <a:latin typeface="NimbusSanL-Regu"/>
+              </a:rPr>
+              <a:t>project</a:t>
+            </a:r>
+            <a:r>
+              <a:rPr lang="fi-FI" dirty="0">
+                <a:latin typeface="NimbusSanL-Regu"/>
+              </a:rPr>
+              <a:t> </a:t>
+            </a:r>
+            <a:r>
+              <a:rPr lang="tr-TR" dirty="0">
+                <a:latin typeface="NimbusSanL-Regu"/>
+              </a:rPr>
+              <a:t>will be</a:t>
+            </a:r>
+            <a:r>
+              <a:rPr lang="fi-FI" dirty="0">
+                <a:latin typeface="NimbusSanL-Regu"/>
+              </a:rPr>
+              <a:t> </a:t>
+            </a:r>
+            <a:r>
+              <a:rPr lang="fi-FI" dirty="0" err="1">
+                <a:latin typeface="NimbusSanL-Regu"/>
+              </a:rPr>
+              <a:t>then</a:t>
+            </a:r>
+            <a:r>
+              <a:rPr lang="fi-FI" dirty="0">
+                <a:latin typeface="NimbusSanL-Regu"/>
+              </a:rPr>
+              <a:t> </a:t>
+            </a:r>
+            <a:r>
+              <a:rPr lang="tr-TR" dirty="0">
+                <a:latin typeface="NimbusSanL-Regu"/>
+              </a:rPr>
+              <a:t>1</a:t>
+            </a:r>
+            <a:r>
+              <a:rPr lang="fi-FI" dirty="0">
+                <a:latin typeface="NimbusSanL-Regu"/>
+              </a:rPr>
+              <a:t>60</a:t>
+            </a:r>
+            <a:r>
+              <a:rPr lang="tr-TR" dirty="0">
+                <a:latin typeface="NimbusSanL-Regu"/>
+              </a:rPr>
+              <a:t> hours for each </a:t>
+            </a:r>
+            <a:r>
+              <a:rPr lang="fi-FI" dirty="0">
+                <a:latin typeface="NimbusSanL-Regu"/>
+              </a:rPr>
+              <a:t>p</a:t>
+            </a:r>
+            <a:r>
+              <a:rPr lang="tr-TR" dirty="0">
+                <a:latin typeface="NimbusSanL-Regu"/>
+              </a:rPr>
+              <a:t>roject member</a:t>
+            </a:r>
           </a:p>
         </p:txBody>
       </p:sp>
@@ -14364,6 +14544,2410 @@
     <p:extLst>
       <p:ext uri="{BB962C8B-B14F-4D97-AF65-F5344CB8AC3E}">
         <p14:creationId xmlns:p14="http://schemas.microsoft.com/office/powerpoint/2010/main" val="1883330916"/>
+      </p:ext>
+    </p:extLst>
+  </p:cSld>
+  <p:clrMapOvr>
+    <a:masterClrMapping/>
+  </p:clrMapOvr>
+</p:sld>
+</file>
+
+<file path=ppt/slides/slide11.xml><?xml version="1.0" encoding="utf-8"?>
+<p:sld xmlns:a="http://schemas.openxmlformats.org/drawingml/2006/main" xmlns:r="http://schemas.openxmlformats.org/officeDocument/2006/relationships" xmlns:p="http://schemas.openxmlformats.org/presentationml/2006/main">
+  <p:cSld>
+    <p:spTree>
+      <p:nvGrpSpPr>
+        <p:cNvPr id="1" name=""/>
+        <p:cNvGrpSpPr/>
+        <p:nvPr/>
+      </p:nvGrpSpPr>
+      <p:grpSpPr>
+        <a:xfrm>
+          <a:off x="0" y="0"/>
+          <a:ext cx="0" cy="0"/>
+          <a:chOff x="0" y="0"/>
+          <a:chExt cx="0" cy="0"/>
+        </a:xfrm>
+      </p:grpSpPr>
+      <p:sp>
+        <p:nvSpPr>
+          <p:cNvPr id="2" name="Title 1">
+            <a:extLst>
+              <a:ext uri="{FF2B5EF4-FFF2-40B4-BE49-F238E27FC236}">
+                <a16:creationId xmlns:a16="http://schemas.microsoft.com/office/drawing/2014/main" id="{10D59A80-BFF6-45E4-8F1C-74D85672B4AA}"/>
+              </a:ext>
+            </a:extLst>
+          </p:cNvPr>
+          <p:cNvSpPr>
+            <a:spLocks noGrp="1"/>
+          </p:cNvSpPr>
+          <p:nvPr>
+            <p:ph type="title"/>
+          </p:nvPr>
+        </p:nvSpPr>
+        <p:spPr/>
+        <p:txBody>
+          <a:bodyPr/>
+          <a:lstStyle/>
+          <a:p>
+            <a:r>
+              <a:rPr lang="tr-TR" dirty="0"/>
+              <a:t>Project Objectives</a:t>
+            </a:r>
+            <a:r>
+              <a:rPr lang="fi-FI" dirty="0"/>
+              <a:t> – Advanced </a:t>
+            </a:r>
+            <a:r>
+              <a:rPr lang="fi-FI" dirty="0" err="1"/>
+              <a:t>Goal</a:t>
+            </a:r>
+            <a:endParaRPr lang="en-US" dirty="0"/>
+          </a:p>
+        </p:txBody>
+      </p:sp>
+      <p:sp>
+        <p:nvSpPr>
+          <p:cNvPr id="3" name="Content Placeholder 2">
+            <a:extLst>
+              <a:ext uri="{FF2B5EF4-FFF2-40B4-BE49-F238E27FC236}">
+                <a16:creationId xmlns:a16="http://schemas.microsoft.com/office/drawing/2014/main" id="{B5D88BC1-ADA4-48BD-B029-67DF749CA0AD}"/>
+              </a:ext>
+            </a:extLst>
+          </p:cNvPr>
+          <p:cNvSpPr>
+            <a:spLocks noGrp="1"/>
+          </p:cNvSpPr>
+          <p:nvPr>
+            <p:ph idx="1"/>
+          </p:nvPr>
+        </p:nvSpPr>
+        <p:spPr>
+          <a:xfrm>
+            <a:off x="410399" y="1707296"/>
+            <a:ext cx="11286605" cy="4782403"/>
+          </a:xfrm>
+        </p:spPr>
+        <p:txBody>
+          <a:bodyPr/>
+          <a:lstStyle/>
+          <a:p>
+            <a:pPr lvl="1"/>
+            <a:r>
+              <a:rPr lang="tr-TR" dirty="0">
+                <a:latin typeface="NimbusSanL-Regu"/>
+              </a:rPr>
+              <a:t>The objectives of the basic goal are as follows:</a:t>
+            </a:r>
+            <a:endParaRPr lang="fi-FI" dirty="0">
+              <a:latin typeface="NimbusSanL-Regu"/>
+            </a:endParaRPr>
+          </a:p>
+          <a:p>
+            <a:pPr lvl="2"/>
+            <a:r>
+              <a:rPr lang="fi-FI" dirty="0">
+                <a:latin typeface="NimbusSanL-Regu"/>
+              </a:rPr>
+              <a:t>Design </a:t>
+            </a:r>
+            <a:r>
+              <a:rPr lang="fi-FI" dirty="0" err="1">
+                <a:latin typeface="NimbusSanL-Regu"/>
+              </a:rPr>
+              <a:t>more</a:t>
+            </a:r>
+            <a:r>
+              <a:rPr lang="fi-FI" dirty="0">
+                <a:latin typeface="NimbusSanL-Regu"/>
+              </a:rPr>
+              <a:t> </a:t>
+            </a:r>
+            <a:r>
+              <a:rPr lang="fi-FI" dirty="0" err="1">
+                <a:latin typeface="NimbusSanL-Regu"/>
+              </a:rPr>
+              <a:t>complicated</a:t>
+            </a:r>
+            <a:r>
+              <a:rPr lang="fi-FI" dirty="0">
+                <a:latin typeface="NimbusSanL-Regu"/>
+              </a:rPr>
+              <a:t> and </a:t>
+            </a:r>
+            <a:r>
+              <a:rPr lang="fi-FI" dirty="0" err="1">
+                <a:latin typeface="NimbusSanL-Regu"/>
+              </a:rPr>
+              <a:t>difficult</a:t>
+            </a:r>
+            <a:r>
+              <a:rPr lang="fi-FI" dirty="0">
+                <a:latin typeface="NimbusSanL-Regu"/>
+              </a:rPr>
+              <a:t> </a:t>
+            </a:r>
+            <a:r>
+              <a:rPr lang="fi-FI" dirty="0" err="1">
+                <a:latin typeface="NimbusSanL-Regu"/>
+              </a:rPr>
+              <a:t>recordings</a:t>
+            </a:r>
+            <a:r>
+              <a:rPr lang="fi-FI" dirty="0">
+                <a:latin typeface="NimbusSanL-Regu"/>
+              </a:rPr>
+              <a:t> for </a:t>
+            </a:r>
+            <a:r>
+              <a:rPr lang="fi-FI" dirty="0" err="1">
+                <a:latin typeface="NimbusSanL-Regu"/>
+              </a:rPr>
+              <a:t>testing</a:t>
+            </a:r>
+            <a:endParaRPr lang="fi-FI" dirty="0">
+              <a:latin typeface="NimbusSanL-Regu"/>
+            </a:endParaRPr>
+          </a:p>
+          <a:p>
+            <a:pPr lvl="3"/>
+            <a:r>
+              <a:rPr lang="fi-FI" dirty="0" err="1">
+                <a:latin typeface="NimbusSanL-Regu"/>
+              </a:rPr>
+              <a:t>Include</a:t>
+            </a:r>
+            <a:r>
+              <a:rPr lang="fi-FI" dirty="0">
+                <a:latin typeface="NimbusSanL-Regu"/>
+              </a:rPr>
+              <a:t> </a:t>
+            </a:r>
+            <a:r>
+              <a:rPr lang="fi-FI" dirty="0" err="1">
+                <a:latin typeface="NimbusSanL-Regu"/>
+              </a:rPr>
+              <a:t>more</a:t>
+            </a:r>
+            <a:r>
+              <a:rPr lang="fi-FI" dirty="0">
+                <a:latin typeface="NimbusSanL-Regu"/>
+              </a:rPr>
+              <a:t> </a:t>
+            </a:r>
+            <a:r>
+              <a:rPr lang="fi-FI" dirty="0" err="1">
+                <a:latin typeface="NimbusSanL-Regu"/>
+              </a:rPr>
+              <a:t>classes</a:t>
+            </a:r>
+            <a:r>
+              <a:rPr lang="fi-FI" dirty="0">
+                <a:latin typeface="NimbusSanL-Regu"/>
+              </a:rPr>
+              <a:t> to </a:t>
+            </a:r>
+            <a:r>
+              <a:rPr lang="fi-FI" dirty="0" err="1">
+                <a:latin typeface="NimbusSanL-Regu"/>
+              </a:rPr>
+              <a:t>be</a:t>
+            </a:r>
+            <a:r>
+              <a:rPr lang="fi-FI" dirty="0">
+                <a:latin typeface="NimbusSanL-Regu"/>
+              </a:rPr>
+              <a:t> </a:t>
+            </a:r>
+            <a:r>
+              <a:rPr lang="fi-FI" dirty="0" err="1">
+                <a:latin typeface="NimbusSanL-Regu"/>
+              </a:rPr>
+              <a:t>detected</a:t>
+            </a:r>
+            <a:endParaRPr lang="fi-FI" dirty="0">
+              <a:latin typeface="NimbusSanL-Regu"/>
+            </a:endParaRPr>
+          </a:p>
+          <a:p>
+            <a:pPr lvl="3"/>
+            <a:r>
+              <a:rPr lang="fi-FI" dirty="0">
+                <a:latin typeface="NimbusSanL-Regu"/>
+              </a:rPr>
+              <a:t>More </a:t>
+            </a:r>
+            <a:r>
+              <a:rPr lang="fi-FI" dirty="0" err="1">
+                <a:latin typeface="NimbusSanL-Regu"/>
+              </a:rPr>
+              <a:t>separate</a:t>
+            </a:r>
+            <a:r>
+              <a:rPr lang="fi-FI" dirty="0">
+                <a:latin typeface="NimbusSanL-Regu"/>
+              </a:rPr>
+              <a:t> </a:t>
+            </a:r>
+            <a:r>
+              <a:rPr lang="fi-FI" dirty="0" err="1">
+                <a:latin typeface="NimbusSanL-Regu"/>
+              </a:rPr>
+              <a:t>objects</a:t>
+            </a:r>
+            <a:r>
+              <a:rPr lang="fi-FI" dirty="0">
+                <a:latin typeface="NimbusSanL-Regu"/>
+              </a:rPr>
+              <a:t> </a:t>
+            </a:r>
+            <a:r>
+              <a:rPr lang="fi-FI" dirty="0" err="1">
+                <a:latin typeface="NimbusSanL-Regu"/>
+              </a:rPr>
+              <a:t>present</a:t>
+            </a:r>
+            <a:r>
+              <a:rPr lang="fi-FI" dirty="0">
+                <a:latin typeface="NimbusSanL-Regu"/>
+              </a:rPr>
+              <a:t> in </a:t>
+            </a:r>
+            <a:r>
+              <a:rPr lang="fi-FI" dirty="0" err="1">
+                <a:latin typeface="NimbusSanL-Regu"/>
+              </a:rPr>
+              <a:t>the</a:t>
+            </a:r>
+            <a:r>
+              <a:rPr lang="fi-FI" dirty="0">
+                <a:latin typeface="NimbusSanL-Regu"/>
+              </a:rPr>
+              <a:t> </a:t>
+            </a:r>
+            <a:r>
+              <a:rPr lang="fi-FI" dirty="0" err="1">
+                <a:latin typeface="NimbusSanL-Regu"/>
+              </a:rPr>
+              <a:t>scene</a:t>
+            </a:r>
+            <a:r>
+              <a:rPr lang="fi-FI" dirty="0">
+                <a:latin typeface="NimbusSanL-Regu"/>
+              </a:rPr>
+              <a:t> </a:t>
+            </a:r>
+            <a:r>
+              <a:rPr lang="fi-FI" dirty="0" err="1">
+                <a:latin typeface="NimbusSanL-Regu"/>
+              </a:rPr>
+              <a:t>simultaneously</a:t>
+            </a:r>
+            <a:r>
+              <a:rPr lang="fi-FI" dirty="0">
+                <a:latin typeface="NimbusSanL-Regu"/>
+              </a:rPr>
+              <a:t> </a:t>
+            </a:r>
+          </a:p>
+          <a:p>
+            <a:pPr lvl="3"/>
+            <a:r>
+              <a:rPr lang="fi-FI" dirty="0">
+                <a:latin typeface="NimbusSanL-Regu"/>
+              </a:rPr>
+              <a:t>Sound </a:t>
+            </a:r>
+            <a:r>
+              <a:rPr lang="fi-FI" dirty="0" err="1">
+                <a:latin typeface="NimbusSanL-Regu"/>
+              </a:rPr>
+              <a:t>events</a:t>
+            </a:r>
+            <a:r>
+              <a:rPr lang="fi-FI" dirty="0">
+                <a:latin typeface="NimbusSanL-Regu"/>
+              </a:rPr>
+              <a:t> </a:t>
+            </a:r>
+            <a:r>
+              <a:rPr lang="fi-FI" dirty="0" err="1">
+                <a:latin typeface="NimbusSanL-Regu"/>
+              </a:rPr>
+              <a:t>spatially</a:t>
+            </a:r>
+            <a:r>
+              <a:rPr lang="fi-FI" dirty="0">
+                <a:latin typeface="NimbusSanL-Regu"/>
+              </a:rPr>
+              <a:t> </a:t>
+            </a:r>
+            <a:r>
+              <a:rPr lang="fi-FI" dirty="0" err="1">
+                <a:latin typeface="NimbusSanL-Regu"/>
+              </a:rPr>
+              <a:t>closer</a:t>
+            </a:r>
+            <a:r>
+              <a:rPr lang="fi-FI" dirty="0">
+                <a:latin typeface="NimbusSanL-Regu"/>
+              </a:rPr>
+              <a:t> to </a:t>
+            </a:r>
+            <a:r>
+              <a:rPr lang="fi-FI" dirty="0" err="1">
+                <a:latin typeface="NimbusSanL-Regu"/>
+              </a:rPr>
+              <a:t>each</a:t>
+            </a:r>
+            <a:r>
+              <a:rPr lang="fi-FI" dirty="0">
+                <a:latin typeface="NimbusSanL-Regu"/>
+              </a:rPr>
+              <a:t> </a:t>
+            </a:r>
+            <a:r>
+              <a:rPr lang="fi-FI" dirty="0" err="1">
+                <a:latin typeface="NimbusSanL-Regu"/>
+              </a:rPr>
+              <a:t>other</a:t>
+            </a:r>
+            <a:endParaRPr lang="fi-FI" dirty="0">
+              <a:latin typeface="NimbusSanL-Regu"/>
+            </a:endParaRPr>
+          </a:p>
+          <a:p>
+            <a:pPr lvl="2"/>
+            <a:r>
+              <a:rPr lang="fi-FI" dirty="0" err="1">
+                <a:latin typeface="NimbusSanL-Regu"/>
+              </a:rPr>
+              <a:t>Implement</a:t>
+            </a:r>
+            <a:r>
+              <a:rPr lang="fi-FI" dirty="0">
+                <a:latin typeface="NimbusSanL-Regu"/>
+              </a:rPr>
+              <a:t> </a:t>
+            </a:r>
+            <a:r>
+              <a:rPr lang="fi-FI" dirty="0" err="1">
+                <a:latin typeface="NimbusSanL-Regu"/>
+              </a:rPr>
+              <a:t>spatial</a:t>
+            </a:r>
+            <a:r>
+              <a:rPr lang="fi-FI" dirty="0">
+                <a:latin typeface="NimbusSanL-Regu"/>
+              </a:rPr>
+              <a:t> </a:t>
+            </a:r>
+            <a:r>
+              <a:rPr lang="fi-FI" dirty="0" err="1">
+                <a:latin typeface="NimbusSanL-Regu"/>
+              </a:rPr>
+              <a:t>audio</a:t>
+            </a:r>
+            <a:r>
+              <a:rPr lang="fi-FI" dirty="0">
+                <a:latin typeface="NimbusSanL-Regu"/>
+              </a:rPr>
+              <a:t> </a:t>
+            </a:r>
+            <a:r>
+              <a:rPr lang="fi-FI" dirty="0" err="1">
+                <a:latin typeface="NimbusSanL-Regu"/>
+              </a:rPr>
+              <a:t>detection</a:t>
+            </a:r>
+            <a:r>
+              <a:rPr lang="fi-FI" dirty="0">
+                <a:latin typeface="NimbusSanL-Regu"/>
+              </a:rPr>
+              <a:t> </a:t>
+            </a:r>
+            <a:r>
+              <a:rPr lang="fi-FI" dirty="0" err="1">
+                <a:latin typeface="NimbusSanL-Regu"/>
+              </a:rPr>
+              <a:t>with</a:t>
+            </a:r>
+            <a:r>
+              <a:rPr lang="fi-FI" dirty="0">
+                <a:latin typeface="NimbusSanL-Regu"/>
+              </a:rPr>
+              <a:t> </a:t>
+            </a:r>
+            <a:r>
+              <a:rPr lang="fi-FI" dirty="0" err="1">
+                <a:latin typeface="NimbusSanL-Regu"/>
+              </a:rPr>
+              <a:t>the</a:t>
+            </a:r>
+            <a:r>
+              <a:rPr lang="fi-FI" dirty="0">
+                <a:latin typeface="NimbusSanL-Regu"/>
+              </a:rPr>
+              <a:t> video </a:t>
+            </a:r>
+            <a:r>
+              <a:rPr lang="fi-FI" dirty="0" err="1">
+                <a:latin typeface="NimbusSanL-Regu"/>
+              </a:rPr>
+              <a:t>detection</a:t>
+            </a:r>
+            <a:endParaRPr lang="fi-FI" dirty="0">
+              <a:latin typeface="NimbusSanL-Regu"/>
+            </a:endParaRPr>
+          </a:p>
+        </p:txBody>
+      </p:sp>
+      <p:sp>
+        <p:nvSpPr>
+          <p:cNvPr id="6" name="Slide Number Placeholder 5">
+            <a:extLst>
+              <a:ext uri="{FF2B5EF4-FFF2-40B4-BE49-F238E27FC236}">
+                <a16:creationId xmlns:a16="http://schemas.microsoft.com/office/drawing/2014/main" id="{B6B12FA0-F854-4977-AE56-94D4C7BA18B4}"/>
+              </a:ext>
+            </a:extLst>
+          </p:cNvPr>
+          <p:cNvSpPr>
+            <a:spLocks noGrp="1"/>
+          </p:cNvSpPr>
+          <p:nvPr>
+            <p:ph type="sldNum" sz="quarter" idx="4"/>
+          </p:nvPr>
+        </p:nvSpPr>
+        <p:spPr/>
+        <p:txBody>
+          <a:bodyPr/>
+          <a:lstStyle/>
+          <a:p>
+            <a:r>
+              <a:rPr lang="en-GB" noProof="0"/>
+              <a:t>|  </a:t>
+            </a:r>
+            <a:fld id="{CDC8994D-33BE-6F4B-918B-78B2D731EB1C}" type="slidenum">
+              <a:rPr lang="en-GB" noProof="0" smtClean="0"/>
+              <a:pPr/>
+              <a:t>11</a:t>
+            </a:fld>
+            <a:endParaRPr lang="en-GB" noProof="0"/>
+          </a:p>
+        </p:txBody>
+      </p:sp>
+    </p:spTree>
+    <p:extLst>
+      <p:ext uri="{BB962C8B-B14F-4D97-AF65-F5344CB8AC3E}">
+        <p14:creationId xmlns:p14="http://schemas.microsoft.com/office/powerpoint/2010/main" val="861310910"/>
+      </p:ext>
+    </p:extLst>
+  </p:cSld>
+  <p:clrMapOvr>
+    <a:masterClrMapping/>
+  </p:clrMapOvr>
+</p:sld>
+</file>
+
+<file path=ppt/slides/slide12.xml><?xml version="1.0" encoding="utf-8"?>
+<p:sld xmlns:a="http://schemas.openxmlformats.org/drawingml/2006/main" xmlns:r="http://schemas.openxmlformats.org/officeDocument/2006/relationships" xmlns:p="http://schemas.openxmlformats.org/presentationml/2006/main">
+  <p:cSld>
+    <p:spTree>
+      <p:nvGrpSpPr>
+        <p:cNvPr id="1" name=""/>
+        <p:cNvGrpSpPr/>
+        <p:nvPr/>
+      </p:nvGrpSpPr>
+      <p:grpSpPr>
+        <a:xfrm>
+          <a:off x="0" y="0"/>
+          <a:ext cx="0" cy="0"/>
+          <a:chOff x="0" y="0"/>
+          <a:chExt cx="0" cy="0"/>
+        </a:xfrm>
+      </p:grpSpPr>
+      <p:sp>
+        <p:nvSpPr>
+          <p:cNvPr id="2" name="Title 1">
+            <a:extLst>
+              <a:ext uri="{FF2B5EF4-FFF2-40B4-BE49-F238E27FC236}">
+                <a16:creationId xmlns:a16="http://schemas.microsoft.com/office/drawing/2014/main" id="{02321895-6E10-45EA-AE99-8DBA6747DC32}"/>
+              </a:ext>
+            </a:extLst>
+          </p:cNvPr>
+          <p:cNvSpPr>
+            <a:spLocks noGrp="1"/>
+          </p:cNvSpPr>
+          <p:nvPr>
+            <p:ph type="title"/>
+          </p:nvPr>
+        </p:nvSpPr>
+        <p:spPr/>
+        <p:txBody>
+          <a:bodyPr/>
+          <a:lstStyle/>
+          <a:p>
+            <a:r>
+              <a:rPr lang="fi-FI" dirty="0"/>
+              <a:t>SWOT</a:t>
+            </a:r>
+            <a:endParaRPr lang="en-FI" dirty="0"/>
+          </a:p>
+        </p:txBody>
+      </p:sp>
+      <p:sp>
+        <p:nvSpPr>
+          <p:cNvPr id="3" name="Content Placeholder 2">
+            <a:extLst>
+              <a:ext uri="{FF2B5EF4-FFF2-40B4-BE49-F238E27FC236}">
+                <a16:creationId xmlns:a16="http://schemas.microsoft.com/office/drawing/2014/main" id="{29654E14-552E-470B-8DCF-DD78EC37EB64}"/>
+              </a:ext>
+            </a:extLst>
+          </p:cNvPr>
+          <p:cNvSpPr>
+            <a:spLocks noGrp="1"/>
+          </p:cNvSpPr>
+          <p:nvPr>
+            <p:ph idx="1"/>
+          </p:nvPr>
+        </p:nvSpPr>
+        <p:spPr/>
+        <p:txBody>
+          <a:bodyPr/>
+          <a:lstStyle/>
+          <a:p>
+            <a:r>
+              <a:rPr lang="fi-FI" dirty="0" err="1"/>
+              <a:t>Strengths</a:t>
+            </a:r>
+            <a:r>
+              <a:rPr lang="fi-FI" dirty="0"/>
+              <a:t>:</a:t>
+            </a:r>
+          </a:p>
+          <a:p>
+            <a:pPr lvl="1"/>
+            <a:r>
+              <a:rPr lang="fi-FI" dirty="0" err="1"/>
+              <a:t>Strong</a:t>
+            </a:r>
+            <a:r>
+              <a:rPr lang="fi-FI" dirty="0"/>
+              <a:t> </a:t>
+            </a:r>
+            <a:r>
+              <a:rPr lang="fi-FI" dirty="0" err="1"/>
+              <a:t>background</a:t>
+            </a:r>
+            <a:r>
+              <a:rPr lang="fi-FI" dirty="0"/>
+              <a:t> in </a:t>
+            </a:r>
+            <a:r>
+              <a:rPr lang="fi-FI" dirty="0" err="1"/>
+              <a:t>sgn</a:t>
+            </a:r>
+            <a:r>
+              <a:rPr lang="fi-FI" dirty="0"/>
+              <a:t> </a:t>
+            </a:r>
+            <a:r>
+              <a:rPr lang="fi-FI" dirty="0" err="1"/>
+              <a:t>processing</a:t>
+            </a:r>
+            <a:r>
+              <a:rPr lang="fi-FI" dirty="0"/>
+              <a:t> and </a:t>
+            </a:r>
+            <a:r>
+              <a:rPr lang="fi-FI" dirty="0" err="1"/>
+              <a:t>machine</a:t>
+            </a:r>
+            <a:r>
+              <a:rPr lang="fi-FI" dirty="0"/>
+              <a:t> </a:t>
+            </a:r>
+            <a:r>
+              <a:rPr lang="fi-FI" dirty="0" err="1"/>
+              <a:t>learning</a:t>
+            </a:r>
+            <a:endParaRPr lang="fi-FI" dirty="0"/>
+          </a:p>
+          <a:p>
+            <a:pPr lvl="1"/>
+            <a:r>
+              <a:rPr lang="fi-FI" dirty="0" err="1"/>
+              <a:t>Experience</a:t>
+            </a:r>
+            <a:r>
+              <a:rPr lang="fi-FI" dirty="0"/>
+              <a:t> in </a:t>
+            </a:r>
+            <a:r>
+              <a:rPr lang="fi-FI" dirty="0" err="1"/>
+              <a:t>audio</a:t>
+            </a:r>
+            <a:r>
+              <a:rPr lang="fi-FI" dirty="0"/>
+              <a:t> </a:t>
+            </a:r>
+            <a:r>
+              <a:rPr lang="fi-FI" dirty="0" err="1"/>
+              <a:t>processing</a:t>
+            </a:r>
+            <a:r>
+              <a:rPr lang="fi-FI" dirty="0"/>
+              <a:t> and data </a:t>
+            </a:r>
+            <a:r>
+              <a:rPr lang="fi-FI" dirty="0" err="1"/>
+              <a:t>annotation</a:t>
+            </a:r>
+            <a:endParaRPr lang="fi-FI" dirty="0"/>
+          </a:p>
+          <a:p>
+            <a:r>
+              <a:rPr lang="fi-FI" dirty="0" err="1"/>
+              <a:t>Weaknesses</a:t>
+            </a:r>
+            <a:r>
+              <a:rPr lang="fi-FI" dirty="0"/>
+              <a:t>:</a:t>
+            </a:r>
+          </a:p>
+          <a:p>
+            <a:pPr lvl="1"/>
+            <a:r>
+              <a:rPr lang="fi-FI" dirty="0" err="1"/>
+              <a:t>Spatial</a:t>
+            </a:r>
+            <a:r>
+              <a:rPr lang="fi-FI" dirty="0"/>
+              <a:t> </a:t>
+            </a:r>
+            <a:r>
+              <a:rPr lang="fi-FI" dirty="0" err="1"/>
+              <a:t>audio</a:t>
+            </a:r>
+            <a:r>
+              <a:rPr lang="fi-FI" dirty="0"/>
+              <a:t> </a:t>
+            </a:r>
+            <a:r>
+              <a:rPr lang="fi-FI" dirty="0" err="1"/>
+              <a:t>processing</a:t>
+            </a:r>
+            <a:r>
+              <a:rPr lang="fi-FI" dirty="0"/>
+              <a:t> and 360-video </a:t>
+            </a:r>
+            <a:r>
+              <a:rPr lang="fi-FI" dirty="0" err="1"/>
+              <a:t>processing</a:t>
+            </a:r>
+            <a:r>
+              <a:rPr lang="fi-FI" dirty="0"/>
+              <a:t> </a:t>
+            </a:r>
+            <a:r>
+              <a:rPr lang="fi-FI" dirty="0" err="1"/>
+              <a:t>completely</a:t>
+            </a:r>
+            <a:r>
+              <a:rPr lang="fi-FI" dirty="0"/>
+              <a:t> </a:t>
+            </a:r>
+            <a:r>
+              <a:rPr lang="fi-FI" dirty="0" err="1"/>
+              <a:t>new</a:t>
+            </a:r>
+            <a:r>
+              <a:rPr lang="fi-FI" dirty="0"/>
+              <a:t> </a:t>
+            </a:r>
+            <a:r>
+              <a:rPr lang="fi-FI" dirty="0" err="1"/>
+              <a:t>tasks</a:t>
+            </a:r>
+            <a:endParaRPr lang="fi-FI" dirty="0"/>
+          </a:p>
+        </p:txBody>
+      </p:sp>
+      <p:sp>
+        <p:nvSpPr>
+          <p:cNvPr id="4" name="Slide Number Placeholder 3">
+            <a:extLst>
+              <a:ext uri="{FF2B5EF4-FFF2-40B4-BE49-F238E27FC236}">
+                <a16:creationId xmlns:a16="http://schemas.microsoft.com/office/drawing/2014/main" id="{14A04358-D7C4-4777-8257-EDE817A4A3E4}"/>
+              </a:ext>
+            </a:extLst>
+          </p:cNvPr>
+          <p:cNvSpPr>
+            <a:spLocks noGrp="1"/>
+          </p:cNvSpPr>
+          <p:nvPr>
+            <p:ph type="sldNum" sz="quarter" idx="4"/>
+          </p:nvPr>
+        </p:nvSpPr>
+        <p:spPr/>
+        <p:txBody>
+          <a:bodyPr/>
+          <a:lstStyle/>
+          <a:p>
+            <a:r>
+              <a:rPr lang="en-GB" noProof="0"/>
+              <a:t>|  </a:t>
+            </a:r>
+            <a:fld id="{CDC8994D-33BE-6F4B-918B-78B2D731EB1C}" type="slidenum">
+              <a:rPr lang="en-GB" noProof="0" smtClean="0"/>
+              <a:pPr/>
+              <a:t>12</a:t>
+            </a:fld>
+            <a:endParaRPr lang="en-GB" noProof="0"/>
+          </a:p>
+        </p:txBody>
+      </p:sp>
+    </p:spTree>
+    <p:extLst>
+      <p:ext uri="{BB962C8B-B14F-4D97-AF65-F5344CB8AC3E}">
+        <p14:creationId xmlns:p14="http://schemas.microsoft.com/office/powerpoint/2010/main" val="3358043096"/>
+      </p:ext>
+    </p:extLst>
+  </p:cSld>
+  <p:clrMapOvr>
+    <a:masterClrMapping/>
+  </p:clrMapOvr>
+</p:sld>
+</file>
+
+<file path=ppt/slides/slide13.xml><?xml version="1.0" encoding="utf-8"?>
+<p:sld xmlns:a="http://schemas.openxmlformats.org/drawingml/2006/main" xmlns:r="http://schemas.openxmlformats.org/officeDocument/2006/relationships" xmlns:p="http://schemas.openxmlformats.org/presentationml/2006/main">
+  <p:cSld>
+    <p:spTree>
+      <p:nvGrpSpPr>
+        <p:cNvPr id="1" name=""/>
+        <p:cNvGrpSpPr/>
+        <p:nvPr/>
+      </p:nvGrpSpPr>
+      <p:grpSpPr>
+        <a:xfrm>
+          <a:off x="0" y="0"/>
+          <a:ext cx="0" cy="0"/>
+          <a:chOff x="0" y="0"/>
+          <a:chExt cx="0" cy="0"/>
+        </a:xfrm>
+      </p:grpSpPr>
+      <p:sp>
+        <p:nvSpPr>
+          <p:cNvPr id="2" name="Title 1">
+            <a:extLst>
+              <a:ext uri="{FF2B5EF4-FFF2-40B4-BE49-F238E27FC236}">
+                <a16:creationId xmlns:a16="http://schemas.microsoft.com/office/drawing/2014/main" id="{02321895-6E10-45EA-AE99-8DBA6747DC32}"/>
+              </a:ext>
+            </a:extLst>
+          </p:cNvPr>
+          <p:cNvSpPr>
+            <a:spLocks noGrp="1"/>
+          </p:cNvSpPr>
+          <p:nvPr>
+            <p:ph type="title"/>
+          </p:nvPr>
+        </p:nvSpPr>
+        <p:spPr/>
+        <p:txBody>
+          <a:bodyPr/>
+          <a:lstStyle/>
+          <a:p>
+            <a:r>
+              <a:rPr lang="fi-FI" dirty="0"/>
+              <a:t>SWOT</a:t>
+            </a:r>
+            <a:endParaRPr lang="en-FI" dirty="0"/>
+          </a:p>
+        </p:txBody>
+      </p:sp>
+      <p:sp>
+        <p:nvSpPr>
+          <p:cNvPr id="3" name="Content Placeholder 2">
+            <a:extLst>
+              <a:ext uri="{FF2B5EF4-FFF2-40B4-BE49-F238E27FC236}">
+                <a16:creationId xmlns:a16="http://schemas.microsoft.com/office/drawing/2014/main" id="{29654E14-552E-470B-8DCF-DD78EC37EB64}"/>
+              </a:ext>
+            </a:extLst>
+          </p:cNvPr>
+          <p:cNvSpPr>
+            <a:spLocks noGrp="1"/>
+          </p:cNvSpPr>
+          <p:nvPr>
+            <p:ph idx="1"/>
+          </p:nvPr>
+        </p:nvSpPr>
+        <p:spPr/>
+        <p:txBody>
+          <a:bodyPr/>
+          <a:lstStyle/>
+          <a:p>
+            <a:r>
+              <a:rPr lang="fi-FI" dirty="0" err="1"/>
+              <a:t>Opportunities</a:t>
+            </a:r>
+            <a:r>
+              <a:rPr lang="fi-FI" dirty="0"/>
+              <a:t>:</a:t>
+            </a:r>
+          </a:p>
+          <a:p>
+            <a:pPr lvl="1"/>
+            <a:r>
+              <a:rPr lang="fi-FI" dirty="0" err="1"/>
+              <a:t>Ready</a:t>
+            </a:r>
+            <a:r>
+              <a:rPr lang="fi-FI" dirty="0"/>
+              <a:t> made </a:t>
+            </a:r>
+            <a:r>
+              <a:rPr lang="fi-FI" dirty="0" err="1"/>
+              <a:t>implementations</a:t>
+            </a:r>
+            <a:r>
+              <a:rPr lang="fi-FI" dirty="0"/>
+              <a:t> for video </a:t>
+            </a:r>
+            <a:r>
+              <a:rPr lang="fi-FI" dirty="0" err="1"/>
+              <a:t>detection</a:t>
+            </a:r>
+            <a:r>
+              <a:rPr lang="fi-FI" dirty="0"/>
+              <a:t> </a:t>
+            </a:r>
+            <a:r>
+              <a:rPr lang="fi-FI" dirty="0" err="1"/>
+              <a:t>exist</a:t>
+            </a:r>
+            <a:r>
+              <a:rPr lang="fi-FI" dirty="0"/>
+              <a:t>, </a:t>
+            </a:r>
+            <a:r>
+              <a:rPr lang="fi-FI" dirty="0" err="1"/>
+              <a:t>these</a:t>
+            </a:r>
+            <a:r>
+              <a:rPr lang="fi-FI" dirty="0"/>
+              <a:t> </a:t>
+            </a:r>
+            <a:r>
+              <a:rPr lang="fi-FI" dirty="0" err="1"/>
+              <a:t>can</a:t>
+            </a:r>
+            <a:r>
+              <a:rPr lang="fi-FI" dirty="0"/>
+              <a:t> </a:t>
+            </a:r>
+            <a:r>
+              <a:rPr lang="fi-FI" dirty="0" err="1"/>
+              <a:t>be</a:t>
+            </a:r>
+            <a:r>
+              <a:rPr lang="fi-FI" dirty="0"/>
+              <a:t> </a:t>
+            </a:r>
+            <a:r>
+              <a:rPr lang="fi-FI" dirty="0" err="1"/>
+              <a:t>used</a:t>
+            </a:r>
+            <a:r>
+              <a:rPr lang="fi-FI" dirty="0"/>
+              <a:t> as a </a:t>
+            </a:r>
+            <a:r>
+              <a:rPr lang="fi-FI" dirty="0" err="1"/>
+              <a:t>basis</a:t>
+            </a:r>
+            <a:r>
+              <a:rPr lang="fi-FI" dirty="0"/>
+              <a:t> for </a:t>
+            </a:r>
+            <a:r>
+              <a:rPr lang="fi-FI" dirty="0" err="1"/>
+              <a:t>many</a:t>
+            </a:r>
+            <a:r>
+              <a:rPr lang="fi-FI" dirty="0"/>
+              <a:t> </a:t>
+            </a:r>
+            <a:r>
+              <a:rPr lang="fi-FI" dirty="0" err="1"/>
+              <a:t>subtasks</a:t>
+            </a:r>
+            <a:endParaRPr lang="fi-FI" dirty="0"/>
+          </a:p>
+          <a:p>
+            <a:pPr lvl="1"/>
+            <a:r>
+              <a:rPr lang="fi-FI" dirty="0"/>
+              <a:t>Some </a:t>
+            </a:r>
+            <a:r>
+              <a:rPr lang="fi-FI" dirty="0" err="1"/>
+              <a:t>ready</a:t>
+            </a:r>
+            <a:r>
+              <a:rPr lang="fi-FI" dirty="0"/>
+              <a:t> made </a:t>
+            </a:r>
+            <a:r>
+              <a:rPr lang="fi-FI" dirty="0" err="1"/>
+              <a:t>datasets</a:t>
+            </a:r>
+            <a:r>
+              <a:rPr lang="fi-FI" dirty="0"/>
+              <a:t> </a:t>
+            </a:r>
+            <a:r>
+              <a:rPr lang="fi-FI" dirty="0" err="1"/>
+              <a:t>available</a:t>
+            </a:r>
+            <a:endParaRPr lang="fi-FI" dirty="0"/>
+          </a:p>
+          <a:p>
+            <a:pPr lvl="1"/>
+            <a:r>
+              <a:rPr lang="fi-FI" dirty="0" err="1"/>
+              <a:t>Clients</a:t>
+            </a:r>
+            <a:r>
+              <a:rPr lang="fi-FI" dirty="0"/>
+              <a:t> </a:t>
+            </a:r>
+            <a:r>
+              <a:rPr lang="fi-FI" dirty="0" err="1"/>
+              <a:t>have</a:t>
+            </a:r>
+            <a:r>
+              <a:rPr lang="fi-FI" dirty="0"/>
+              <a:t> a </a:t>
+            </a:r>
+            <a:r>
+              <a:rPr lang="fi-FI" dirty="0" err="1"/>
+              <a:t>strong</a:t>
+            </a:r>
+            <a:r>
+              <a:rPr lang="fi-FI" dirty="0"/>
+              <a:t> </a:t>
+            </a:r>
+            <a:r>
+              <a:rPr lang="fi-FI" dirty="0" err="1"/>
+              <a:t>expertise</a:t>
+            </a:r>
+            <a:r>
+              <a:rPr lang="fi-FI" dirty="0"/>
+              <a:t> on </a:t>
+            </a:r>
+            <a:r>
+              <a:rPr lang="fi-FI" dirty="0" err="1"/>
+              <a:t>audio</a:t>
+            </a:r>
+            <a:r>
+              <a:rPr lang="fi-FI" dirty="0"/>
+              <a:t> </a:t>
+            </a:r>
+            <a:r>
+              <a:rPr lang="fi-FI" dirty="0" err="1"/>
+              <a:t>processing</a:t>
+            </a:r>
+            <a:r>
+              <a:rPr lang="fi-FI" dirty="0"/>
+              <a:t> -&gt; </a:t>
+            </a:r>
+            <a:r>
+              <a:rPr lang="fi-FI" dirty="0" err="1"/>
+              <a:t>consultation</a:t>
+            </a:r>
+            <a:r>
+              <a:rPr lang="fi-FI" dirty="0"/>
+              <a:t> and </a:t>
+            </a:r>
+            <a:r>
+              <a:rPr lang="fi-FI" dirty="0" err="1"/>
+              <a:t>support</a:t>
+            </a:r>
+            <a:r>
+              <a:rPr lang="fi-FI" dirty="0"/>
+              <a:t> </a:t>
+            </a:r>
+            <a:r>
+              <a:rPr lang="fi-FI" dirty="0" err="1"/>
+              <a:t>available</a:t>
+            </a:r>
+            <a:endParaRPr lang="fi-FI" dirty="0"/>
+          </a:p>
+          <a:p>
+            <a:pPr lvl="1"/>
+            <a:r>
+              <a:rPr lang="fi-FI" dirty="0"/>
+              <a:t>A ”</a:t>
+            </a:r>
+            <a:r>
+              <a:rPr lang="fi-FI" dirty="0" err="1"/>
+              <a:t>proof</a:t>
+            </a:r>
+            <a:r>
+              <a:rPr lang="fi-FI" dirty="0"/>
+              <a:t>-of-</a:t>
+            </a:r>
+            <a:r>
+              <a:rPr lang="fi-FI" dirty="0" err="1"/>
+              <a:t>concept</a:t>
+            </a:r>
+            <a:r>
+              <a:rPr lang="fi-FI" dirty="0"/>
+              <a:t>” –</a:t>
+            </a:r>
+            <a:r>
+              <a:rPr lang="fi-FI" dirty="0" err="1"/>
+              <a:t>project</a:t>
+            </a:r>
+            <a:r>
+              <a:rPr lang="fi-FI" dirty="0"/>
+              <a:t>, </a:t>
+            </a:r>
+            <a:r>
+              <a:rPr lang="fi-FI" dirty="0" err="1"/>
+              <a:t>the</a:t>
+            </a:r>
+            <a:r>
+              <a:rPr lang="fi-FI" dirty="0"/>
+              <a:t> </a:t>
+            </a:r>
+            <a:r>
+              <a:rPr lang="fi-FI" dirty="0" err="1"/>
+              <a:t>result</a:t>
+            </a:r>
+            <a:r>
+              <a:rPr lang="fi-FI" dirty="0"/>
+              <a:t> </a:t>
+            </a:r>
+            <a:r>
+              <a:rPr lang="fi-FI" dirty="0" err="1"/>
+              <a:t>doesnt</a:t>
+            </a:r>
+            <a:r>
+              <a:rPr lang="fi-FI" dirty="0"/>
+              <a:t> </a:t>
+            </a:r>
+            <a:r>
+              <a:rPr lang="fi-FI" dirty="0" err="1"/>
+              <a:t>need</a:t>
+            </a:r>
+            <a:r>
+              <a:rPr lang="fi-FI" dirty="0"/>
+              <a:t> to </a:t>
+            </a:r>
+            <a:r>
+              <a:rPr lang="fi-FI" dirty="0" err="1"/>
+              <a:t>be</a:t>
+            </a:r>
+            <a:r>
+              <a:rPr lang="fi-FI" dirty="0"/>
+              <a:t> </a:t>
+            </a:r>
+            <a:r>
+              <a:rPr lang="fi-FI" dirty="0" err="1"/>
+              <a:t>cutting</a:t>
+            </a:r>
+            <a:r>
+              <a:rPr lang="fi-FI" dirty="0"/>
+              <a:t> </a:t>
+            </a:r>
+            <a:r>
+              <a:rPr lang="fi-FI" dirty="0" err="1"/>
+              <a:t>edge</a:t>
+            </a:r>
+            <a:r>
+              <a:rPr lang="fi-FI" dirty="0"/>
+              <a:t>, </a:t>
+            </a:r>
+            <a:r>
+              <a:rPr lang="fi-FI" dirty="0" err="1"/>
+              <a:t>we</a:t>
+            </a:r>
+            <a:r>
+              <a:rPr lang="fi-FI" dirty="0"/>
+              <a:t> </a:t>
+            </a:r>
+            <a:r>
+              <a:rPr lang="fi-FI" dirty="0" err="1"/>
+              <a:t>aim</a:t>
+            </a:r>
+            <a:r>
+              <a:rPr lang="fi-FI" dirty="0"/>
+              <a:t> to </a:t>
+            </a:r>
+            <a:r>
+              <a:rPr lang="fi-FI" dirty="0" err="1"/>
+              <a:t>investigate</a:t>
+            </a:r>
+            <a:r>
+              <a:rPr lang="fi-FI" dirty="0"/>
+              <a:t> </a:t>
+            </a:r>
+            <a:r>
+              <a:rPr lang="fi-FI" dirty="0" err="1"/>
+              <a:t>if</a:t>
+            </a:r>
+            <a:r>
+              <a:rPr lang="fi-FI" dirty="0"/>
+              <a:t> </a:t>
+            </a:r>
+            <a:r>
+              <a:rPr lang="fi-FI" dirty="0" err="1"/>
+              <a:t>this</a:t>
+            </a:r>
+            <a:r>
+              <a:rPr lang="fi-FI" dirty="0"/>
+              <a:t> is </a:t>
+            </a:r>
+            <a:r>
+              <a:rPr lang="fi-FI" dirty="0" err="1"/>
+              <a:t>worth</a:t>
+            </a:r>
+            <a:r>
+              <a:rPr lang="fi-FI" dirty="0"/>
+              <a:t> </a:t>
+            </a:r>
+            <a:r>
+              <a:rPr lang="fi-FI" dirty="0" err="1"/>
+              <a:t>doing</a:t>
+            </a:r>
+            <a:r>
+              <a:rPr lang="fi-FI" dirty="0"/>
+              <a:t> </a:t>
+            </a:r>
+            <a:r>
+              <a:rPr lang="fi-FI" dirty="0" err="1"/>
+              <a:t>more</a:t>
+            </a:r>
+            <a:endParaRPr lang="fi-FI" dirty="0"/>
+          </a:p>
+        </p:txBody>
+      </p:sp>
+      <p:sp>
+        <p:nvSpPr>
+          <p:cNvPr id="4" name="Slide Number Placeholder 3">
+            <a:extLst>
+              <a:ext uri="{FF2B5EF4-FFF2-40B4-BE49-F238E27FC236}">
+                <a16:creationId xmlns:a16="http://schemas.microsoft.com/office/drawing/2014/main" id="{14A04358-D7C4-4777-8257-EDE817A4A3E4}"/>
+              </a:ext>
+            </a:extLst>
+          </p:cNvPr>
+          <p:cNvSpPr>
+            <a:spLocks noGrp="1"/>
+          </p:cNvSpPr>
+          <p:nvPr>
+            <p:ph type="sldNum" sz="quarter" idx="4"/>
+          </p:nvPr>
+        </p:nvSpPr>
+        <p:spPr/>
+        <p:txBody>
+          <a:bodyPr/>
+          <a:lstStyle/>
+          <a:p>
+            <a:r>
+              <a:rPr lang="en-GB" noProof="0"/>
+              <a:t>|  </a:t>
+            </a:r>
+            <a:fld id="{CDC8994D-33BE-6F4B-918B-78B2D731EB1C}" type="slidenum">
+              <a:rPr lang="en-GB" noProof="0" smtClean="0"/>
+              <a:pPr/>
+              <a:t>13</a:t>
+            </a:fld>
+            <a:endParaRPr lang="en-GB" noProof="0"/>
+          </a:p>
+        </p:txBody>
+      </p:sp>
+    </p:spTree>
+    <p:extLst>
+      <p:ext uri="{BB962C8B-B14F-4D97-AF65-F5344CB8AC3E}">
+        <p14:creationId xmlns:p14="http://schemas.microsoft.com/office/powerpoint/2010/main" val="3210898639"/>
+      </p:ext>
+    </p:extLst>
+  </p:cSld>
+  <p:clrMapOvr>
+    <a:masterClrMapping/>
+  </p:clrMapOvr>
+</p:sld>
+</file>
+
+<file path=ppt/slides/slide14.xml><?xml version="1.0" encoding="utf-8"?>
+<p:sld xmlns:a="http://schemas.openxmlformats.org/drawingml/2006/main" xmlns:r="http://schemas.openxmlformats.org/officeDocument/2006/relationships" xmlns:p="http://schemas.openxmlformats.org/presentationml/2006/main">
+  <p:cSld>
+    <p:spTree>
+      <p:nvGrpSpPr>
+        <p:cNvPr id="1" name=""/>
+        <p:cNvGrpSpPr/>
+        <p:nvPr/>
+      </p:nvGrpSpPr>
+      <p:grpSpPr>
+        <a:xfrm>
+          <a:off x="0" y="0"/>
+          <a:ext cx="0" cy="0"/>
+          <a:chOff x="0" y="0"/>
+          <a:chExt cx="0" cy="0"/>
+        </a:xfrm>
+      </p:grpSpPr>
+      <p:sp>
+        <p:nvSpPr>
+          <p:cNvPr id="2" name="Title 1">
+            <a:extLst>
+              <a:ext uri="{FF2B5EF4-FFF2-40B4-BE49-F238E27FC236}">
+                <a16:creationId xmlns:a16="http://schemas.microsoft.com/office/drawing/2014/main" id="{02321895-6E10-45EA-AE99-8DBA6747DC32}"/>
+              </a:ext>
+            </a:extLst>
+          </p:cNvPr>
+          <p:cNvSpPr>
+            <a:spLocks noGrp="1"/>
+          </p:cNvSpPr>
+          <p:nvPr>
+            <p:ph type="title"/>
+          </p:nvPr>
+        </p:nvSpPr>
+        <p:spPr/>
+        <p:txBody>
+          <a:bodyPr/>
+          <a:lstStyle/>
+          <a:p>
+            <a:r>
+              <a:rPr lang="fi-FI" dirty="0"/>
+              <a:t>SWOT</a:t>
+            </a:r>
+            <a:endParaRPr lang="en-FI" dirty="0"/>
+          </a:p>
+        </p:txBody>
+      </p:sp>
+      <p:sp>
+        <p:nvSpPr>
+          <p:cNvPr id="3" name="Content Placeholder 2">
+            <a:extLst>
+              <a:ext uri="{FF2B5EF4-FFF2-40B4-BE49-F238E27FC236}">
+                <a16:creationId xmlns:a16="http://schemas.microsoft.com/office/drawing/2014/main" id="{29654E14-552E-470B-8DCF-DD78EC37EB64}"/>
+              </a:ext>
+            </a:extLst>
+          </p:cNvPr>
+          <p:cNvSpPr>
+            <a:spLocks noGrp="1"/>
+          </p:cNvSpPr>
+          <p:nvPr>
+            <p:ph idx="1"/>
+          </p:nvPr>
+        </p:nvSpPr>
+        <p:spPr/>
+        <p:txBody>
+          <a:bodyPr/>
+          <a:lstStyle/>
+          <a:p>
+            <a:r>
+              <a:rPr lang="fi-FI" dirty="0" err="1"/>
+              <a:t>Threats</a:t>
+            </a:r>
+            <a:r>
+              <a:rPr lang="fi-FI" dirty="0"/>
+              <a:t>: </a:t>
+            </a:r>
+          </a:p>
+          <a:p>
+            <a:pPr lvl="1"/>
+            <a:r>
+              <a:rPr lang="fi-FI" dirty="0" err="1"/>
+              <a:t>The</a:t>
+            </a:r>
+            <a:r>
+              <a:rPr lang="fi-FI" dirty="0"/>
+              <a:t> </a:t>
+            </a:r>
+            <a:r>
+              <a:rPr lang="fi-FI" dirty="0" err="1"/>
+              <a:t>whole</a:t>
+            </a:r>
+            <a:r>
+              <a:rPr lang="fi-FI" dirty="0"/>
+              <a:t> </a:t>
+            </a:r>
+            <a:r>
+              <a:rPr lang="fi-FI" dirty="0" err="1"/>
+              <a:t>project</a:t>
+            </a:r>
+            <a:r>
+              <a:rPr lang="fi-FI" dirty="0"/>
+              <a:t> idea is </a:t>
+            </a:r>
+            <a:r>
+              <a:rPr lang="fi-FI" dirty="0" err="1"/>
+              <a:t>novel</a:t>
+            </a:r>
+            <a:r>
+              <a:rPr lang="fi-FI" dirty="0"/>
+              <a:t> and </a:t>
+            </a:r>
+            <a:r>
+              <a:rPr lang="fi-FI" dirty="0" err="1"/>
+              <a:t>there</a:t>
+            </a:r>
+            <a:r>
+              <a:rPr lang="fi-FI" dirty="0"/>
+              <a:t> is </a:t>
+            </a:r>
+            <a:r>
+              <a:rPr lang="fi-FI" dirty="0" err="1"/>
+              <a:t>not</a:t>
+            </a:r>
+            <a:r>
+              <a:rPr lang="fi-FI" dirty="0"/>
+              <a:t> </a:t>
+            </a:r>
+            <a:r>
+              <a:rPr lang="fi-FI" dirty="0" err="1"/>
+              <a:t>that</a:t>
+            </a:r>
+            <a:r>
+              <a:rPr lang="fi-FI" dirty="0"/>
+              <a:t> </a:t>
+            </a:r>
+            <a:r>
+              <a:rPr lang="fi-FI" dirty="0" err="1"/>
+              <a:t>much</a:t>
+            </a:r>
+            <a:r>
+              <a:rPr lang="fi-FI" dirty="0"/>
+              <a:t> </a:t>
+            </a:r>
+            <a:r>
+              <a:rPr lang="fi-FI" dirty="0" err="1"/>
+              <a:t>research</a:t>
+            </a:r>
+            <a:r>
+              <a:rPr lang="fi-FI" dirty="0"/>
+              <a:t> </a:t>
+            </a:r>
+            <a:r>
+              <a:rPr lang="fi-FI" dirty="0" err="1"/>
+              <a:t>done</a:t>
+            </a:r>
+            <a:r>
+              <a:rPr lang="fi-FI" dirty="0"/>
+              <a:t> on it </a:t>
+            </a:r>
+            <a:r>
+              <a:rPr lang="fi-FI" dirty="0" err="1"/>
+              <a:t>before</a:t>
+            </a:r>
+            <a:r>
+              <a:rPr lang="fi-FI" dirty="0"/>
+              <a:t>, </a:t>
+            </a:r>
+            <a:r>
+              <a:rPr lang="fi-FI" dirty="0" err="1"/>
+              <a:t>so</a:t>
+            </a:r>
+            <a:r>
+              <a:rPr lang="fi-FI" dirty="0"/>
+              <a:t> it is </a:t>
+            </a:r>
+            <a:r>
+              <a:rPr lang="fi-FI" dirty="0" err="1"/>
+              <a:t>possible</a:t>
+            </a:r>
+            <a:r>
+              <a:rPr lang="fi-FI" dirty="0"/>
+              <a:t> </a:t>
+            </a:r>
+            <a:r>
+              <a:rPr lang="fi-FI" dirty="0" err="1"/>
+              <a:t>that</a:t>
+            </a:r>
+            <a:r>
+              <a:rPr lang="fi-FI" dirty="0"/>
+              <a:t> </a:t>
+            </a:r>
+            <a:r>
+              <a:rPr lang="fi-FI" dirty="0" err="1"/>
+              <a:t>the</a:t>
+            </a:r>
+            <a:r>
+              <a:rPr lang="fi-FI" dirty="0"/>
+              <a:t> </a:t>
+            </a:r>
+            <a:r>
+              <a:rPr lang="fi-FI" dirty="0" err="1"/>
+              <a:t>project</a:t>
+            </a:r>
+            <a:r>
+              <a:rPr lang="fi-FI" dirty="0"/>
+              <a:t> </a:t>
+            </a:r>
+            <a:r>
+              <a:rPr lang="fi-FI" dirty="0" err="1"/>
+              <a:t>does</a:t>
+            </a:r>
+            <a:r>
+              <a:rPr lang="fi-FI" dirty="0"/>
+              <a:t> </a:t>
+            </a:r>
+            <a:r>
+              <a:rPr lang="fi-FI" dirty="0" err="1"/>
+              <a:t>not</a:t>
+            </a:r>
+            <a:r>
+              <a:rPr lang="fi-FI" dirty="0"/>
+              <a:t> </a:t>
+            </a:r>
+            <a:r>
+              <a:rPr lang="fi-FI" dirty="0" err="1"/>
+              <a:t>turn</a:t>
+            </a:r>
+            <a:r>
+              <a:rPr lang="fi-FI" dirty="0"/>
+              <a:t> out to </a:t>
+            </a:r>
+            <a:r>
+              <a:rPr lang="fi-FI" dirty="0" err="1"/>
+              <a:t>be</a:t>
+            </a:r>
+            <a:r>
+              <a:rPr lang="fi-FI" dirty="0"/>
+              <a:t> </a:t>
+            </a:r>
+            <a:r>
+              <a:rPr lang="fi-FI" dirty="0" err="1"/>
+              <a:t>successful</a:t>
+            </a:r>
+            <a:r>
+              <a:rPr lang="fi-FI" dirty="0"/>
+              <a:t> at </a:t>
+            </a:r>
+            <a:r>
+              <a:rPr lang="fi-FI" dirty="0" err="1"/>
+              <a:t>all</a:t>
+            </a:r>
+            <a:endParaRPr lang="en-FI" dirty="0"/>
+          </a:p>
+        </p:txBody>
+      </p:sp>
+      <p:sp>
+        <p:nvSpPr>
+          <p:cNvPr id="4" name="Slide Number Placeholder 3">
+            <a:extLst>
+              <a:ext uri="{FF2B5EF4-FFF2-40B4-BE49-F238E27FC236}">
+                <a16:creationId xmlns:a16="http://schemas.microsoft.com/office/drawing/2014/main" id="{14A04358-D7C4-4777-8257-EDE817A4A3E4}"/>
+              </a:ext>
+            </a:extLst>
+          </p:cNvPr>
+          <p:cNvSpPr>
+            <a:spLocks noGrp="1"/>
+          </p:cNvSpPr>
+          <p:nvPr>
+            <p:ph type="sldNum" sz="quarter" idx="4"/>
+          </p:nvPr>
+        </p:nvSpPr>
+        <p:spPr/>
+        <p:txBody>
+          <a:bodyPr/>
+          <a:lstStyle/>
+          <a:p>
+            <a:r>
+              <a:rPr lang="en-GB" noProof="0"/>
+              <a:t>|  </a:t>
+            </a:r>
+            <a:fld id="{CDC8994D-33BE-6F4B-918B-78B2D731EB1C}" type="slidenum">
+              <a:rPr lang="en-GB" noProof="0" smtClean="0"/>
+              <a:pPr/>
+              <a:t>14</a:t>
+            </a:fld>
+            <a:endParaRPr lang="en-GB" noProof="0"/>
+          </a:p>
+        </p:txBody>
+      </p:sp>
+    </p:spTree>
+    <p:extLst>
+      <p:ext uri="{BB962C8B-B14F-4D97-AF65-F5344CB8AC3E}">
+        <p14:creationId xmlns:p14="http://schemas.microsoft.com/office/powerpoint/2010/main" val="693446660"/>
+      </p:ext>
+    </p:extLst>
+  </p:cSld>
+  <p:clrMapOvr>
+    <a:masterClrMapping/>
+  </p:clrMapOvr>
+</p:sld>
+</file>
+
+<file path=ppt/slides/slide15.xml><?xml version="1.0" encoding="utf-8"?>
+<p:sld xmlns:a="http://schemas.openxmlformats.org/drawingml/2006/main" xmlns:r="http://schemas.openxmlformats.org/officeDocument/2006/relationships" xmlns:p="http://schemas.openxmlformats.org/presentationml/2006/main">
+  <p:cSld>
+    <p:spTree>
+      <p:nvGrpSpPr>
+        <p:cNvPr id="1" name=""/>
+        <p:cNvGrpSpPr/>
+        <p:nvPr/>
+      </p:nvGrpSpPr>
+      <p:grpSpPr>
+        <a:xfrm>
+          <a:off x="0" y="0"/>
+          <a:ext cx="0" cy="0"/>
+          <a:chOff x="0" y="0"/>
+          <a:chExt cx="0" cy="0"/>
+        </a:xfrm>
+      </p:grpSpPr>
+      <p:sp>
+        <p:nvSpPr>
+          <p:cNvPr id="2" name="Title 1">
+            <a:extLst>
+              <a:ext uri="{FF2B5EF4-FFF2-40B4-BE49-F238E27FC236}">
+                <a16:creationId xmlns:a16="http://schemas.microsoft.com/office/drawing/2014/main" id="{46710B3D-4F49-41E6-BA7A-40F96E84EF02}"/>
+              </a:ext>
+            </a:extLst>
+          </p:cNvPr>
+          <p:cNvSpPr>
+            <a:spLocks noGrp="1"/>
+          </p:cNvSpPr>
+          <p:nvPr>
+            <p:ph type="title"/>
+          </p:nvPr>
+        </p:nvSpPr>
+        <p:spPr/>
+        <p:txBody>
+          <a:bodyPr/>
+          <a:lstStyle/>
+          <a:p>
+            <a:r>
+              <a:rPr lang="fi-FI" dirty="0" err="1"/>
+              <a:t>Budget</a:t>
+            </a:r>
+            <a:endParaRPr lang="en-FI" dirty="0"/>
+          </a:p>
+        </p:txBody>
+      </p:sp>
+      <p:sp>
+        <p:nvSpPr>
+          <p:cNvPr id="3" name="Content Placeholder 2">
+            <a:extLst>
+              <a:ext uri="{FF2B5EF4-FFF2-40B4-BE49-F238E27FC236}">
+                <a16:creationId xmlns:a16="http://schemas.microsoft.com/office/drawing/2014/main" id="{FBB18FC4-BEF1-4983-829B-79C51E52E267}"/>
+              </a:ext>
+            </a:extLst>
+          </p:cNvPr>
+          <p:cNvSpPr>
+            <a:spLocks noGrp="1"/>
+          </p:cNvSpPr>
+          <p:nvPr>
+            <p:ph idx="1"/>
+          </p:nvPr>
+        </p:nvSpPr>
+        <p:spPr/>
+        <p:txBody>
+          <a:bodyPr/>
+          <a:lstStyle/>
+          <a:p>
+            <a:r>
+              <a:rPr lang="fi-FI" dirty="0"/>
+              <a:t>Total </a:t>
+            </a:r>
+            <a:r>
+              <a:rPr lang="fi-FI" dirty="0" err="1"/>
+              <a:t>working</a:t>
+            </a:r>
+            <a:r>
+              <a:rPr lang="fi-FI" dirty="0"/>
+              <a:t> </a:t>
+            </a:r>
+            <a:r>
+              <a:rPr lang="fi-FI" dirty="0" err="1"/>
+              <a:t>hours</a:t>
+            </a:r>
+            <a:r>
+              <a:rPr lang="fi-FI" dirty="0"/>
+              <a:t> for </a:t>
+            </a:r>
+            <a:r>
+              <a:rPr lang="fi-FI" dirty="0" err="1"/>
+              <a:t>project</a:t>
+            </a:r>
+            <a:r>
+              <a:rPr lang="fi-FI" dirty="0"/>
+              <a:t> </a:t>
+            </a:r>
+            <a:r>
+              <a:rPr lang="fi-FI" dirty="0" err="1"/>
+              <a:t>members</a:t>
+            </a:r>
+            <a:r>
+              <a:rPr lang="fi-FI" dirty="0"/>
+              <a:t>: 133.3 h x 3 </a:t>
+            </a:r>
+            <a:r>
+              <a:rPr lang="fi-FI" dirty="0" err="1"/>
+              <a:t>amount</a:t>
+            </a:r>
+            <a:r>
+              <a:rPr lang="fi-FI" dirty="0"/>
+              <a:t> to ~400 </a:t>
+            </a:r>
+            <a:r>
+              <a:rPr lang="fi-FI" dirty="0" err="1"/>
+              <a:t>hours</a:t>
+            </a:r>
+            <a:endParaRPr lang="fi-FI" dirty="0"/>
+          </a:p>
+          <a:p>
+            <a:r>
+              <a:rPr lang="fi-FI" dirty="0" err="1"/>
+              <a:t>With</a:t>
+            </a:r>
+            <a:r>
+              <a:rPr lang="fi-FI" dirty="0"/>
+              <a:t> TEK </a:t>
+            </a:r>
+            <a:r>
+              <a:rPr lang="fi-FI" dirty="0" err="1"/>
+              <a:t>starting</a:t>
+            </a:r>
+            <a:r>
+              <a:rPr lang="fi-FI" dirty="0"/>
+              <a:t> </a:t>
+            </a:r>
+            <a:r>
+              <a:rPr lang="fi-FI" dirty="0" err="1"/>
+              <a:t>salary</a:t>
+            </a:r>
+            <a:r>
+              <a:rPr lang="fi-FI" dirty="0"/>
+              <a:t> </a:t>
+            </a:r>
+            <a:r>
+              <a:rPr lang="fi-FI" dirty="0" err="1"/>
+              <a:t>recommendation</a:t>
+            </a:r>
+            <a:r>
+              <a:rPr lang="fi-FI" dirty="0"/>
+              <a:t> </a:t>
+            </a:r>
+            <a:r>
+              <a:rPr lang="fi-FI" dirty="0" err="1"/>
+              <a:t>this</a:t>
+            </a:r>
+            <a:r>
+              <a:rPr lang="fi-FI" dirty="0"/>
+              <a:t> </a:t>
+            </a:r>
+            <a:r>
+              <a:rPr lang="fi-FI" dirty="0" err="1"/>
+              <a:t>will</a:t>
+            </a:r>
+            <a:r>
+              <a:rPr lang="fi-FI" dirty="0"/>
+              <a:t> </a:t>
+            </a:r>
+            <a:r>
+              <a:rPr lang="fi-FI" dirty="0" err="1"/>
+              <a:t>cumulate</a:t>
+            </a:r>
+            <a:r>
+              <a:rPr lang="fi-FI" dirty="0"/>
+              <a:t> to 23.14€/</a:t>
+            </a:r>
+            <a:r>
+              <a:rPr lang="fi-FI" dirty="0" err="1"/>
+              <a:t>hour</a:t>
+            </a:r>
+            <a:r>
+              <a:rPr lang="fi-FI" dirty="0"/>
+              <a:t> * 400hour = 9256€ </a:t>
+            </a:r>
+          </a:p>
+          <a:p>
+            <a:r>
+              <a:rPr lang="fi-FI" dirty="0"/>
+              <a:t>Advanced </a:t>
+            </a:r>
+            <a:r>
+              <a:rPr lang="fi-FI" dirty="0" err="1"/>
+              <a:t>goal</a:t>
+            </a:r>
+            <a:r>
+              <a:rPr lang="fi-FI" dirty="0"/>
+              <a:t> 480 </a:t>
+            </a:r>
+            <a:r>
+              <a:rPr lang="fi-FI" dirty="0" err="1"/>
+              <a:t>hours</a:t>
+            </a:r>
+            <a:r>
+              <a:rPr lang="fi-FI" dirty="0"/>
+              <a:t> -&gt; 11107€ </a:t>
+            </a:r>
+          </a:p>
+          <a:p>
+            <a:endParaRPr lang="en-FI" dirty="0"/>
+          </a:p>
+        </p:txBody>
+      </p:sp>
+      <p:sp>
+        <p:nvSpPr>
+          <p:cNvPr id="4" name="Slide Number Placeholder 3">
+            <a:extLst>
+              <a:ext uri="{FF2B5EF4-FFF2-40B4-BE49-F238E27FC236}">
+                <a16:creationId xmlns:a16="http://schemas.microsoft.com/office/drawing/2014/main" id="{F5557A59-FD5C-4CBD-9DF8-308642E6259C}"/>
+              </a:ext>
+            </a:extLst>
+          </p:cNvPr>
+          <p:cNvSpPr>
+            <a:spLocks noGrp="1"/>
+          </p:cNvSpPr>
+          <p:nvPr>
+            <p:ph type="sldNum" sz="quarter" idx="4"/>
+          </p:nvPr>
+        </p:nvSpPr>
+        <p:spPr/>
+        <p:txBody>
+          <a:bodyPr/>
+          <a:lstStyle/>
+          <a:p>
+            <a:r>
+              <a:rPr lang="en-GB" noProof="0"/>
+              <a:t>|  </a:t>
+            </a:r>
+            <a:fld id="{CDC8994D-33BE-6F4B-918B-78B2D731EB1C}" type="slidenum">
+              <a:rPr lang="en-GB" noProof="0" smtClean="0"/>
+              <a:pPr/>
+              <a:t>15</a:t>
+            </a:fld>
+            <a:endParaRPr lang="en-GB" noProof="0"/>
+          </a:p>
+        </p:txBody>
+      </p:sp>
+    </p:spTree>
+    <p:extLst>
+      <p:ext uri="{BB962C8B-B14F-4D97-AF65-F5344CB8AC3E}">
+        <p14:creationId xmlns:p14="http://schemas.microsoft.com/office/powerpoint/2010/main" val="4172795605"/>
+      </p:ext>
+    </p:extLst>
+  </p:cSld>
+  <p:clrMapOvr>
+    <a:masterClrMapping/>
+  </p:clrMapOvr>
+</p:sld>
+</file>
+
+<file path=ppt/slides/slide16.xml><?xml version="1.0" encoding="utf-8"?>
+<p:sld xmlns:a="http://schemas.openxmlformats.org/drawingml/2006/main" xmlns:r="http://schemas.openxmlformats.org/officeDocument/2006/relationships" xmlns:p="http://schemas.openxmlformats.org/presentationml/2006/main">
+  <p:cSld>
+    <p:spTree>
+      <p:nvGrpSpPr>
+        <p:cNvPr id="1" name=""/>
+        <p:cNvGrpSpPr/>
+        <p:nvPr/>
+      </p:nvGrpSpPr>
+      <p:grpSpPr>
+        <a:xfrm>
+          <a:off x="0" y="0"/>
+          <a:ext cx="0" cy="0"/>
+          <a:chOff x="0" y="0"/>
+          <a:chExt cx="0" cy="0"/>
+        </a:xfrm>
+      </p:grpSpPr>
+      <p:sp>
+        <p:nvSpPr>
+          <p:cNvPr id="2" name="Title 1">
+            <a:extLst>
+              <a:ext uri="{FF2B5EF4-FFF2-40B4-BE49-F238E27FC236}">
+                <a16:creationId xmlns:a16="http://schemas.microsoft.com/office/drawing/2014/main" id="{46710B3D-4F49-41E6-BA7A-40F96E84EF02}"/>
+              </a:ext>
+            </a:extLst>
+          </p:cNvPr>
+          <p:cNvSpPr>
+            <a:spLocks noGrp="1"/>
+          </p:cNvSpPr>
+          <p:nvPr>
+            <p:ph type="title"/>
+          </p:nvPr>
+        </p:nvSpPr>
+        <p:spPr/>
+        <p:txBody>
+          <a:bodyPr/>
+          <a:lstStyle/>
+          <a:p>
+            <a:r>
+              <a:rPr lang="fi-FI" dirty="0" err="1"/>
+              <a:t>Budget</a:t>
+            </a:r>
+            <a:endParaRPr lang="en-FI" dirty="0"/>
+          </a:p>
+        </p:txBody>
+      </p:sp>
+      <p:sp>
+        <p:nvSpPr>
+          <p:cNvPr id="3" name="Content Placeholder 2">
+            <a:extLst>
+              <a:ext uri="{FF2B5EF4-FFF2-40B4-BE49-F238E27FC236}">
+                <a16:creationId xmlns:a16="http://schemas.microsoft.com/office/drawing/2014/main" id="{FBB18FC4-BEF1-4983-829B-79C51E52E267}"/>
+              </a:ext>
+            </a:extLst>
+          </p:cNvPr>
+          <p:cNvSpPr>
+            <a:spLocks noGrp="1"/>
+          </p:cNvSpPr>
+          <p:nvPr>
+            <p:ph idx="1"/>
+          </p:nvPr>
+        </p:nvSpPr>
+        <p:spPr/>
+        <p:txBody>
+          <a:bodyPr/>
+          <a:lstStyle/>
+          <a:p>
+            <a:r>
+              <a:rPr lang="fi-FI" dirty="0"/>
+              <a:t>No </a:t>
+            </a:r>
+            <a:r>
+              <a:rPr lang="fi-FI" dirty="0" err="1"/>
+              <a:t>other</a:t>
+            </a:r>
+            <a:r>
+              <a:rPr lang="fi-FI" dirty="0"/>
+              <a:t> </a:t>
+            </a:r>
+            <a:r>
+              <a:rPr lang="fi-FI" dirty="0" err="1"/>
+              <a:t>expenses</a:t>
+            </a:r>
+            <a:r>
+              <a:rPr lang="fi-FI" dirty="0"/>
+              <a:t> (</a:t>
+            </a:r>
+            <a:r>
+              <a:rPr lang="fi-FI" dirty="0" err="1"/>
+              <a:t>recording</a:t>
+            </a:r>
+            <a:r>
+              <a:rPr lang="fi-FI" dirty="0"/>
+              <a:t> </a:t>
+            </a:r>
+            <a:r>
+              <a:rPr lang="fi-FI" dirty="0" err="1"/>
+              <a:t>devices</a:t>
+            </a:r>
+            <a:r>
+              <a:rPr lang="fi-FI" dirty="0"/>
+              <a:t> </a:t>
+            </a:r>
+            <a:r>
+              <a:rPr lang="fi-FI" dirty="0" err="1"/>
+              <a:t>from</a:t>
+            </a:r>
+            <a:r>
+              <a:rPr lang="fi-FI" dirty="0"/>
+              <a:t> </a:t>
+            </a:r>
+            <a:r>
+              <a:rPr lang="fi-FI" dirty="0" err="1"/>
+              <a:t>the</a:t>
+            </a:r>
+            <a:r>
+              <a:rPr lang="fi-FI" dirty="0"/>
+              <a:t> </a:t>
+            </a:r>
+            <a:r>
+              <a:rPr lang="fi-FI" dirty="0" err="1"/>
+              <a:t>client</a:t>
+            </a:r>
+            <a:r>
+              <a:rPr lang="fi-FI" dirty="0"/>
+              <a:t>)</a:t>
+            </a:r>
+          </a:p>
+          <a:p>
+            <a:r>
+              <a:rPr lang="fi-FI" dirty="0" err="1"/>
+              <a:t>Hours</a:t>
+            </a:r>
+            <a:r>
+              <a:rPr lang="fi-FI" dirty="0"/>
+              <a:t> </a:t>
+            </a:r>
+            <a:r>
+              <a:rPr lang="fi-FI" dirty="0" err="1"/>
+              <a:t>spent</a:t>
+            </a:r>
+            <a:r>
+              <a:rPr lang="fi-FI" dirty="0"/>
+              <a:t> </a:t>
+            </a:r>
+            <a:r>
+              <a:rPr lang="fi-FI" dirty="0" err="1"/>
+              <a:t>by</a:t>
+            </a:r>
+            <a:r>
+              <a:rPr lang="fi-FI" dirty="0"/>
+              <a:t> </a:t>
+            </a:r>
+            <a:r>
+              <a:rPr lang="fi-FI" dirty="0" err="1"/>
+              <a:t>the</a:t>
+            </a:r>
+            <a:r>
+              <a:rPr lang="fi-FI" dirty="0"/>
+              <a:t> </a:t>
+            </a:r>
+            <a:r>
+              <a:rPr lang="fi-FI" dirty="0" err="1"/>
+              <a:t>client</a:t>
+            </a:r>
+            <a:r>
+              <a:rPr lang="fi-FI" dirty="0"/>
+              <a:t>: 1h per </a:t>
+            </a:r>
+            <a:r>
+              <a:rPr lang="fi-FI" dirty="0" err="1"/>
+              <a:t>week</a:t>
+            </a:r>
+            <a:r>
+              <a:rPr lang="fi-FI" dirty="0"/>
+              <a:t>, 28h </a:t>
+            </a:r>
+            <a:r>
+              <a:rPr lang="fi-FI" dirty="0" err="1"/>
+              <a:t>hours</a:t>
+            </a:r>
+            <a:r>
+              <a:rPr lang="fi-FI" dirty="0"/>
+              <a:t> in </a:t>
+            </a:r>
+            <a:r>
+              <a:rPr lang="fi-FI" dirty="0" err="1"/>
+              <a:t>total</a:t>
+            </a:r>
+            <a:r>
+              <a:rPr lang="fi-FI" dirty="0"/>
+              <a:t>, 5000 € </a:t>
+            </a:r>
+            <a:r>
+              <a:rPr lang="fi-FI" dirty="0" err="1"/>
+              <a:t>monthly</a:t>
+            </a:r>
+            <a:r>
+              <a:rPr lang="fi-FI" dirty="0"/>
+              <a:t> </a:t>
+            </a:r>
+            <a:r>
+              <a:rPr lang="fi-FI" dirty="0" err="1"/>
+              <a:t>salary</a:t>
+            </a:r>
+            <a:r>
+              <a:rPr lang="fi-FI" dirty="0"/>
+              <a:t> </a:t>
+            </a:r>
+            <a:r>
+              <a:rPr lang="fi-FI" dirty="0" err="1"/>
+              <a:t>approximation</a:t>
+            </a:r>
+            <a:r>
+              <a:rPr lang="fi-FI" dirty="0"/>
+              <a:t> </a:t>
+            </a:r>
+            <a:r>
+              <a:rPr lang="fi-FI" dirty="0" err="1"/>
+              <a:t>would</a:t>
+            </a:r>
+            <a:r>
+              <a:rPr lang="fi-FI" dirty="0"/>
+              <a:t> </a:t>
+            </a:r>
+            <a:r>
+              <a:rPr lang="fi-FI" dirty="0" err="1"/>
+              <a:t>lead</a:t>
+            </a:r>
+            <a:r>
+              <a:rPr lang="fi-FI" dirty="0"/>
+              <a:t> to a </a:t>
+            </a:r>
+            <a:r>
+              <a:rPr lang="fi-FI" dirty="0" err="1"/>
+              <a:t>total</a:t>
+            </a:r>
+            <a:r>
+              <a:rPr lang="fi-FI" dirty="0"/>
+              <a:t> of 814€ </a:t>
+            </a:r>
+            <a:r>
+              <a:rPr lang="fi-FI" dirty="0" err="1"/>
+              <a:t>project</a:t>
+            </a:r>
+            <a:r>
+              <a:rPr lang="fi-FI" dirty="0"/>
+              <a:t> </a:t>
+            </a:r>
+            <a:r>
+              <a:rPr lang="fi-FI" dirty="0" err="1"/>
+              <a:t>specific</a:t>
+            </a:r>
+            <a:r>
+              <a:rPr lang="fi-FI" dirty="0"/>
+              <a:t> </a:t>
+            </a:r>
+            <a:r>
+              <a:rPr lang="fi-FI" dirty="0" err="1"/>
+              <a:t>expenses</a:t>
+            </a:r>
+            <a:endParaRPr lang="fi-FI" dirty="0"/>
+          </a:p>
+          <a:p>
+            <a:r>
+              <a:rPr lang="fi-FI" dirty="0"/>
+              <a:t>Basic </a:t>
+            </a:r>
+            <a:r>
+              <a:rPr lang="fi-FI" dirty="0" err="1"/>
+              <a:t>goal</a:t>
+            </a:r>
+            <a:r>
+              <a:rPr lang="fi-FI" dirty="0"/>
+              <a:t> </a:t>
+            </a:r>
+            <a:r>
+              <a:rPr lang="fi-FI" dirty="0" err="1"/>
+              <a:t>estimate</a:t>
+            </a:r>
+            <a:r>
+              <a:rPr lang="fi-FI" dirty="0"/>
+              <a:t>: 10070 €</a:t>
+            </a:r>
+          </a:p>
+          <a:p>
+            <a:r>
+              <a:rPr lang="fi-FI" dirty="0"/>
+              <a:t>Advanced </a:t>
+            </a:r>
+            <a:r>
+              <a:rPr lang="fi-FI" dirty="0" err="1"/>
+              <a:t>goal</a:t>
+            </a:r>
+            <a:r>
+              <a:rPr lang="fi-FI" dirty="0"/>
+              <a:t> </a:t>
+            </a:r>
+            <a:r>
+              <a:rPr lang="fi-FI" dirty="0" err="1"/>
+              <a:t>estimate</a:t>
+            </a:r>
+            <a:r>
+              <a:rPr lang="fi-FI" dirty="0"/>
+              <a:t>: 11921 €</a:t>
+            </a:r>
+          </a:p>
+          <a:p>
+            <a:r>
+              <a:rPr lang="fi-FI" dirty="0"/>
+              <a:t>If </a:t>
+            </a:r>
+            <a:r>
+              <a:rPr lang="fi-FI" dirty="0" err="1"/>
+              <a:t>you</a:t>
+            </a:r>
+            <a:r>
+              <a:rPr lang="fi-FI" dirty="0"/>
+              <a:t> </a:t>
+            </a:r>
+            <a:r>
+              <a:rPr lang="fi-FI" dirty="0" err="1"/>
+              <a:t>take</a:t>
+            </a:r>
+            <a:r>
+              <a:rPr lang="fi-FI" dirty="0"/>
+              <a:t> into </a:t>
+            </a:r>
+            <a:r>
+              <a:rPr lang="fi-FI" dirty="0" err="1"/>
+              <a:t>account</a:t>
+            </a:r>
+            <a:r>
+              <a:rPr lang="fi-FI" dirty="0"/>
+              <a:t> </a:t>
+            </a:r>
+            <a:r>
+              <a:rPr lang="fi-FI" dirty="0" err="1"/>
+              <a:t>the</a:t>
+            </a:r>
+            <a:r>
+              <a:rPr lang="fi-FI" dirty="0"/>
+              <a:t> </a:t>
+            </a:r>
+            <a:r>
+              <a:rPr lang="fi-FI" dirty="0" err="1"/>
+              <a:t>employer</a:t>
+            </a:r>
+            <a:r>
+              <a:rPr lang="fi-FI" dirty="0"/>
+              <a:t> </a:t>
+            </a:r>
+            <a:r>
+              <a:rPr lang="fi-FI" dirty="0" err="1"/>
+              <a:t>expenses</a:t>
+            </a:r>
+            <a:r>
+              <a:rPr lang="fi-FI" dirty="0"/>
+              <a:t> </a:t>
+            </a:r>
+            <a:r>
+              <a:rPr lang="fi-FI" dirty="0" err="1"/>
+              <a:t>the</a:t>
+            </a:r>
+            <a:r>
+              <a:rPr lang="fi-FI" dirty="0"/>
+              <a:t> </a:t>
+            </a:r>
+            <a:r>
+              <a:rPr lang="fi-FI" dirty="0" err="1"/>
+              <a:t>real</a:t>
+            </a:r>
+            <a:r>
+              <a:rPr lang="fi-FI" dirty="0"/>
+              <a:t> </a:t>
+            </a:r>
+            <a:r>
+              <a:rPr lang="fi-FI" dirty="0" err="1"/>
+              <a:t>total</a:t>
+            </a:r>
+            <a:r>
+              <a:rPr lang="fi-FI" dirty="0"/>
+              <a:t> </a:t>
+            </a:r>
+            <a:r>
+              <a:rPr lang="fi-FI" dirty="0" err="1"/>
+              <a:t>expense</a:t>
+            </a:r>
+            <a:r>
+              <a:rPr lang="fi-FI" dirty="0"/>
+              <a:t> </a:t>
+            </a:r>
+            <a:r>
+              <a:rPr lang="fi-FI" dirty="0" err="1"/>
+              <a:t>will</a:t>
+            </a:r>
+            <a:r>
+              <a:rPr lang="fi-FI" dirty="0"/>
+              <a:t> </a:t>
+            </a:r>
+            <a:r>
+              <a:rPr lang="fi-FI" dirty="0" err="1"/>
+              <a:t>be</a:t>
+            </a:r>
+            <a:r>
+              <a:rPr lang="fi-FI" dirty="0"/>
+              <a:t> </a:t>
+            </a:r>
+            <a:r>
+              <a:rPr lang="fi-FI" dirty="0" err="1"/>
+              <a:t>roughly</a:t>
+            </a:r>
+            <a:r>
+              <a:rPr lang="fi-FI" dirty="0"/>
+              <a:t> </a:t>
+            </a:r>
+            <a:r>
+              <a:rPr lang="fi-FI" dirty="0" err="1"/>
+              <a:t>twice</a:t>
+            </a:r>
+            <a:r>
+              <a:rPr lang="fi-FI" dirty="0"/>
+              <a:t> </a:t>
+            </a:r>
+            <a:r>
+              <a:rPr lang="fi-FI" dirty="0" err="1"/>
+              <a:t>the</a:t>
+            </a:r>
+            <a:r>
+              <a:rPr lang="fi-FI" dirty="0"/>
+              <a:t> </a:t>
+            </a:r>
+            <a:r>
+              <a:rPr lang="fi-FI" dirty="0" err="1"/>
+              <a:t>estimates</a:t>
+            </a:r>
+            <a:endParaRPr lang="fi-FI" dirty="0"/>
+          </a:p>
+          <a:p>
+            <a:endParaRPr lang="en-FI" dirty="0"/>
+          </a:p>
+        </p:txBody>
+      </p:sp>
+      <p:sp>
+        <p:nvSpPr>
+          <p:cNvPr id="4" name="Slide Number Placeholder 3">
+            <a:extLst>
+              <a:ext uri="{FF2B5EF4-FFF2-40B4-BE49-F238E27FC236}">
+                <a16:creationId xmlns:a16="http://schemas.microsoft.com/office/drawing/2014/main" id="{F5557A59-FD5C-4CBD-9DF8-308642E6259C}"/>
+              </a:ext>
+            </a:extLst>
+          </p:cNvPr>
+          <p:cNvSpPr>
+            <a:spLocks noGrp="1"/>
+          </p:cNvSpPr>
+          <p:nvPr>
+            <p:ph type="sldNum" sz="quarter" idx="4"/>
+          </p:nvPr>
+        </p:nvSpPr>
+        <p:spPr/>
+        <p:txBody>
+          <a:bodyPr/>
+          <a:lstStyle/>
+          <a:p>
+            <a:r>
+              <a:rPr lang="en-GB" noProof="0"/>
+              <a:t>|  </a:t>
+            </a:r>
+            <a:fld id="{CDC8994D-33BE-6F4B-918B-78B2D731EB1C}" type="slidenum">
+              <a:rPr lang="en-GB" noProof="0" smtClean="0"/>
+              <a:pPr/>
+              <a:t>16</a:t>
+            </a:fld>
+            <a:endParaRPr lang="en-GB" noProof="0"/>
+          </a:p>
+        </p:txBody>
+      </p:sp>
+    </p:spTree>
+    <p:extLst>
+      <p:ext uri="{BB962C8B-B14F-4D97-AF65-F5344CB8AC3E}">
+        <p14:creationId xmlns:p14="http://schemas.microsoft.com/office/powerpoint/2010/main" val="1964461493"/>
+      </p:ext>
+    </p:extLst>
+  </p:cSld>
+  <p:clrMapOvr>
+    <a:masterClrMapping/>
+  </p:clrMapOvr>
+</p:sld>
+</file>
+
+<file path=ppt/slides/slide17.xml><?xml version="1.0" encoding="utf-8"?>
+<p:sld xmlns:a="http://schemas.openxmlformats.org/drawingml/2006/main" xmlns:r="http://schemas.openxmlformats.org/officeDocument/2006/relationships" xmlns:p="http://schemas.openxmlformats.org/presentationml/2006/main">
+  <p:cSld>
+    <p:spTree>
+      <p:nvGrpSpPr>
+        <p:cNvPr id="1" name=""/>
+        <p:cNvGrpSpPr/>
+        <p:nvPr/>
+      </p:nvGrpSpPr>
+      <p:grpSpPr>
+        <a:xfrm>
+          <a:off x="0" y="0"/>
+          <a:ext cx="0" cy="0"/>
+          <a:chOff x="0" y="0"/>
+          <a:chExt cx="0" cy="0"/>
+        </a:xfrm>
+      </p:grpSpPr>
+      <p:sp>
+        <p:nvSpPr>
+          <p:cNvPr id="4" name="Slide Number Placeholder 3">
+            <a:extLst>
+              <a:ext uri="{FF2B5EF4-FFF2-40B4-BE49-F238E27FC236}">
+                <a16:creationId xmlns:a16="http://schemas.microsoft.com/office/drawing/2014/main" id="{E1924F83-8FCF-491F-B61F-9DBD12711051}"/>
+              </a:ext>
+            </a:extLst>
+          </p:cNvPr>
+          <p:cNvSpPr>
+            <a:spLocks noGrp="1"/>
+          </p:cNvSpPr>
+          <p:nvPr>
+            <p:ph type="sldNum" sz="quarter" idx="4294967295"/>
+          </p:nvPr>
+        </p:nvSpPr>
+        <p:spPr>
+          <a:xfrm>
+            <a:off x="11815763" y="6489700"/>
+            <a:ext cx="376237" cy="254000"/>
+          </a:xfrm>
+        </p:spPr>
+        <p:txBody>
+          <a:bodyPr/>
+          <a:lstStyle/>
+          <a:p>
+            <a:r>
+              <a:rPr lang="en-GB" noProof="0"/>
+              <a:t>|  </a:t>
+            </a:r>
+            <a:fld id="{CDC8994D-33BE-6F4B-918B-78B2D731EB1C}" type="slidenum">
+              <a:rPr lang="en-GB" noProof="0" smtClean="0"/>
+              <a:pPr/>
+              <a:t>17</a:t>
+            </a:fld>
+            <a:endParaRPr lang="en-GB" noProof="0"/>
+          </a:p>
+        </p:txBody>
+      </p:sp>
+      <p:sp>
+        <p:nvSpPr>
+          <p:cNvPr id="5" name="TextBox 4">
+            <a:extLst>
+              <a:ext uri="{FF2B5EF4-FFF2-40B4-BE49-F238E27FC236}">
+                <a16:creationId xmlns:a16="http://schemas.microsoft.com/office/drawing/2014/main" id="{9B0F4791-148E-4C03-9C06-42EA6B239B19}"/>
+              </a:ext>
+            </a:extLst>
+          </p:cNvPr>
+          <p:cNvSpPr txBox="1"/>
+          <p:nvPr/>
+        </p:nvSpPr>
+        <p:spPr>
+          <a:xfrm>
+            <a:off x="8689140" y="5838322"/>
+            <a:ext cx="2514829" cy="707886"/>
+          </a:xfrm>
+          <a:prstGeom prst="rect">
+            <a:avLst/>
+          </a:prstGeom>
+          <a:noFill/>
+        </p:spPr>
+        <p:txBody>
+          <a:bodyPr wrap="square" rtlCol="0">
+            <a:spAutoFit/>
+          </a:bodyPr>
+          <a:lstStyle/>
+          <a:p>
+            <a:r>
+              <a:rPr lang="fi-FI" sz="4000" dirty="0" err="1">
+                <a:solidFill>
+                  <a:schemeClr val="bg1"/>
+                </a:solidFill>
+                <a:latin typeface="NimbusSanL-Regu"/>
+              </a:rPr>
+              <a:t>Questions</a:t>
+            </a:r>
+            <a:r>
+              <a:rPr lang="fi-FI" sz="4000" dirty="0">
+                <a:solidFill>
+                  <a:schemeClr val="bg1"/>
+                </a:solidFill>
+                <a:latin typeface="NimbusSanL-Regu"/>
+              </a:rPr>
+              <a:t>?</a:t>
+            </a:r>
+            <a:r>
+              <a:rPr lang="fi-FI" sz="4000" dirty="0">
+                <a:latin typeface="NimbusSanL-Regu"/>
+              </a:rPr>
+              <a:t> </a:t>
+            </a:r>
+            <a:endParaRPr lang="en-FI" sz="4000" dirty="0">
+              <a:latin typeface="NimbusSanL-Regu"/>
+            </a:endParaRPr>
+          </a:p>
+        </p:txBody>
+      </p:sp>
+    </p:spTree>
+    <p:extLst>
+      <p:ext uri="{BB962C8B-B14F-4D97-AF65-F5344CB8AC3E}">
+        <p14:creationId xmlns:p14="http://schemas.microsoft.com/office/powerpoint/2010/main" val="504339467"/>
       </p:ext>
     </p:extLst>
   </p:cSld>
@@ -14412,8 +16996,16 @@
           <a:lstStyle/>
           <a:p>
             <a:r>
-              <a:rPr lang="tr-TR" dirty="0" err="1"/>
-              <a:t>Abstract</a:t>
+              <a:rPr lang="tr-TR" dirty="0"/>
+              <a:t>Project background</a:t>
+            </a:r>
+            <a:r>
+              <a:rPr lang="fi-FI" dirty="0"/>
+              <a:t> and </a:t>
+            </a:r>
+            <a:r>
+              <a:rPr lang="fi-FI" dirty="0" err="1"/>
+              <a:t>terminology</a:t>
             </a:r>
             <a:endParaRPr lang="en-GB" dirty="0"/>
           </a:p>
@@ -14445,13 +17037,31 @@
           <a:bodyPr/>
           <a:lstStyle/>
           <a:p>
-            <a:pPr marL="0" indent="0">
-              <a:spcBef>
-                <a:spcPts val="0"/>
-              </a:spcBef>
-              <a:buNone/>
-            </a:pPr>
-            <a:endParaRPr lang="en-GB" sz="2800" dirty="0"/>
+            <a:pPr algn="l"/>
+            <a:r>
+              <a:rPr lang="en-GB" sz="2800" dirty="0">
+                <a:latin typeface="NimbusSanL-Regu"/>
+              </a:rPr>
+              <a:t>Spatiotemporal data: Where and when something is happening (interest in both time and space dimensions)</a:t>
+            </a:r>
+          </a:p>
+          <a:p>
+            <a:pPr algn="l"/>
+            <a:r>
+              <a:rPr lang="en-GB" sz="2800" dirty="0">
+                <a:latin typeface="NimbusSanL-Regu"/>
+              </a:rPr>
+              <a:t>Sound object: An object that is detected and classified from the object specific sound</a:t>
+            </a:r>
+          </a:p>
+          <a:p>
+            <a:pPr algn="l"/>
+            <a:r>
+              <a:rPr lang="en-GB" sz="2800" dirty="0">
+                <a:latin typeface="NimbusSanL-Regu"/>
+              </a:rPr>
+              <a:t>Scene: A simulated or recorded chain of events from which objects and their nature is to be recognized (people talking, car passing by, bird chirping)</a:t>
+            </a:r>
           </a:p>
         </p:txBody>
       </p:sp>
@@ -14492,7 +17102,7 @@
     </p:spTree>
     <p:extLst>
       <p:ext uri="{BB962C8B-B14F-4D97-AF65-F5344CB8AC3E}">
-        <p14:creationId xmlns:p14="http://schemas.microsoft.com/office/powerpoint/2010/main" val="3526698469"/>
+        <p14:creationId xmlns:p14="http://schemas.microsoft.com/office/powerpoint/2010/main" val="4240077005"/>
       </p:ext>
     </p:extLst>
   </p:cSld>
@@ -14544,6 +17154,14 @@
               <a:rPr lang="tr-TR" dirty="0"/>
               <a:t>Project background</a:t>
             </a:r>
+            <a:r>
+              <a:rPr lang="fi-FI" dirty="0"/>
+              <a:t> and </a:t>
+            </a:r>
+            <a:r>
+              <a:rPr lang="fi-FI" dirty="0" err="1"/>
+              <a:t>terminology</a:t>
+            </a:r>
             <a:endParaRPr lang="en-GB" dirty="0"/>
           </a:p>
         </p:txBody>
@@ -14576,204 +17194,217 @@
           <a:p>
             <a:pPr algn="l"/>
             <a:r>
-              <a:rPr lang="en-US" sz="2400" b="0" i="0" u="none" strike="noStrike" baseline="0" dirty="0">
-                <a:latin typeface="NimbusSanL-Regu"/>
-              </a:rPr>
-              <a:t>This project is the course work for a Tampere University course ’Signal Processing </a:t>
-            </a:r>
-            <a:r>
-              <a:rPr lang="en-US" sz="2400" b="0" i="0" u="none" strike="noStrike" baseline="0" dirty="0" err="1">
-                <a:latin typeface="NimbusSanL-Regu"/>
-              </a:rPr>
-              <a:t>Innnovation</a:t>
-            </a:r>
-            <a:r>
-              <a:rPr lang="tr-TR" sz="2400" b="0" i="0" u="none" strike="noStrike" baseline="0" dirty="0">
+              <a:rPr lang="fi-FI" sz="2800" b="0" i="0" u="none" strike="noStrike" baseline="0" dirty="0">
+                <a:latin typeface="NimbusSanL-Regu"/>
+              </a:rPr>
+              <a:t>Client(s): Archontis Politis and Tuomas Virtanen, </a:t>
+            </a:r>
+            <a:r>
+              <a:rPr lang="en-GB" sz="2800" b="0" i="0" u="none" strike="noStrike" baseline="0" dirty="0">
+                <a:latin typeface="NimbusSanL-Regu"/>
+              </a:rPr>
+              <a:t>Audio Research Group (ARG) at  Tampere University</a:t>
+            </a:r>
+          </a:p>
+          <a:p>
+            <a:pPr algn="l"/>
+            <a:r>
+              <a:rPr lang="en-GB" sz="2800" dirty="0">
+                <a:latin typeface="NimbusSanL-Regu"/>
+              </a:rPr>
+              <a:t>Motivation: Machine learning based modelling used heavily in todays audio research</a:t>
+            </a:r>
+          </a:p>
+          <a:p>
+            <a:pPr lvl="1"/>
+            <a:r>
+              <a:rPr lang="en-GB" sz="2400" b="0" i="0" u="none" strike="noStrike" baseline="0" dirty="0">
+                <a:latin typeface="NimbusSanL-Regu"/>
+              </a:rPr>
+              <a:t>Data intensive methods require</a:t>
+            </a:r>
+            <a:r>
+              <a:rPr lang="en-GB" sz="2400" dirty="0">
+                <a:latin typeface="NimbusSanL-Regu"/>
+              </a:rPr>
+              <a:t> annotated (labelled) data for training</a:t>
+            </a:r>
+          </a:p>
+          <a:p>
+            <a:pPr lvl="1"/>
+            <a:r>
+              <a:rPr lang="en-GB" sz="2400" b="0" i="0" u="none" strike="noStrike" baseline="0" dirty="0">
+                <a:latin typeface="NimbusSanL-Regu"/>
+              </a:rPr>
+              <a:t>Audio data labelling can be laborious</a:t>
+            </a:r>
+          </a:p>
+          <a:p>
+            <a:pPr lvl="1"/>
+            <a:r>
+              <a:rPr lang="en-GB" sz="2400" dirty="0">
+                <a:latin typeface="NimbusSanL-Regu"/>
+              </a:rPr>
+              <a:t>Spatial labelling done manually is especially difficult to do accurately (humans are not that good at accurately evaluating the direction of arrival of sound)</a:t>
+            </a:r>
+          </a:p>
+          <a:p>
+            <a:r>
+              <a:rPr lang="fi-FI" sz="2800" b="0" i="0" u="none" strike="noStrike" baseline="0" dirty="0" err="1">
+                <a:latin typeface="NimbusSanL-Regu"/>
+              </a:rPr>
+              <a:t>Goal</a:t>
+            </a:r>
+            <a:r>
+              <a:rPr lang="fi-FI" sz="2800" b="0" i="0" u="none" strike="noStrike" baseline="0" dirty="0">
+                <a:latin typeface="NimbusSanL-Regu"/>
+              </a:rPr>
+              <a:t>: To </a:t>
+            </a:r>
+            <a:r>
+              <a:rPr lang="fi-FI" sz="2800" b="0" i="0" u="none" strike="noStrike" baseline="0" dirty="0" err="1">
+                <a:latin typeface="NimbusSanL-Regu"/>
+              </a:rPr>
+              <a:t>research</a:t>
+            </a:r>
+            <a:r>
+              <a:rPr lang="fi-FI" sz="2800" b="0" i="0" u="none" strike="noStrike" baseline="0" dirty="0">
                 <a:latin typeface="NimbusSanL-Regu"/>
               </a:rPr>
               <a:t> </a:t>
             </a:r>
             <a:r>
-              <a:rPr lang="en-US" sz="2400" b="0" i="0" u="none" strike="noStrike" baseline="0" dirty="0">
-                <a:latin typeface="NimbusSanL-Regu"/>
-              </a:rPr>
-              <a:t>Project’ designed for students majoring in signal processing and machine learning.</a:t>
-            </a:r>
-            <a:endParaRPr lang="tr-TR" sz="2400" b="0" i="0" u="none" strike="noStrike" baseline="0" dirty="0">
+              <a:rPr lang="fi-FI" sz="2800" b="0" i="0" u="none" strike="noStrike" baseline="0" dirty="0" err="1">
+                <a:latin typeface="NimbusSanL-Regu"/>
+              </a:rPr>
+              <a:t>if</a:t>
+            </a:r>
+            <a:r>
+              <a:rPr lang="fi-FI" sz="2800" b="0" i="0" u="none" strike="noStrike" baseline="0" dirty="0">
+                <a:latin typeface="NimbusSanL-Regu"/>
+              </a:rPr>
+              <a:t> 360-degree video data </a:t>
+            </a:r>
+            <a:r>
+              <a:rPr lang="fi-FI" sz="2800" b="0" i="0" u="none" strike="noStrike" baseline="0" dirty="0" err="1">
+                <a:latin typeface="NimbusSanL-Regu"/>
+              </a:rPr>
+              <a:t>could</a:t>
+            </a:r>
+            <a:r>
+              <a:rPr lang="fi-FI" sz="2800" b="0" i="0" u="none" strike="noStrike" baseline="0" dirty="0">
+                <a:latin typeface="NimbusSanL-Regu"/>
+              </a:rPr>
+              <a:t> </a:t>
+            </a:r>
+            <a:r>
+              <a:rPr lang="fi-FI" sz="2800" b="0" i="0" u="none" strike="noStrike" baseline="0" dirty="0" err="1">
+                <a:latin typeface="NimbusSanL-Regu"/>
+              </a:rPr>
+              <a:t>be</a:t>
+            </a:r>
+            <a:r>
+              <a:rPr lang="fi-FI" sz="2800" b="0" i="0" u="none" strike="noStrike" baseline="0" dirty="0">
+                <a:latin typeface="NimbusSanL-Regu"/>
+              </a:rPr>
+              <a:t> </a:t>
+            </a:r>
+            <a:r>
+              <a:rPr lang="fi-FI" sz="2800" b="0" i="0" u="none" strike="noStrike" baseline="0" dirty="0" err="1">
+                <a:latin typeface="NimbusSanL-Regu"/>
+              </a:rPr>
+              <a:t>used</a:t>
+            </a:r>
+            <a:r>
+              <a:rPr lang="fi-FI" sz="2800" b="0" i="0" u="none" strike="noStrike" baseline="0" dirty="0">
+                <a:latin typeface="NimbusSanL-Regu"/>
+              </a:rPr>
+              <a:t> to </a:t>
+            </a:r>
+            <a:r>
+              <a:rPr lang="fi-FI" sz="2800" b="0" i="0" u="none" strike="noStrike" baseline="0" dirty="0" err="1">
+                <a:latin typeface="NimbusSanL-Regu"/>
+              </a:rPr>
+              <a:t>automatically</a:t>
+            </a:r>
+            <a:r>
+              <a:rPr lang="fi-FI" sz="2800" b="0" i="0" u="none" strike="noStrike" baseline="0" dirty="0">
+                <a:latin typeface="NimbusSanL-Regu"/>
+              </a:rPr>
+              <a:t> </a:t>
+            </a:r>
+            <a:r>
+              <a:rPr lang="fi-FI" sz="2800" b="0" i="0" u="none" strike="noStrike" baseline="0" dirty="0" err="1">
+                <a:latin typeface="NimbusSanL-Regu"/>
+              </a:rPr>
+              <a:t>annotate</a:t>
+            </a:r>
+            <a:r>
+              <a:rPr lang="fi-FI" sz="2800" b="0" i="0" u="none" strike="noStrike" baseline="0" dirty="0">
+                <a:latin typeface="NimbusSanL-Regu"/>
+              </a:rPr>
+              <a:t> </a:t>
+            </a:r>
+            <a:r>
+              <a:rPr lang="fi-FI" sz="2800" b="0" i="0" u="none" strike="noStrike" baseline="0" dirty="0" err="1">
+                <a:latin typeface="NimbusSanL-Regu"/>
+              </a:rPr>
+              <a:t>the</a:t>
+            </a:r>
+            <a:r>
+              <a:rPr lang="fi-FI" sz="2800" b="0" i="0" u="none" strike="noStrike" baseline="0" dirty="0">
+                <a:latin typeface="NimbusSanL-Regu"/>
+              </a:rPr>
+              <a:t> </a:t>
+            </a:r>
+            <a:r>
+              <a:rPr lang="fi-FI" sz="2800" b="0" i="0" u="none" strike="noStrike" baseline="0" dirty="0" err="1">
+                <a:latin typeface="NimbusSanL-Regu"/>
+              </a:rPr>
+              <a:t>spatiotemporal</a:t>
+            </a:r>
+            <a:r>
+              <a:rPr lang="fi-FI" sz="2800" b="0" i="0" u="none" strike="noStrike" baseline="0" dirty="0">
+                <a:latin typeface="NimbusSanL-Regu"/>
+              </a:rPr>
+              <a:t> </a:t>
+            </a:r>
+            <a:r>
+              <a:rPr lang="fi-FI" sz="2800" b="0" i="0" u="none" strike="noStrike" baseline="0" dirty="0" err="1">
+                <a:latin typeface="NimbusSanL-Regu"/>
+              </a:rPr>
+              <a:t>aspect</a:t>
+            </a:r>
+            <a:r>
+              <a:rPr lang="fi-FI" sz="2800" b="0" i="0" u="none" strike="noStrike" baseline="0" dirty="0">
+                <a:latin typeface="NimbusSanL-Regu"/>
+              </a:rPr>
+              <a:t> of </a:t>
+            </a:r>
+            <a:r>
+              <a:rPr lang="fi-FI" sz="2800" b="0" i="0" u="none" strike="noStrike" baseline="0" dirty="0" err="1">
+                <a:latin typeface="NimbusSanL-Regu"/>
+              </a:rPr>
+              <a:t>detected</a:t>
+            </a:r>
+            <a:r>
+              <a:rPr lang="fi-FI" sz="2800" b="0" i="0" u="none" strike="noStrike" baseline="0" dirty="0">
+                <a:latin typeface="NimbusSanL-Regu"/>
+              </a:rPr>
+              <a:t> sound </a:t>
+            </a:r>
+            <a:r>
+              <a:rPr lang="fi-FI" sz="2800" b="0" i="0" u="none" strike="noStrike" baseline="0" dirty="0" err="1">
+                <a:latin typeface="NimbusSanL-Regu"/>
+              </a:rPr>
+              <a:t>objects</a:t>
+            </a:r>
+            <a:endParaRPr lang="fi-FI" sz="2800" b="0" i="0" u="none" strike="noStrike" baseline="0" dirty="0">
               <a:latin typeface="NimbusSanL-Regu"/>
             </a:endParaRPr>
           </a:p>
           <a:p>
-            <a:pPr algn="l"/>
-            <a:r>
-              <a:rPr lang="tr-TR" sz="2400" dirty="0" err="1">
-                <a:latin typeface="NimbusSanL-Regu"/>
-              </a:rPr>
-              <a:t>The</a:t>
-            </a:r>
-            <a:r>
-              <a:rPr lang="tr-TR" sz="2400" dirty="0">
-                <a:latin typeface="NimbusSanL-Regu"/>
-              </a:rPr>
-              <a:t> </a:t>
-            </a:r>
-            <a:r>
-              <a:rPr lang="tr-TR" sz="2400" dirty="0" err="1">
-                <a:latin typeface="NimbusSanL-Regu"/>
-              </a:rPr>
-              <a:t>course</a:t>
-            </a:r>
-            <a:r>
-              <a:rPr lang="tr-TR" sz="2400" dirty="0">
-                <a:latin typeface="NimbusSanL-Regu"/>
-              </a:rPr>
-              <a:t> </a:t>
-            </a:r>
-            <a:r>
-              <a:rPr lang="tr-TR" sz="2400" dirty="0" err="1">
-                <a:latin typeface="NimbusSanL-Regu"/>
-              </a:rPr>
-              <a:t>will</a:t>
-            </a:r>
-            <a:r>
-              <a:rPr lang="tr-TR" sz="2400" dirty="0">
-                <a:latin typeface="NimbusSanL-Regu"/>
-              </a:rPr>
-              <a:t> be </a:t>
-            </a:r>
-            <a:r>
-              <a:rPr lang="tr-TR" sz="2400" dirty="0" err="1">
-                <a:latin typeface="NimbusSanL-Regu"/>
-              </a:rPr>
-              <a:t>completed</a:t>
-            </a:r>
-            <a:r>
-              <a:rPr lang="tr-TR" sz="2400" dirty="0">
-                <a:latin typeface="NimbusSanL-Regu"/>
-              </a:rPr>
-              <a:t> </a:t>
-            </a:r>
-            <a:r>
-              <a:rPr lang="tr-TR" sz="2400" dirty="0" err="1">
-                <a:latin typeface="NimbusSanL-Regu"/>
-              </a:rPr>
-              <a:t>during</a:t>
-            </a:r>
-            <a:r>
-              <a:rPr lang="tr-TR" sz="2400" dirty="0">
-                <a:latin typeface="NimbusSanL-Regu"/>
-              </a:rPr>
-              <a:t> </a:t>
-            </a:r>
-            <a:r>
-              <a:rPr lang="tr-TR" sz="2400" dirty="0" err="1">
-                <a:latin typeface="NimbusSanL-Regu"/>
-              </a:rPr>
-              <a:t>spring</a:t>
-            </a:r>
-            <a:r>
-              <a:rPr lang="tr-TR" sz="2400" dirty="0">
-                <a:latin typeface="NimbusSanL-Regu"/>
-              </a:rPr>
-              <a:t> of </a:t>
-            </a:r>
-            <a:r>
-              <a:rPr lang="tr-TR" sz="2400" dirty="0" err="1">
-                <a:latin typeface="NimbusSanL-Regu"/>
-              </a:rPr>
-              <a:t>the</a:t>
-            </a:r>
-            <a:r>
-              <a:rPr lang="tr-TR" sz="2400" dirty="0">
-                <a:latin typeface="NimbusSanL-Regu"/>
-              </a:rPr>
-              <a:t> </a:t>
-            </a:r>
-            <a:r>
-              <a:rPr lang="tr-TR" sz="2400" dirty="0" err="1">
-                <a:latin typeface="NimbusSanL-Regu"/>
-              </a:rPr>
-              <a:t>year</a:t>
-            </a:r>
-            <a:r>
-              <a:rPr lang="tr-TR" sz="2400" dirty="0">
-                <a:latin typeface="NimbusSanL-Regu"/>
-              </a:rPr>
-              <a:t> 2021.</a:t>
-            </a:r>
-          </a:p>
-          <a:p>
-            <a:pPr algn="l"/>
-            <a:r>
-              <a:rPr lang="en-US" sz="2400" dirty="0">
-                <a:latin typeface="NimbusSanL-Regu"/>
-              </a:rPr>
-              <a:t>the project will be carried out by </a:t>
-            </a:r>
-            <a:r>
-              <a:rPr lang="tr-TR" sz="2400" dirty="0" err="1">
-                <a:latin typeface="NimbusSanL-Regu"/>
-              </a:rPr>
-              <a:t>Kalle</a:t>
-            </a:r>
-            <a:r>
-              <a:rPr lang="tr-TR" sz="2400" dirty="0">
-                <a:latin typeface="NimbusSanL-Regu"/>
-              </a:rPr>
-              <a:t> </a:t>
-            </a:r>
-            <a:r>
-              <a:rPr lang="tr-TR" sz="2400" dirty="0" err="1">
-                <a:latin typeface="NimbusSanL-Regu"/>
-              </a:rPr>
-              <a:t>Lahtinen</a:t>
-            </a:r>
-            <a:r>
-              <a:rPr lang="tr-TR" sz="2400" dirty="0">
-                <a:latin typeface="NimbusSanL-Regu"/>
-              </a:rPr>
-              <a:t>, </a:t>
-            </a:r>
-            <a:r>
-              <a:rPr lang="tr-TR" sz="2400" dirty="0" err="1">
-                <a:latin typeface="NimbusSanL-Regu"/>
-              </a:rPr>
-              <a:t>Einari</a:t>
-            </a:r>
-            <a:r>
-              <a:rPr lang="tr-TR" sz="2400" dirty="0">
-                <a:latin typeface="NimbusSanL-Regu"/>
-              </a:rPr>
-              <a:t> </a:t>
-            </a:r>
-            <a:r>
-              <a:rPr lang="tr-TR" sz="2400" dirty="0" err="1">
-                <a:latin typeface="NimbusSanL-Regu"/>
-              </a:rPr>
-              <a:t>Vaaras</a:t>
-            </a:r>
-            <a:r>
-              <a:rPr lang="tr-TR" sz="2400" dirty="0">
-                <a:latin typeface="NimbusSanL-Regu"/>
-              </a:rPr>
-              <a:t> </a:t>
-            </a:r>
-            <a:r>
-              <a:rPr lang="tr-TR" sz="2400" dirty="0" err="1">
-                <a:latin typeface="NimbusSanL-Regu"/>
-              </a:rPr>
-              <a:t>and</a:t>
-            </a:r>
-            <a:r>
-              <a:rPr lang="tr-TR" sz="2400" dirty="0">
-                <a:latin typeface="NimbusSanL-Regu"/>
-              </a:rPr>
-              <a:t> Mehmet Aydin</a:t>
-            </a:r>
-          </a:p>
-          <a:p>
-            <a:pPr algn="l"/>
-            <a:endParaRPr lang="en-GB" sz="2400" dirty="0">
+            <a:endParaRPr lang="en-GB" sz="2800" b="0" i="0" u="none" strike="noStrike" baseline="0" dirty="0">
               <a:latin typeface="NimbusSanL-Regu"/>
             </a:endParaRPr>
           </a:p>
@@ -14816,7 +17447,7 @@
     </p:spTree>
     <p:extLst>
       <p:ext uri="{BB962C8B-B14F-4D97-AF65-F5344CB8AC3E}">
-        <p14:creationId xmlns:p14="http://schemas.microsoft.com/office/powerpoint/2010/main" val="4240077005"/>
+        <p14:creationId xmlns:p14="http://schemas.microsoft.com/office/powerpoint/2010/main" val="651651011"/>
       </p:ext>
     </p:extLst>
   </p:cSld>
@@ -14902,345 +17533,399 @@
           <a:bodyPr/>
           <a:lstStyle/>
           <a:p>
-            <a:pPr marL="0" indent="0">
-              <a:buNone/>
-            </a:pPr>
-            <a:r>
-              <a:rPr lang="tr-TR" sz="2400" b="1" dirty="0">
-                <a:latin typeface="NimbusSanL-Regu"/>
-              </a:rPr>
-              <a:t>1. </a:t>
-            </a:r>
-            <a:r>
-              <a:rPr lang="tr-TR" sz="2800" b="1" dirty="0">
-                <a:latin typeface="NimbusSanL-Regu"/>
-              </a:rPr>
-              <a:t>Project </a:t>
-            </a:r>
-            <a:r>
-              <a:rPr lang="tr-TR" sz="2800" b="1" dirty="0" err="1">
-                <a:latin typeface="NimbusSanL-Regu"/>
-              </a:rPr>
-              <a:t>Members</a:t>
-            </a:r>
-            <a:endParaRPr lang="tr-TR" sz="2800" b="1" dirty="0">
+            <a:r>
+              <a:rPr lang="tr-TR" sz="2800" dirty="0">
+                <a:latin typeface="NimbusSanL-Regu"/>
+              </a:rPr>
+              <a:t>Project members</a:t>
+            </a:r>
+            <a:r>
+              <a:rPr lang="fi-FI" sz="2800" dirty="0">
+                <a:latin typeface="NimbusSanL-Regu"/>
+              </a:rPr>
+              <a:t>:</a:t>
+            </a:r>
+            <a:r>
+              <a:rPr lang="tr-TR" sz="2800" dirty="0">
+                <a:latin typeface="NimbusSanL-Regu"/>
+              </a:rPr>
+              <a:t> Einari Vaaras, Mehmet Aydin and Kalle Lahtinen</a:t>
+            </a:r>
+          </a:p>
+          <a:p>
+            <a:r>
+              <a:rPr lang="fi-FI" sz="2800" dirty="0">
+                <a:latin typeface="NimbusSanL-Regu"/>
+              </a:rPr>
+              <a:t>No </a:t>
+            </a:r>
+            <a:r>
+              <a:rPr lang="tr-TR" sz="2800" dirty="0">
+                <a:latin typeface="NimbusSanL-Regu"/>
+              </a:rPr>
+              <a:t>specific roles defined for the members</a:t>
+            </a:r>
+          </a:p>
+          <a:p>
+            <a:r>
+              <a:rPr lang="en-US" sz="2800" dirty="0">
+                <a:latin typeface="NimbusSanL-Regu"/>
+              </a:rPr>
+              <a:t>Discussion and task assignment on a Telegram</a:t>
+            </a:r>
+            <a:r>
+              <a:rPr lang="tr-TR" sz="2800" dirty="0">
+                <a:latin typeface="NimbusSanL-Regu"/>
+              </a:rPr>
+              <a:t>-channel</a:t>
+            </a:r>
+            <a:endParaRPr lang="fi-FI" sz="2800" dirty="0">
               <a:latin typeface="NimbusSanL-Regu"/>
             </a:endParaRPr>
           </a:p>
           <a:p>
-            <a:pPr>
-              <a:buFont typeface="Wingdings" panose="05000000000000000000" pitchFamily="2" charset="2"/>
-              <a:buChar char="Ø"/>
-            </a:pPr>
-            <a:r>
-              <a:rPr lang="tr-TR" sz="2800" dirty="0">
+            <a:pPr lvl="1"/>
+            <a:r>
+              <a:rPr lang="fi-FI" sz="2400" dirty="0" err="1">
+                <a:latin typeface="NimbusSanL-Regu"/>
+              </a:rPr>
+              <a:t>Tasks</a:t>
+            </a:r>
+            <a:r>
+              <a:rPr lang="fi-FI" sz="2400" dirty="0">
                 <a:latin typeface="NimbusSanL-Regu"/>
               </a:rPr>
               <a:t> </a:t>
             </a:r>
             <a:r>
-              <a:rPr lang="tr-TR" sz="2800" dirty="0" err="1">
-                <a:latin typeface="NimbusSanL-Regu"/>
-              </a:rPr>
-              <a:t>The</a:t>
-            </a:r>
-            <a:r>
-              <a:rPr lang="tr-TR" sz="2800" dirty="0">
-                <a:latin typeface="NimbusSanL-Regu"/>
-              </a:rPr>
-              <a:t> Project </a:t>
-            </a:r>
-            <a:r>
-              <a:rPr lang="tr-TR" sz="2800" dirty="0" err="1">
+              <a:rPr lang="fi-FI" sz="2400" dirty="0" err="1">
+                <a:latin typeface="NimbusSanL-Regu"/>
+              </a:rPr>
+              <a:t>are</a:t>
+            </a:r>
+            <a:r>
+              <a:rPr lang="fi-FI" sz="2400" dirty="0">
+                <a:latin typeface="NimbusSanL-Regu"/>
+              </a:rPr>
+              <a:t> </a:t>
+            </a:r>
+            <a:r>
+              <a:rPr lang="fi-FI" sz="2400" dirty="0" err="1">
+                <a:latin typeface="NimbusSanL-Regu"/>
+              </a:rPr>
+              <a:t>assigned</a:t>
+            </a:r>
+            <a:r>
+              <a:rPr lang="fi-FI" sz="2400" dirty="0">
+                <a:latin typeface="NimbusSanL-Regu"/>
+              </a:rPr>
+              <a:t> on a </a:t>
+            </a:r>
+            <a:r>
+              <a:rPr lang="fi-FI" sz="2400" dirty="0" err="1">
+                <a:latin typeface="NimbusSanL-Regu"/>
+              </a:rPr>
+              <a:t>weekly</a:t>
+            </a:r>
+            <a:r>
+              <a:rPr lang="fi-FI" sz="2400" dirty="0">
+                <a:latin typeface="NimbusSanL-Regu"/>
+              </a:rPr>
+              <a:t> </a:t>
+            </a:r>
+            <a:r>
+              <a:rPr lang="fi-FI" sz="2400" dirty="0" err="1">
+                <a:latin typeface="NimbusSanL-Regu"/>
+              </a:rPr>
+              <a:t>basis</a:t>
+            </a:r>
+            <a:r>
+              <a:rPr lang="fi-FI" sz="2400" dirty="0">
+                <a:latin typeface="NimbusSanL-Regu"/>
+              </a:rPr>
+              <a:t>, </a:t>
+            </a:r>
+            <a:r>
+              <a:rPr lang="fi-FI" sz="2400" dirty="0" err="1">
+                <a:latin typeface="NimbusSanL-Regu"/>
+              </a:rPr>
+              <a:t>so</a:t>
+            </a:r>
+            <a:r>
+              <a:rPr lang="fi-FI" sz="2400" dirty="0">
+                <a:latin typeface="NimbusSanL-Regu"/>
+              </a:rPr>
+              <a:t> </a:t>
+            </a:r>
+            <a:r>
+              <a:rPr lang="fi-FI" sz="2400" dirty="0" err="1">
+                <a:latin typeface="NimbusSanL-Regu"/>
+              </a:rPr>
+              <a:t>that</a:t>
+            </a:r>
+            <a:r>
+              <a:rPr lang="fi-FI" sz="2400" dirty="0">
+                <a:latin typeface="NimbusSanL-Regu"/>
+              </a:rPr>
+              <a:t> </a:t>
+            </a:r>
+            <a:r>
+              <a:rPr lang="fi-FI" sz="2400" dirty="0" err="1">
+                <a:latin typeface="NimbusSanL-Regu"/>
+              </a:rPr>
+              <a:t>the</a:t>
+            </a:r>
+            <a:r>
+              <a:rPr lang="fi-FI" sz="2400" dirty="0">
+                <a:latin typeface="NimbusSanL-Regu"/>
+              </a:rPr>
+              <a:t> </a:t>
+            </a:r>
+            <a:r>
+              <a:rPr lang="fi-FI" sz="2400" dirty="0" err="1">
+                <a:latin typeface="NimbusSanL-Regu"/>
+              </a:rPr>
+              <a:t>workload</a:t>
+            </a:r>
+            <a:r>
+              <a:rPr lang="fi-FI" sz="2400" dirty="0">
+                <a:latin typeface="NimbusSanL-Regu"/>
+              </a:rPr>
+              <a:t> is </a:t>
+            </a:r>
+            <a:r>
+              <a:rPr lang="fi-FI" sz="2400" dirty="0" err="1">
+                <a:latin typeface="NimbusSanL-Regu"/>
+              </a:rPr>
+              <a:t>evenly</a:t>
+            </a:r>
+            <a:r>
+              <a:rPr lang="fi-FI" sz="2400" dirty="0">
+                <a:latin typeface="NimbusSanL-Regu"/>
+              </a:rPr>
+              <a:t> </a:t>
+            </a:r>
+            <a:r>
+              <a:rPr lang="fi-FI" sz="2400" dirty="0" err="1">
+                <a:latin typeface="NimbusSanL-Regu"/>
+              </a:rPr>
+              <a:t>distributed</a:t>
+            </a:r>
+            <a:r>
+              <a:rPr lang="fi-FI" sz="2400" dirty="0">
+                <a:latin typeface="NimbusSanL-Regu"/>
+              </a:rPr>
+              <a:t> </a:t>
+            </a:r>
+            <a:r>
+              <a:rPr lang="fi-FI" sz="2400" dirty="0" err="1">
+                <a:latin typeface="NimbusSanL-Regu"/>
+              </a:rPr>
+              <a:t>among</a:t>
+            </a:r>
+            <a:r>
+              <a:rPr lang="fi-FI" sz="2400" dirty="0">
+                <a:latin typeface="NimbusSanL-Regu"/>
+              </a:rPr>
+              <a:t> </a:t>
+            </a:r>
+            <a:r>
+              <a:rPr lang="fi-FI" sz="2400" dirty="0" err="1">
+                <a:latin typeface="NimbusSanL-Regu"/>
+              </a:rPr>
+              <a:t>group</a:t>
+            </a:r>
+            <a:r>
+              <a:rPr lang="fi-FI" sz="2400" dirty="0">
+                <a:latin typeface="NimbusSanL-Regu"/>
+              </a:rPr>
+              <a:t> </a:t>
+            </a:r>
+            <a:r>
+              <a:rPr lang="fi-FI" sz="2400" dirty="0" err="1">
                 <a:latin typeface="NimbusSanL-Regu"/>
               </a:rPr>
               <a:t>members</a:t>
             </a:r>
-            <a:r>
-              <a:rPr lang="tr-TR" sz="2800" dirty="0">
-                <a:latin typeface="NimbusSanL-Regu"/>
-              </a:rPr>
-              <a:t> </a:t>
-            </a:r>
-            <a:r>
-              <a:rPr lang="tr-TR" sz="2800" dirty="0" err="1">
-                <a:latin typeface="NimbusSanL-Regu"/>
-              </a:rPr>
-              <a:t>are</a:t>
-            </a:r>
-            <a:r>
-              <a:rPr lang="tr-TR" sz="2800" dirty="0">
-                <a:latin typeface="NimbusSanL-Regu"/>
-              </a:rPr>
-              <a:t> </a:t>
-            </a:r>
-            <a:r>
-              <a:rPr lang="tr-TR" sz="2800" dirty="0" err="1">
-                <a:latin typeface="NimbusSanL-Regu"/>
-              </a:rPr>
-              <a:t>Einari</a:t>
-            </a:r>
-            <a:r>
-              <a:rPr lang="tr-TR" sz="2800" dirty="0">
-                <a:latin typeface="NimbusSanL-Regu"/>
-              </a:rPr>
-              <a:t> </a:t>
-            </a:r>
-            <a:r>
-              <a:rPr lang="tr-TR" sz="2800" dirty="0" err="1">
-                <a:latin typeface="NimbusSanL-Regu"/>
-              </a:rPr>
-              <a:t>Vaaras</a:t>
-            </a:r>
-            <a:r>
-              <a:rPr lang="tr-TR" sz="2800" dirty="0">
-                <a:latin typeface="NimbusSanL-Regu"/>
-              </a:rPr>
-              <a:t>, Mehmet Aydin </a:t>
-            </a:r>
-            <a:r>
-              <a:rPr lang="tr-TR" sz="2800" dirty="0" err="1">
-                <a:latin typeface="NimbusSanL-Regu"/>
-              </a:rPr>
-              <a:t>and</a:t>
-            </a:r>
-            <a:r>
-              <a:rPr lang="tr-TR" sz="2800" dirty="0">
-                <a:latin typeface="NimbusSanL-Regu"/>
-              </a:rPr>
-              <a:t> </a:t>
-            </a:r>
-            <a:r>
-              <a:rPr lang="tr-TR" sz="2800" dirty="0" err="1">
-                <a:latin typeface="NimbusSanL-Regu"/>
-              </a:rPr>
-              <a:t>Kalle</a:t>
-            </a:r>
-            <a:r>
-              <a:rPr lang="tr-TR" sz="2800" dirty="0">
-                <a:latin typeface="NimbusSanL-Regu"/>
-              </a:rPr>
-              <a:t> </a:t>
-            </a:r>
-            <a:r>
-              <a:rPr lang="tr-TR" sz="2800" dirty="0" err="1">
-                <a:latin typeface="NimbusSanL-Regu"/>
-              </a:rPr>
-              <a:t>Lahtinen</a:t>
-            </a:r>
-            <a:endParaRPr lang="tr-TR" sz="2800" dirty="0">
+            <a:endParaRPr lang="fi-FI" sz="2400" dirty="0">
               <a:latin typeface="NimbusSanL-Regu"/>
             </a:endParaRPr>
           </a:p>
           <a:p>
-            <a:pPr>
-              <a:buFont typeface="Wingdings" panose="05000000000000000000" pitchFamily="2" charset="2"/>
-              <a:buChar char="Ø"/>
-            </a:pPr>
-            <a:r>
-              <a:rPr lang="tr-TR" sz="2800" dirty="0" err="1">
-                <a:latin typeface="NimbusSanL-Regu"/>
-              </a:rPr>
-              <a:t>There</a:t>
-            </a:r>
-            <a:r>
-              <a:rPr lang="tr-TR" sz="2800" dirty="0">
+            <a:r>
+              <a:rPr lang="fi-FI" sz="2800" dirty="0" err="1">
+                <a:latin typeface="NimbusSanL-Regu"/>
+              </a:rPr>
+              <a:t>Weekly</a:t>
+            </a:r>
+            <a:r>
+              <a:rPr lang="fi-FI" sz="2800" dirty="0">
                 <a:latin typeface="NimbusSanL-Regu"/>
               </a:rPr>
               <a:t> </a:t>
             </a:r>
             <a:r>
-              <a:rPr lang="tr-TR" sz="2800" dirty="0" err="1">
-                <a:latin typeface="NimbusSanL-Regu"/>
-              </a:rPr>
-              <a:t>are</a:t>
-            </a:r>
-            <a:r>
-              <a:rPr lang="tr-TR" sz="2800" dirty="0">
+              <a:rPr lang="fi-FI" sz="2800" dirty="0" err="1">
+                <a:latin typeface="NimbusSanL-Regu"/>
+              </a:rPr>
+              <a:t>Teams-meeting</a:t>
+            </a:r>
+            <a:r>
+              <a:rPr lang="fi-FI" sz="2800" dirty="0">
                 <a:latin typeface="NimbusSanL-Regu"/>
               </a:rPr>
               <a:t> </a:t>
             </a:r>
             <a:r>
-              <a:rPr lang="tr-TR" sz="2800" dirty="0" err="1">
-                <a:latin typeface="NimbusSanL-Regu"/>
-              </a:rPr>
-              <a:t>no</a:t>
-            </a:r>
-            <a:r>
-              <a:rPr lang="tr-TR" sz="2800" dirty="0">
+              <a:rPr lang="fi-FI" sz="2800" dirty="0" err="1">
+                <a:latin typeface="NimbusSanL-Regu"/>
+              </a:rPr>
+              <a:t>with</a:t>
+            </a:r>
+            <a:r>
+              <a:rPr lang="fi-FI" sz="2800" dirty="0">
                 <a:latin typeface="NimbusSanL-Regu"/>
               </a:rPr>
               <a:t> </a:t>
             </a:r>
             <a:r>
-              <a:rPr lang="tr-TR" sz="2800" dirty="0" err="1">
-                <a:latin typeface="NimbusSanL-Regu"/>
-              </a:rPr>
-              <a:t>specific</a:t>
-            </a:r>
-            <a:r>
-              <a:rPr lang="tr-TR" sz="2800" dirty="0">
+              <a:rPr lang="fi-FI" sz="2800" dirty="0" err="1">
+                <a:latin typeface="NimbusSanL-Regu"/>
+              </a:rPr>
+              <a:t>the</a:t>
+            </a:r>
+            <a:r>
+              <a:rPr lang="fi-FI" sz="2800" dirty="0">
                 <a:latin typeface="NimbusSanL-Regu"/>
               </a:rPr>
               <a:t> </a:t>
             </a:r>
             <a:r>
-              <a:rPr lang="tr-TR" sz="2800" dirty="0" err="1">
-                <a:latin typeface="NimbusSanL-Regu"/>
-              </a:rPr>
-              <a:t>roles</a:t>
-            </a:r>
-            <a:r>
-              <a:rPr lang="tr-TR" sz="2800" dirty="0">
-                <a:latin typeface="NimbusSanL-Regu"/>
-              </a:rPr>
-              <a:t> </a:t>
-            </a:r>
-            <a:r>
-              <a:rPr lang="tr-TR" sz="2800" dirty="0" err="1">
-                <a:latin typeface="NimbusSanL-Regu"/>
-              </a:rPr>
-              <a:t>defined</a:t>
-            </a:r>
-            <a:r>
-              <a:rPr lang="tr-TR" sz="2800" dirty="0">
-                <a:latin typeface="NimbusSanL-Regu"/>
-              </a:rPr>
-              <a:t> </a:t>
-            </a:r>
-            <a:r>
-              <a:rPr lang="tr-TR" sz="2800" dirty="0" err="1">
-                <a:latin typeface="NimbusSanL-Regu"/>
-              </a:rPr>
-              <a:t>for</a:t>
-            </a:r>
-            <a:r>
-              <a:rPr lang="tr-TR" sz="2800" dirty="0">
-                <a:latin typeface="NimbusSanL-Regu"/>
-              </a:rPr>
-              <a:t> </a:t>
-            </a:r>
-            <a:r>
-              <a:rPr lang="tr-TR" sz="2800" dirty="0" err="1">
-                <a:latin typeface="NimbusSanL-Regu"/>
-              </a:rPr>
-              <a:t>the</a:t>
-            </a:r>
-            <a:r>
-              <a:rPr lang="tr-TR" sz="2800" dirty="0">
-                <a:latin typeface="NimbusSanL-Regu"/>
-              </a:rPr>
-              <a:t> </a:t>
-            </a:r>
-            <a:r>
-              <a:rPr lang="tr-TR" sz="2800" dirty="0" err="1">
-                <a:latin typeface="NimbusSanL-Regu"/>
-              </a:rPr>
-              <a:t>members</a:t>
-            </a:r>
-            <a:endParaRPr lang="tr-TR" sz="2800" dirty="0">
+              <a:rPr lang="fi-FI" sz="2800" dirty="0" err="1">
+                <a:latin typeface="NimbusSanL-Regu"/>
+              </a:rPr>
+              <a:t>clients</a:t>
+            </a:r>
+            <a:endParaRPr lang="fi-FI" sz="2800" dirty="0">
               <a:latin typeface="NimbusSanL-Regu"/>
             </a:endParaRPr>
           </a:p>
           <a:p>
-            <a:pPr>
-              <a:buFont typeface="Wingdings" panose="05000000000000000000" pitchFamily="2" charset="2"/>
-              <a:buChar char="Ø"/>
-            </a:pPr>
-            <a:r>
-              <a:rPr lang="en-US" sz="2800" dirty="0">
-                <a:latin typeface="NimbusSanL-Regu"/>
-              </a:rPr>
-              <a:t>Discussions about the project are held on telegram</a:t>
-            </a:r>
-            <a:r>
-              <a:rPr lang="tr-TR" sz="2800" dirty="0">
-                <a:latin typeface="NimbusSanL-Regu"/>
-              </a:rPr>
-              <a:t>-</a:t>
-            </a:r>
-            <a:r>
-              <a:rPr lang="tr-TR" sz="2800" dirty="0" err="1">
-                <a:latin typeface="NimbusSanL-Regu"/>
-              </a:rPr>
-              <a:t>channel</a:t>
+            <a:r>
+              <a:rPr lang="fi-FI" sz="2800" dirty="0" err="1">
+                <a:latin typeface="NimbusSanL-Regu"/>
+              </a:rPr>
+              <a:t>The</a:t>
+            </a:r>
+            <a:r>
+              <a:rPr lang="fi-FI" sz="2800" dirty="0">
+                <a:latin typeface="NimbusSanL-Regu"/>
+              </a:rPr>
+              <a:t> </a:t>
+            </a:r>
+            <a:r>
+              <a:rPr lang="fi-FI" sz="2800" dirty="0" err="1">
+                <a:latin typeface="NimbusSanL-Regu"/>
+              </a:rPr>
+              <a:t>project</a:t>
+            </a:r>
+            <a:r>
+              <a:rPr lang="fi-FI" sz="2800" dirty="0">
+                <a:latin typeface="NimbusSanL-Regu"/>
+              </a:rPr>
+              <a:t> </a:t>
+            </a:r>
+            <a:r>
+              <a:rPr lang="fi-FI" sz="2800" dirty="0" err="1">
+                <a:latin typeface="NimbusSanL-Regu"/>
+              </a:rPr>
+              <a:t>will</a:t>
+            </a:r>
+            <a:r>
+              <a:rPr lang="fi-FI" sz="2800" dirty="0">
+                <a:latin typeface="NimbusSanL-Regu"/>
+              </a:rPr>
+              <a:t> </a:t>
+            </a:r>
+            <a:r>
+              <a:rPr lang="fi-FI" sz="2800" dirty="0" err="1">
+                <a:latin typeface="NimbusSanL-Regu"/>
+              </a:rPr>
+              <a:t>be</a:t>
+            </a:r>
+            <a:r>
+              <a:rPr lang="fi-FI" sz="2800" dirty="0">
+                <a:latin typeface="NimbusSanL-Regu"/>
+              </a:rPr>
+              <a:t> </a:t>
+            </a:r>
+            <a:r>
+              <a:rPr lang="fi-FI" sz="2800" dirty="0" err="1">
+                <a:latin typeface="NimbusSanL-Regu"/>
+              </a:rPr>
+              <a:t>finished</a:t>
+            </a:r>
+            <a:r>
+              <a:rPr lang="fi-FI" sz="2800" dirty="0">
+                <a:latin typeface="NimbusSanL-Regu"/>
+              </a:rPr>
+              <a:t> </a:t>
+            </a:r>
+            <a:r>
+              <a:rPr lang="fi-FI" sz="2800" dirty="0" err="1">
+                <a:latin typeface="NimbusSanL-Regu"/>
+              </a:rPr>
+              <a:t>by</a:t>
+            </a:r>
+            <a:r>
+              <a:rPr lang="fi-FI" sz="2800" dirty="0">
+                <a:latin typeface="NimbusSanL-Regu"/>
+              </a:rPr>
+              <a:t> </a:t>
+            </a:r>
+            <a:r>
+              <a:rPr lang="fi-FI" sz="2800" dirty="0" err="1">
+                <a:latin typeface="NimbusSanL-Regu"/>
+              </a:rPr>
+              <a:t>the</a:t>
+            </a:r>
+            <a:r>
+              <a:rPr lang="fi-FI" sz="2800" dirty="0">
+                <a:latin typeface="NimbusSanL-Regu"/>
+              </a:rPr>
+              <a:t> </a:t>
+            </a:r>
+            <a:r>
+              <a:rPr lang="fi-FI" sz="2800" dirty="0" err="1">
+                <a:latin typeface="NimbusSanL-Regu"/>
+              </a:rPr>
+              <a:t>end</a:t>
+            </a:r>
+            <a:r>
+              <a:rPr lang="fi-FI" sz="2800" dirty="0">
+                <a:latin typeface="NimbusSanL-Regu"/>
+              </a:rPr>
+              <a:t> of </a:t>
+            </a:r>
+            <a:r>
+              <a:rPr lang="fi-FI" sz="2800" dirty="0" err="1">
+                <a:latin typeface="NimbusSanL-Regu"/>
+              </a:rPr>
+              <a:t>the</a:t>
+            </a:r>
+            <a:r>
+              <a:rPr lang="fi-FI" sz="2800" dirty="0">
+                <a:latin typeface="NimbusSanL-Regu"/>
+              </a:rPr>
+              <a:t> 4th </a:t>
+            </a:r>
+            <a:r>
+              <a:rPr lang="fi-FI" sz="2800" dirty="0" err="1">
+                <a:latin typeface="NimbusSanL-Regu"/>
+              </a:rPr>
+              <a:t>period</a:t>
             </a:r>
             <a:endParaRPr lang="tr-TR" sz="2800" dirty="0">
-              <a:latin typeface="NimbusSanL-Regu"/>
-            </a:endParaRPr>
-          </a:p>
-          <a:p>
-            <a:pPr>
-              <a:buFont typeface="Wingdings" panose="05000000000000000000" pitchFamily="2" charset="2"/>
-              <a:buChar char="Ø"/>
-            </a:pPr>
-            <a:r>
-              <a:rPr lang="en-US" sz="2800" dirty="0">
-                <a:latin typeface="NimbusSanL-Regu"/>
-              </a:rPr>
-              <a:t>the aim of the project is for each group member to </a:t>
-            </a:r>
-            <a:r>
-              <a:rPr lang="tr-TR" sz="2800" dirty="0" err="1">
-                <a:latin typeface="NimbusSanL-Regu"/>
-              </a:rPr>
-              <a:t>contribute</a:t>
-            </a:r>
-            <a:r>
-              <a:rPr lang="tr-TR" sz="2800" dirty="0">
-                <a:latin typeface="NimbusSanL-Regu"/>
-              </a:rPr>
-              <a:t> </a:t>
-            </a:r>
-            <a:r>
-              <a:rPr lang="tr-TR" sz="2800" dirty="0" err="1">
-                <a:latin typeface="NimbusSanL-Regu"/>
-              </a:rPr>
-              <a:t>to</a:t>
-            </a:r>
-            <a:r>
-              <a:rPr lang="tr-TR" sz="2800" dirty="0">
-                <a:latin typeface="NimbusSanL-Regu"/>
-              </a:rPr>
-              <a:t> </a:t>
-            </a:r>
-            <a:r>
-              <a:rPr lang="tr-TR" sz="2800" dirty="0" err="1">
-                <a:latin typeface="NimbusSanL-Regu"/>
-              </a:rPr>
-              <a:t>the</a:t>
-            </a:r>
-            <a:r>
-              <a:rPr lang="tr-TR" sz="2800" dirty="0">
-                <a:latin typeface="NimbusSanL-Regu"/>
-              </a:rPr>
-              <a:t> </a:t>
-            </a:r>
-            <a:r>
-              <a:rPr lang="tr-TR" sz="2800" dirty="0" err="1">
-                <a:latin typeface="NimbusSanL-Regu"/>
-              </a:rPr>
-              <a:t>project</a:t>
-            </a:r>
-            <a:r>
-              <a:rPr lang="en-US" sz="2800" dirty="0">
-                <a:latin typeface="NimbusSanL-Regu"/>
-              </a:rPr>
-              <a:t> and learn something new</a:t>
-            </a:r>
-            <a:r>
-              <a:rPr lang="tr-TR" sz="2800" dirty="0">
-                <a:latin typeface="NimbusSanL-Regu"/>
-              </a:rPr>
-              <a:t>.</a:t>
-            </a:r>
-          </a:p>
-          <a:p>
-            <a:pPr marL="0" indent="0">
-              <a:buNone/>
-            </a:pPr>
-            <a:endParaRPr lang="en-GB" sz="2400" dirty="0">
               <a:latin typeface="NimbusSanL-Regu"/>
             </a:endParaRPr>
           </a:p>
@@ -15312,10 +17997,10 @@
       </p:grpSpPr>
       <p:sp>
         <p:nvSpPr>
-          <p:cNvPr id="2" name="Otsikko 1">
-            <a:extLst>
-              <a:ext uri="{FF2B5EF4-FFF2-40B4-BE49-F238E27FC236}">
-                <a16:creationId xmlns:a16="http://schemas.microsoft.com/office/drawing/2014/main" id="{15A25EB7-77EA-4270-97C0-07434424EB4A}"/>
+          <p:cNvPr id="2" name="Title 1">
+            <a:extLst>
+              <a:ext uri="{FF2B5EF4-FFF2-40B4-BE49-F238E27FC236}">
+                <a16:creationId xmlns:a16="http://schemas.microsoft.com/office/drawing/2014/main" id="{10D59A80-BFF6-45E4-8F1C-74D85672B4AA}"/>
               </a:ext>
             </a:extLst>
           </p:cNvPr>
@@ -15337,18 +18022,18 @@
             </a:r>
             <a:r>
               <a:rPr lang="tr-TR" dirty="0" err="1"/>
-              <a:t>organization</a:t>
-            </a:r>
-            <a:endParaRPr lang="en-GB" dirty="0"/>
-          </a:p>
-        </p:txBody>
-      </p:sp>
-      <p:sp>
-        <p:nvSpPr>
-          <p:cNvPr id="3" name="Sisällön paikkamerkki 2">
-            <a:extLst>
-              <a:ext uri="{FF2B5EF4-FFF2-40B4-BE49-F238E27FC236}">
-                <a16:creationId xmlns:a16="http://schemas.microsoft.com/office/drawing/2014/main" id="{18A40F48-11F9-4AAC-B764-B3F966F2D772}"/>
+              <a:t>Objectives</a:t>
+            </a:r>
+            <a:endParaRPr lang="en-US" dirty="0"/>
+          </a:p>
+        </p:txBody>
+      </p:sp>
+      <p:sp>
+        <p:nvSpPr>
+          <p:cNvPr id="3" name="Content Placeholder 2">
+            <a:extLst>
+              <a:ext uri="{FF2B5EF4-FFF2-40B4-BE49-F238E27FC236}">
+                <a16:creationId xmlns:a16="http://schemas.microsoft.com/office/drawing/2014/main" id="{B5D88BC1-ADA4-48BD-B029-67DF749CA0AD}"/>
               </a:ext>
             </a:extLst>
           </p:cNvPr>
@@ -15361,237 +18046,148 @@
         </p:nvSpPr>
         <p:spPr>
           <a:xfrm>
-            <a:off x="586405" y="1907322"/>
-            <a:ext cx="11110599" cy="4351338"/>
+            <a:off x="410399" y="1707296"/>
+            <a:ext cx="11286605" cy="4782403"/>
           </a:xfrm>
         </p:spPr>
         <p:txBody>
           <a:bodyPr/>
           <a:lstStyle/>
           <a:p>
-            <a:pPr marL="0" indent="0">
-              <a:buNone/>
-            </a:pPr>
-            <a:r>
-              <a:rPr lang="tr-TR" sz="2400" b="1" dirty="0">
-                <a:latin typeface="NimbusSanL-Regu"/>
-              </a:rPr>
-              <a:t>2. </a:t>
-            </a:r>
-            <a:r>
-              <a:rPr lang="tr-TR" sz="2800" b="1" dirty="0" err="1">
-                <a:latin typeface="NimbusSanL-Regu"/>
-              </a:rPr>
-              <a:t>Clients</a:t>
-            </a:r>
-            <a:endParaRPr lang="tr-TR" sz="2800" b="1" dirty="0">
+            <a:pPr lvl="1"/>
+            <a:r>
+              <a:rPr lang="tr-TR" dirty="0">
+                <a:solidFill>
+                  <a:srgbClr val="212529"/>
+                </a:solidFill>
+                <a:latin typeface="NimbusSanL-Regu"/>
+              </a:rPr>
+              <a:t>The Project objectives are divided into two categories</a:t>
+            </a:r>
+            <a:r>
+              <a:rPr lang="fi-FI" dirty="0">
+                <a:solidFill>
+                  <a:srgbClr val="212529"/>
+                </a:solidFill>
+                <a:latin typeface="NimbusSanL-Regu"/>
+              </a:rPr>
+              <a:t>:</a:t>
+            </a:r>
+            <a:endParaRPr lang="tr-TR" dirty="0">
+              <a:solidFill>
+                <a:srgbClr val="212529"/>
+              </a:solidFill>
               <a:latin typeface="NimbusSanL-Regu"/>
             </a:endParaRPr>
           </a:p>
           <a:p>
-            <a:pPr marL="0" indent="0">
-              <a:buNone/>
+            <a:pPr lvl="2"/>
+            <a:r>
+              <a:rPr lang="tr-TR" sz="2800" dirty="0">
+                <a:solidFill>
+                  <a:srgbClr val="212529"/>
+                </a:solidFill>
+                <a:latin typeface="NimbusSanL-Regu"/>
+              </a:rPr>
+              <a:t>Basic </a:t>
+            </a:r>
+            <a:r>
+              <a:rPr lang="tr-TR" sz="2800" dirty="0" err="1">
+                <a:solidFill>
+                  <a:srgbClr val="212529"/>
+                </a:solidFill>
+                <a:latin typeface="NimbusSanL-Regu"/>
+              </a:rPr>
+              <a:t>goals</a:t>
+            </a:r>
+            <a:r>
+              <a:rPr lang="tr-TR" sz="2800" dirty="0">
+                <a:solidFill>
+                  <a:srgbClr val="212529"/>
+                </a:solidFill>
+                <a:latin typeface="NimbusSanL-Regu"/>
+              </a:rPr>
+              <a:t> </a:t>
+            </a:r>
+          </a:p>
+          <a:p>
+            <a:pPr lvl="2"/>
+            <a:r>
+              <a:rPr lang="tr-TR" sz="2800" dirty="0">
+                <a:solidFill>
+                  <a:srgbClr val="212529"/>
+                </a:solidFill>
+                <a:latin typeface="NimbusSanL-Regu"/>
+              </a:rPr>
+              <a:t>Advance</a:t>
+            </a:r>
+            <a:r>
+              <a:rPr lang="fi-FI" sz="2800" dirty="0">
+                <a:solidFill>
+                  <a:srgbClr val="212529"/>
+                </a:solidFill>
+                <a:latin typeface="NimbusSanL-Regu"/>
+              </a:rPr>
+              <a:t>d</a:t>
+            </a:r>
+            <a:r>
+              <a:rPr lang="tr-TR" sz="2800" dirty="0">
+                <a:solidFill>
+                  <a:srgbClr val="212529"/>
+                </a:solidFill>
+                <a:latin typeface="NimbusSanL-Regu"/>
+              </a:rPr>
+              <a:t> Goals</a:t>
+            </a:r>
+          </a:p>
+          <a:p>
+            <a:pPr lvl="1"/>
+            <a:r>
+              <a:rPr lang="en-US" dirty="0">
+                <a:solidFill>
+                  <a:srgbClr val="212529"/>
+                </a:solidFill>
+                <a:latin typeface="NimbusSanL-Regu"/>
+              </a:rPr>
+              <a:t>The separate goals are planned to make sure at least the minimal wanted result for the project is achieved</a:t>
+            </a:r>
+          </a:p>
+          <a:p>
+            <a:pPr lvl="2"/>
+            <a:r>
+              <a:rPr lang="en-US" sz="2800" dirty="0">
+                <a:solidFill>
+                  <a:srgbClr val="212529"/>
+                </a:solidFill>
+                <a:latin typeface="NimbusSanL-Regu"/>
+              </a:rPr>
+              <a:t>If there is time left, the project work can be continued further</a:t>
+            </a:r>
+          </a:p>
+          <a:p>
+            <a:pPr lvl="2"/>
+            <a:endParaRPr lang="tr-TR" dirty="0">
+              <a:solidFill>
+                <a:srgbClr val="212529"/>
+              </a:solidFill>
+              <a:latin typeface="-apple-system"/>
+            </a:endParaRPr>
+          </a:p>
+          <a:p>
+            <a:pPr lvl="1">
+              <a:buFont typeface="Wingdings" panose="05000000000000000000" pitchFamily="2" charset="2"/>
+              <a:buChar char="Ø"/>
             </a:pPr>
-            <a:endParaRPr lang="tr-TR" sz="2400" dirty="0">
-              <a:latin typeface="NimbusSanL-Regu"/>
-            </a:endParaRPr>
-          </a:p>
-          <a:p>
-            <a:pPr marL="0" indent="0">
-              <a:buNone/>
-            </a:pPr>
-            <a:r>
-              <a:rPr lang="tr-TR" sz="2800" dirty="0" err="1">
-                <a:latin typeface="NimbusSanL-Regu"/>
-              </a:rPr>
-              <a:t>This</a:t>
-            </a:r>
-            <a:r>
-              <a:rPr lang="tr-TR" sz="2800" dirty="0">
-                <a:latin typeface="NimbusSanL-Regu"/>
-              </a:rPr>
-              <a:t> Project </a:t>
-            </a:r>
-            <a:r>
-              <a:rPr lang="tr-TR" sz="2800" dirty="0" err="1">
-                <a:latin typeface="NimbusSanL-Regu"/>
-              </a:rPr>
-              <a:t>will</a:t>
-            </a:r>
-            <a:r>
-              <a:rPr lang="tr-TR" sz="2800" dirty="0">
-                <a:latin typeface="NimbusSanL-Regu"/>
-              </a:rPr>
-              <a:t> be </a:t>
-            </a:r>
-            <a:r>
-              <a:rPr lang="tr-TR" sz="2800" dirty="0" err="1">
-                <a:latin typeface="NimbusSanL-Regu"/>
-              </a:rPr>
-              <a:t>supervised</a:t>
-            </a:r>
-            <a:r>
-              <a:rPr lang="tr-TR" sz="2800" dirty="0">
-                <a:latin typeface="NimbusSanL-Regu"/>
-              </a:rPr>
-              <a:t> </a:t>
-            </a:r>
-            <a:r>
-              <a:rPr lang="tr-TR" sz="2800" dirty="0" err="1">
-                <a:latin typeface="NimbusSanL-Regu"/>
-              </a:rPr>
-              <a:t>by</a:t>
-            </a:r>
-            <a:r>
-              <a:rPr lang="tr-TR" sz="2800" dirty="0">
-                <a:latin typeface="NimbusSanL-Regu"/>
-              </a:rPr>
-              <a:t> </a:t>
-            </a:r>
-            <a:r>
-              <a:rPr lang="en-US" sz="2800" b="0" i="0" u="none" strike="noStrike" baseline="0" dirty="0" err="1">
-                <a:latin typeface="NimbusSanL-Regu"/>
-              </a:rPr>
-              <a:t>Archontis</a:t>
-            </a:r>
-            <a:r>
-              <a:rPr lang="en-US" sz="2800" b="0" i="0" u="none" strike="noStrike" baseline="0" dirty="0">
-                <a:latin typeface="NimbusSanL-Regu"/>
-              </a:rPr>
-              <a:t> </a:t>
-            </a:r>
-            <a:r>
-              <a:rPr lang="en-US" sz="2800" b="0" i="0" u="none" strike="noStrike" baseline="0" dirty="0" err="1">
-                <a:latin typeface="NimbusSanL-Regu"/>
-              </a:rPr>
-              <a:t>Politis</a:t>
-            </a:r>
-            <a:r>
-              <a:rPr lang="tr-TR" sz="2800" b="0" i="0" u="none" strike="noStrike" baseline="0" dirty="0">
-                <a:latin typeface="NimbusSanL-Regu"/>
-              </a:rPr>
-              <a:t> </a:t>
-            </a:r>
-            <a:r>
-              <a:rPr lang="tr-TR" sz="2800" b="0" i="0" u="none" strike="noStrike" baseline="0" dirty="0" err="1">
-                <a:latin typeface="NimbusSanL-Regu"/>
-              </a:rPr>
-              <a:t>and</a:t>
-            </a:r>
-            <a:r>
-              <a:rPr lang="tr-TR" sz="2800" b="0" i="0" u="none" strike="noStrike" baseline="0" dirty="0">
-                <a:latin typeface="NimbusSanL-Regu"/>
-              </a:rPr>
-              <a:t> </a:t>
-            </a:r>
-            <a:r>
-              <a:rPr lang="tr-TR" sz="2800" b="0" i="0" u="none" strike="noStrike" baseline="0" dirty="0" err="1">
-                <a:latin typeface="NimbusSanL-Regu"/>
-              </a:rPr>
-              <a:t>Tuomas</a:t>
-            </a:r>
-            <a:r>
-              <a:rPr lang="tr-TR" sz="2800" b="0" i="0" u="none" strike="noStrike" baseline="0" dirty="0">
-                <a:latin typeface="NimbusSanL-Regu"/>
-              </a:rPr>
-              <a:t> </a:t>
-            </a:r>
-            <a:r>
-              <a:rPr lang="tr-TR" sz="2800" b="0" i="0" u="none" strike="noStrike" baseline="0" dirty="0" err="1">
-                <a:latin typeface="NimbusSanL-Regu"/>
-              </a:rPr>
-              <a:t>Virtanen</a:t>
-            </a:r>
-            <a:r>
-              <a:rPr lang="tr-TR" sz="2800" dirty="0">
-                <a:latin typeface="NimbusSanL-Regu"/>
-              </a:rPr>
-              <a:t> </a:t>
-            </a:r>
-            <a:r>
-              <a:rPr lang="tr-TR" sz="2800" dirty="0" err="1">
-                <a:latin typeface="NimbusSanL-Regu"/>
-              </a:rPr>
-              <a:t>working</a:t>
-            </a:r>
-            <a:r>
-              <a:rPr lang="tr-TR" sz="2800" dirty="0">
-                <a:latin typeface="NimbusSanL-Regu"/>
-              </a:rPr>
-              <a:t> at </a:t>
-            </a:r>
-            <a:r>
-              <a:rPr lang="tr-TR" sz="2800" dirty="0" err="1">
-                <a:latin typeface="NimbusSanL-Regu"/>
-              </a:rPr>
-              <a:t>the</a:t>
-            </a:r>
-            <a:r>
-              <a:rPr lang="tr-TR" sz="2800" dirty="0">
-                <a:latin typeface="NimbusSanL-Regu"/>
-              </a:rPr>
-              <a:t> </a:t>
-            </a:r>
-            <a:r>
-              <a:rPr lang="tr-TR" sz="2800" dirty="0" err="1">
-                <a:latin typeface="NimbusSanL-Regu"/>
-              </a:rPr>
-              <a:t>Audio</a:t>
-            </a:r>
-            <a:r>
-              <a:rPr lang="tr-TR" sz="2800" dirty="0">
-                <a:latin typeface="NimbusSanL-Regu"/>
-              </a:rPr>
-              <a:t> </a:t>
-            </a:r>
-            <a:r>
-              <a:rPr lang="tr-TR" sz="2800" dirty="0" err="1">
-                <a:latin typeface="NimbusSanL-Regu"/>
-              </a:rPr>
-              <a:t>Research</a:t>
-            </a:r>
-            <a:r>
-              <a:rPr lang="tr-TR" sz="2800" dirty="0">
-                <a:latin typeface="NimbusSanL-Regu"/>
-              </a:rPr>
-              <a:t> </a:t>
-            </a:r>
-            <a:r>
-              <a:rPr lang="tr-TR" sz="2800" dirty="0" err="1">
-                <a:latin typeface="NimbusSanL-Regu"/>
-              </a:rPr>
-              <a:t>Gruop</a:t>
-            </a:r>
-            <a:r>
-              <a:rPr lang="tr-TR" sz="2800" dirty="0">
-                <a:latin typeface="NimbusSanL-Regu"/>
-              </a:rPr>
-              <a:t> at Tampere </a:t>
-            </a:r>
-            <a:r>
-              <a:rPr lang="tr-TR" sz="2800" dirty="0" err="1">
-                <a:latin typeface="NimbusSanL-Regu"/>
-              </a:rPr>
-              <a:t>University</a:t>
-            </a:r>
-            <a:r>
-              <a:rPr lang="tr-TR" sz="2800" b="0" i="0" u="none" strike="noStrike" baseline="0" dirty="0">
-                <a:latin typeface="NimbusSanL-Regu"/>
-              </a:rPr>
-              <a:t>  </a:t>
-            </a:r>
-            <a:endParaRPr lang="en-GB" sz="2800" dirty="0">
-              <a:latin typeface="NimbusSanL-Regu"/>
-            </a:endParaRPr>
-          </a:p>
-        </p:txBody>
-      </p:sp>
-      <p:sp>
-        <p:nvSpPr>
-          <p:cNvPr id="6" name="Dian numeron paikkamerkki 5">
-            <a:extLst>
-              <a:ext uri="{FF2B5EF4-FFF2-40B4-BE49-F238E27FC236}">
-                <a16:creationId xmlns:a16="http://schemas.microsoft.com/office/drawing/2014/main" id="{0E6D8402-8D74-4E9F-97BE-6DFD12BAB4CD}"/>
+            <a:endParaRPr lang="en-US" dirty="0"/>
+          </a:p>
+        </p:txBody>
+      </p:sp>
+      <p:sp>
+        <p:nvSpPr>
+          <p:cNvPr id="6" name="Slide Number Placeholder 5">
+            <a:extLst>
+              <a:ext uri="{FF2B5EF4-FFF2-40B4-BE49-F238E27FC236}">
+                <a16:creationId xmlns:a16="http://schemas.microsoft.com/office/drawing/2014/main" id="{B6B12FA0-F854-4977-AE56-94D4C7BA18B4}"/>
               </a:ext>
             </a:extLst>
           </p:cNvPr>
@@ -15608,7 +18204,7 @@
           <a:lstStyle/>
           <a:p>
             <a:r>
-              <a:rPr lang="en-GB" noProof="0" dirty="0"/>
+              <a:rPr lang="en-GB" noProof="0"/>
               <a:t>|  </a:t>
             </a:r>
             <a:fld id="{CDC8994D-33BE-6F4B-918B-78B2D731EB1C}" type="slidenum">
@@ -15616,14 +18212,14 @@
               <a:pPr/>
               <a:t>5</a:t>
             </a:fld>
-            <a:endParaRPr lang="en-GB" noProof="0" dirty="0"/>
+            <a:endParaRPr lang="en-GB" noProof="0"/>
           </a:p>
         </p:txBody>
       </p:sp>
     </p:spTree>
     <p:extLst>
       <p:ext uri="{BB962C8B-B14F-4D97-AF65-F5344CB8AC3E}">
-        <p14:creationId xmlns:p14="http://schemas.microsoft.com/office/powerpoint/2010/main" val="2468902950"/>
+        <p14:creationId xmlns:p14="http://schemas.microsoft.com/office/powerpoint/2010/main" val="1192078011"/>
       </p:ext>
     </p:extLst>
   </p:cSld>
@@ -15673,11 +18269,15 @@
           <a:p>
             <a:r>
               <a:rPr lang="tr-TR" dirty="0"/>
-              <a:t>Project </a:t>
-            </a:r>
-            <a:r>
-              <a:rPr lang="tr-TR" dirty="0" err="1"/>
-              <a:t>Objectives</a:t>
+              <a:t>Project Objectives</a:t>
+            </a:r>
+            <a:r>
+              <a:rPr lang="fi-FI" dirty="0"/>
+              <a:t> – Basic </a:t>
+            </a:r>
+            <a:r>
+              <a:rPr lang="fi-FI" dirty="0" err="1"/>
+              <a:t>Goal</a:t>
             </a:r>
             <a:endParaRPr lang="en-US" dirty="0"/>
           </a:p>
@@ -15709,269 +18309,79 @@
           <a:bodyPr/>
           <a:lstStyle/>
           <a:p>
-            <a:pPr marL="314325" lvl="1" indent="0">
-              <a:buNone/>
-            </a:pPr>
-            <a:r>
-              <a:rPr lang="tr-TR" dirty="0" err="1">
-                <a:solidFill>
-                  <a:srgbClr val="212529"/>
-                </a:solidFill>
-                <a:latin typeface="-apple-system"/>
-              </a:rPr>
-              <a:t>The</a:t>
-            </a:r>
-            <a:r>
-              <a:rPr lang="tr-TR" dirty="0">
-                <a:solidFill>
-                  <a:srgbClr val="212529"/>
-                </a:solidFill>
-                <a:latin typeface="-apple-system"/>
-              </a:rPr>
-              <a:t> Project </a:t>
-            </a:r>
-            <a:r>
-              <a:rPr lang="tr-TR" dirty="0" err="1">
-                <a:solidFill>
-                  <a:srgbClr val="212529"/>
-                </a:solidFill>
-                <a:latin typeface="-apple-system"/>
-              </a:rPr>
-              <a:t>objectives</a:t>
-            </a:r>
-            <a:r>
-              <a:rPr lang="tr-TR" dirty="0">
-                <a:solidFill>
-                  <a:srgbClr val="212529"/>
-                </a:solidFill>
-                <a:latin typeface="-apple-system"/>
+            <a:pPr lvl="1"/>
+            <a:r>
+              <a:rPr lang="tr-TR" sz="3200" dirty="0">
+                <a:latin typeface="NimbusSanL-Regu"/>
+              </a:rPr>
+              <a:t>The basic goal is to achieve the minimal wanted results for the Project</a:t>
+            </a:r>
+          </a:p>
+          <a:p>
+            <a:pPr lvl="1"/>
+            <a:r>
+              <a:rPr lang="tr-TR" sz="3200" dirty="0">
+                <a:latin typeface="NimbusSanL-Regu"/>
+              </a:rPr>
+              <a:t>Each Project member </a:t>
+            </a:r>
+            <a:r>
+              <a:rPr lang="fi-FI" sz="3200" dirty="0" err="1">
+                <a:latin typeface="NimbusSanL-Regu"/>
+              </a:rPr>
+              <a:t>gains</a:t>
+            </a:r>
+            <a:r>
+              <a:rPr lang="fi-FI" sz="3200" dirty="0">
+                <a:latin typeface="NimbusSanL-Regu"/>
               </a:rPr>
               <a:t> </a:t>
             </a:r>
             <a:r>
-              <a:rPr lang="tr-TR" dirty="0" err="1">
-                <a:solidFill>
-                  <a:srgbClr val="212529"/>
-                </a:solidFill>
-                <a:latin typeface="-apple-system"/>
-              </a:rPr>
-              <a:t>are</a:t>
-            </a:r>
-            <a:r>
-              <a:rPr lang="tr-TR" dirty="0">
-                <a:solidFill>
-                  <a:srgbClr val="212529"/>
-                </a:solidFill>
-                <a:latin typeface="-apple-system"/>
-              </a:rPr>
-              <a:t> </a:t>
-            </a:r>
-            <a:r>
-              <a:rPr lang="tr-TR" dirty="0" err="1">
-                <a:solidFill>
-                  <a:srgbClr val="212529"/>
-                </a:solidFill>
-                <a:latin typeface="-apple-system"/>
-              </a:rPr>
-              <a:t>divided</a:t>
-            </a:r>
-            <a:r>
-              <a:rPr lang="tr-TR" dirty="0">
-                <a:solidFill>
-                  <a:srgbClr val="212529"/>
-                </a:solidFill>
-                <a:latin typeface="-apple-system"/>
-              </a:rPr>
-              <a:t> </a:t>
-            </a:r>
-            <a:r>
-              <a:rPr lang="tr-TR" dirty="0" err="1">
-                <a:solidFill>
-                  <a:srgbClr val="212529"/>
-                </a:solidFill>
-                <a:latin typeface="-apple-system"/>
-              </a:rPr>
-              <a:t>into</a:t>
-            </a:r>
-            <a:r>
-              <a:rPr lang="tr-TR" dirty="0">
-                <a:solidFill>
-                  <a:srgbClr val="212529"/>
-                </a:solidFill>
-                <a:latin typeface="-apple-system"/>
-              </a:rPr>
-              <a:t> </a:t>
-            </a:r>
-            <a:r>
-              <a:rPr lang="tr-TR" dirty="0" err="1">
-                <a:solidFill>
-                  <a:srgbClr val="212529"/>
-                </a:solidFill>
-                <a:latin typeface="-apple-system"/>
-              </a:rPr>
-              <a:t>two</a:t>
-            </a:r>
-            <a:r>
-              <a:rPr lang="tr-TR" dirty="0">
-                <a:solidFill>
-                  <a:srgbClr val="212529"/>
-                </a:solidFill>
-                <a:latin typeface="-apple-system"/>
-              </a:rPr>
-              <a:t> </a:t>
-            </a:r>
-            <a:r>
-              <a:rPr lang="tr-TR" dirty="0" err="1">
-                <a:solidFill>
-                  <a:srgbClr val="212529"/>
-                </a:solidFill>
-                <a:latin typeface="-apple-system"/>
-              </a:rPr>
-              <a:t>categories</a:t>
-            </a:r>
-            <a:r>
-              <a:rPr lang="tr-TR" dirty="0">
-                <a:solidFill>
-                  <a:srgbClr val="212529"/>
-                </a:solidFill>
-                <a:latin typeface="-apple-system"/>
-              </a:rPr>
-              <a:t> as </a:t>
-            </a:r>
-            <a:r>
-              <a:rPr lang="tr-TR" dirty="0" err="1">
-                <a:solidFill>
-                  <a:srgbClr val="212529"/>
-                </a:solidFill>
-                <a:latin typeface="-apple-system"/>
-              </a:rPr>
-              <a:t>follows</a:t>
-            </a:r>
-            <a:r>
-              <a:rPr lang="tr-TR" dirty="0">
-                <a:solidFill>
-                  <a:srgbClr val="212529"/>
-                </a:solidFill>
-                <a:latin typeface="-apple-system"/>
-              </a:rPr>
-              <a:t>,</a:t>
-            </a:r>
-          </a:p>
-          <a:p>
-            <a:pPr marL="314325" lvl="1" indent="0">
-              <a:buNone/>
-            </a:pPr>
-            <a:endParaRPr lang="tr-TR" dirty="0">
-              <a:solidFill>
-                <a:srgbClr val="212529"/>
-              </a:solidFill>
-              <a:latin typeface="-apple-system"/>
-            </a:endParaRPr>
-          </a:p>
-          <a:p>
-            <a:pPr lvl="1">
-              <a:buFont typeface="Wingdings" panose="05000000000000000000" pitchFamily="2" charset="2"/>
-              <a:buChar char="Ø"/>
-            </a:pPr>
-            <a:r>
-              <a:rPr lang="tr-TR" dirty="0">
-                <a:solidFill>
-                  <a:srgbClr val="212529"/>
-                </a:solidFill>
-                <a:latin typeface="-apple-system"/>
-              </a:rPr>
-              <a:t>Basic </a:t>
-            </a:r>
-            <a:r>
-              <a:rPr lang="tr-TR" dirty="0" err="1">
-                <a:solidFill>
-                  <a:srgbClr val="212529"/>
-                </a:solidFill>
-                <a:latin typeface="-apple-system"/>
-              </a:rPr>
-              <a:t>goals</a:t>
-            </a:r>
-            <a:r>
-              <a:rPr lang="tr-TR" dirty="0">
-                <a:solidFill>
-                  <a:srgbClr val="212529"/>
-                </a:solidFill>
-                <a:latin typeface="-apple-system"/>
-              </a:rPr>
-              <a:t> </a:t>
-            </a:r>
-          </a:p>
-          <a:p>
-            <a:pPr lvl="1">
-              <a:buFont typeface="Wingdings" panose="05000000000000000000" pitchFamily="2" charset="2"/>
-              <a:buChar char="Ø"/>
-            </a:pPr>
-            <a:r>
-              <a:rPr lang="tr-TR" dirty="0">
-                <a:solidFill>
-                  <a:srgbClr val="212529"/>
-                </a:solidFill>
-                <a:latin typeface="-apple-system"/>
-              </a:rPr>
-              <a:t>Advance</a:t>
-            </a:r>
-            <a:r>
-              <a:rPr lang="fi-FI" dirty="0">
-                <a:solidFill>
-                  <a:srgbClr val="212529"/>
-                </a:solidFill>
-                <a:latin typeface="-apple-system"/>
-              </a:rPr>
-              <a:t>d</a:t>
-            </a:r>
-            <a:r>
-              <a:rPr lang="tr-TR" dirty="0">
-                <a:solidFill>
-                  <a:srgbClr val="212529"/>
-                </a:solidFill>
-                <a:latin typeface="-apple-system"/>
-              </a:rPr>
-              <a:t> Goals</a:t>
-            </a:r>
-          </a:p>
-          <a:p>
-            <a:pPr lvl="1">
-              <a:buFont typeface="Wingdings" panose="05000000000000000000" pitchFamily="2" charset="2"/>
-              <a:buChar char="Ø"/>
-            </a:pPr>
-            <a:endParaRPr lang="tr-TR" dirty="0">
-              <a:solidFill>
-                <a:srgbClr val="212529"/>
-              </a:solidFill>
-              <a:latin typeface="-apple-system"/>
-            </a:endParaRPr>
-          </a:p>
-          <a:p>
-            <a:pPr marL="314325" lvl="1" indent="0">
-              <a:buNone/>
-            </a:pPr>
-            <a:r>
-              <a:rPr lang="en-US" dirty="0">
-                <a:solidFill>
-                  <a:srgbClr val="212529"/>
-                </a:solidFill>
-                <a:latin typeface="-apple-system"/>
-              </a:rPr>
-              <a:t>The separate goals are planned to make sure at least the minimal wanted result for the project is achieved</a:t>
-            </a:r>
-            <a:endParaRPr lang="tr-TR" dirty="0">
-              <a:solidFill>
-                <a:srgbClr val="212529"/>
-              </a:solidFill>
-              <a:latin typeface="-apple-system"/>
-            </a:endParaRPr>
-          </a:p>
-          <a:p>
-            <a:pPr lvl="1">
-              <a:buFont typeface="Wingdings" panose="05000000000000000000" pitchFamily="2" charset="2"/>
-              <a:buChar char="Ø"/>
-            </a:pPr>
-            <a:endParaRPr lang="en-US" dirty="0"/>
+              <a:rPr lang="tr-TR" sz="3200" dirty="0">
+                <a:latin typeface="NimbusSanL-Regu"/>
+              </a:rPr>
+              <a:t>5 credits for the project work</a:t>
+            </a:r>
+          </a:p>
+          <a:p>
+            <a:pPr lvl="1"/>
+            <a:r>
+              <a:rPr lang="tr-TR" sz="3200" dirty="0">
+                <a:latin typeface="NimbusSanL-Regu"/>
+              </a:rPr>
+              <a:t>The work spent on the basic goal will be </a:t>
+            </a:r>
+            <a:r>
+              <a:rPr lang="fi-FI" sz="3200" dirty="0" err="1">
+                <a:latin typeface="NimbusSanL-Regu"/>
+              </a:rPr>
+              <a:t>then</a:t>
+            </a:r>
+            <a:r>
+              <a:rPr lang="fi-FI" sz="3200" dirty="0">
+                <a:latin typeface="NimbusSanL-Regu"/>
+              </a:rPr>
+              <a:t> ~</a:t>
+            </a:r>
+            <a:r>
+              <a:rPr lang="tr-TR" sz="3200" dirty="0">
+                <a:latin typeface="NimbusSanL-Regu"/>
+              </a:rPr>
+              <a:t>133.3 hours for each </a:t>
+            </a:r>
+            <a:r>
+              <a:rPr lang="fi-FI" sz="3200" dirty="0">
+                <a:latin typeface="NimbusSanL-Regu"/>
+              </a:rPr>
+              <a:t>p</a:t>
+            </a:r>
+            <a:r>
+              <a:rPr lang="tr-TR" sz="3200" dirty="0">
+                <a:latin typeface="NimbusSanL-Regu"/>
+              </a:rPr>
+              <a:t>roject member</a:t>
+            </a:r>
           </a:p>
         </p:txBody>
       </p:sp>
@@ -16012,7 +18422,7 @@
     </p:spTree>
     <p:extLst>
       <p:ext uri="{BB962C8B-B14F-4D97-AF65-F5344CB8AC3E}">
-        <p14:creationId xmlns:p14="http://schemas.microsoft.com/office/powerpoint/2010/main" val="1192078011"/>
+        <p14:creationId xmlns:p14="http://schemas.microsoft.com/office/powerpoint/2010/main" val="1476493522"/>
       </p:ext>
     </p:extLst>
   </p:cSld>
@@ -16062,11 +18472,15 @@
           <a:p>
             <a:r>
               <a:rPr lang="tr-TR" dirty="0"/>
-              <a:t>Project </a:t>
-            </a:r>
-            <a:r>
-              <a:rPr lang="tr-TR" dirty="0" err="1"/>
-              <a:t>Objectives</a:t>
+              <a:t>Project Objectives</a:t>
+            </a:r>
+            <a:r>
+              <a:rPr lang="fi-FI" dirty="0"/>
+              <a:t> – Basic </a:t>
+            </a:r>
+            <a:r>
+              <a:rPr lang="fi-FI" dirty="0" err="1"/>
+              <a:t>Goal</a:t>
             </a:r>
             <a:endParaRPr lang="en-US" dirty="0"/>
           </a:p>
@@ -16098,320 +18512,57 @@
           <a:bodyPr/>
           <a:lstStyle/>
           <a:p>
-            <a:pPr marL="828675" lvl="1" indent="-514350">
-              <a:buAutoNum type="arabicPeriod"/>
-            </a:pPr>
-            <a:r>
-              <a:rPr lang="tr-TR" b="1" dirty="0"/>
-              <a:t> Basic </a:t>
-            </a:r>
-            <a:r>
-              <a:rPr lang="tr-TR" b="1" dirty="0" err="1"/>
-              <a:t>Goals</a:t>
-            </a:r>
-            <a:endParaRPr lang="tr-TR" b="1" dirty="0"/>
-          </a:p>
-          <a:p>
-            <a:pPr marL="828675" lvl="1" indent="-514350">
-              <a:buAutoNum type="arabicPeriod"/>
-            </a:pPr>
-            <a:endParaRPr lang="tr-TR" b="1" dirty="0"/>
-          </a:p>
-          <a:p>
-            <a:pPr lvl="1">
-              <a:buFont typeface="Wingdings" panose="05000000000000000000" pitchFamily="2" charset="2"/>
-              <a:buChar char="Ø"/>
-            </a:pPr>
-            <a:r>
-              <a:rPr lang="tr-TR" dirty="0"/>
-              <a:t> </a:t>
-            </a:r>
-            <a:r>
-              <a:rPr lang="tr-TR" dirty="0" err="1"/>
-              <a:t>The</a:t>
-            </a:r>
-            <a:r>
-              <a:rPr lang="tr-TR" dirty="0"/>
-              <a:t> </a:t>
-            </a:r>
-            <a:r>
-              <a:rPr lang="tr-TR" dirty="0" err="1"/>
-              <a:t>basic</a:t>
-            </a:r>
-            <a:r>
-              <a:rPr lang="tr-TR" dirty="0"/>
-              <a:t> </a:t>
-            </a:r>
-            <a:r>
-              <a:rPr lang="tr-TR" dirty="0" err="1"/>
-              <a:t>goal</a:t>
-            </a:r>
-            <a:r>
-              <a:rPr lang="tr-TR" dirty="0"/>
-              <a:t> is </a:t>
-            </a:r>
-            <a:r>
-              <a:rPr lang="tr-TR" dirty="0" err="1"/>
-              <a:t>to</a:t>
-            </a:r>
-            <a:r>
-              <a:rPr lang="tr-TR" dirty="0"/>
-              <a:t> </a:t>
-            </a:r>
-            <a:r>
-              <a:rPr lang="tr-TR" dirty="0" err="1"/>
-              <a:t>achieve</a:t>
-            </a:r>
-            <a:r>
-              <a:rPr lang="tr-TR" dirty="0"/>
-              <a:t> </a:t>
-            </a:r>
-            <a:r>
-              <a:rPr lang="tr-TR" dirty="0" err="1"/>
-              <a:t>the</a:t>
-            </a:r>
-            <a:r>
-              <a:rPr lang="tr-TR" dirty="0"/>
-              <a:t> minimal </a:t>
-            </a:r>
-            <a:r>
-              <a:rPr lang="tr-TR" dirty="0" err="1"/>
-              <a:t>wanted</a:t>
-            </a:r>
-            <a:r>
-              <a:rPr lang="tr-TR" dirty="0"/>
-              <a:t> </a:t>
-            </a:r>
-            <a:r>
-              <a:rPr lang="tr-TR" dirty="0" err="1"/>
-              <a:t>results</a:t>
-            </a:r>
-            <a:r>
-              <a:rPr lang="tr-TR" dirty="0"/>
-              <a:t> </a:t>
-            </a:r>
-            <a:r>
-              <a:rPr lang="tr-TR" dirty="0" err="1"/>
-              <a:t>for</a:t>
-            </a:r>
-            <a:r>
-              <a:rPr lang="tr-TR" dirty="0"/>
-              <a:t> </a:t>
-            </a:r>
-            <a:r>
-              <a:rPr lang="tr-TR" dirty="0" err="1"/>
-              <a:t>the</a:t>
-            </a:r>
-            <a:r>
-              <a:rPr lang="tr-TR" dirty="0"/>
-              <a:t> Project.</a:t>
-            </a:r>
-          </a:p>
-          <a:p>
-            <a:pPr lvl="1">
-              <a:buFont typeface="Wingdings" panose="05000000000000000000" pitchFamily="2" charset="2"/>
-              <a:buChar char="Ø"/>
+            <a:pPr lvl="1"/>
+            <a:r>
+              <a:rPr lang="tr-TR" dirty="0">
+                <a:latin typeface="NimbusSanL-Regu"/>
+              </a:rPr>
+              <a:t>The objectives of the basic goal are as follows:</a:t>
+            </a:r>
+            <a:endParaRPr lang="fi-FI" dirty="0">
+              <a:latin typeface="NimbusSanL-Regu"/>
+            </a:endParaRPr>
+          </a:p>
+          <a:p>
+            <a:pPr lvl="2"/>
+            <a:r>
+              <a:rPr lang="en-GB" dirty="0"/>
+              <a:t>Project initialization and planning </a:t>
+            </a:r>
+          </a:p>
+          <a:p>
+            <a:pPr lvl="2"/>
+            <a:r>
+              <a:rPr lang="en-GB" dirty="0"/>
+              <a:t>Preliminary study of open-source video object detection and object tracking methods that could be applied in the project </a:t>
+            </a:r>
+          </a:p>
+          <a:p>
+            <a:pPr lvl="2"/>
+            <a:r>
+              <a:rPr lang="en-GB" dirty="0"/>
+              <a:t>Designing the scenes that are to be recorded using a 360-video camera and the integrated microphone array </a:t>
+            </a:r>
+          </a:p>
+          <a:p>
+            <a:pPr lvl="2"/>
+            <a:r>
+              <a:rPr lang="en-GB" dirty="0"/>
+              <a:t>Recording the designed scenes </a:t>
+            </a:r>
+          </a:p>
+          <a:p>
+            <a:pPr lvl="2"/>
+            <a:r>
+              <a:rPr lang="en-GB" dirty="0"/>
+              <a:t>Developing a set of Python scripts for handling the video data frames (basic data handling methods for video) </a:t>
+            </a:r>
+          </a:p>
+          <a:p>
+            <a:pPr marL="314325" lvl="1" indent="0">
+              <a:buNone/>
             </a:pPr>
             <a:endParaRPr lang="tr-TR" dirty="0"/>
-          </a:p>
-          <a:p>
-            <a:pPr lvl="1">
-              <a:buFont typeface="Wingdings" panose="05000000000000000000" pitchFamily="2" charset="2"/>
-              <a:buChar char="Ø"/>
-            </a:pPr>
-            <a:r>
-              <a:rPr lang="tr-TR" dirty="0"/>
-              <a:t> </a:t>
-            </a:r>
-            <a:r>
-              <a:rPr lang="tr-TR" dirty="0" err="1"/>
-              <a:t>Each</a:t>
-            </a:r>
-            <a:r>
-              <a:rPr lang="tr-TR" dirty="0"/>
-              <a:t> Project </a:t>
-            </a:r>
-            <a:r>
-              <a:rPr lang="tr-TR" dirty="0" err="1"/>
-              <a:t>member</a:t>
-            </a:r>
-            <a:r>
-              <a:rPr lang="tr-TR" dirty="0"/>
-              <a:t> </a:t>
-            </a:r>
-            <a:r>
-              <a:rPr lang="tr-TR" dirty="0" err="1"/>
-              <a:t>aims</a:t>
-            </a:r>
-            <a:r>
-              <a:rPr lang="tr-TR" dirty="0"/>
-              <a:t> </a:t>
-            </a:r>
-            <a:r>
-              <a:rPr lang="tr-TR" dirty="0" err="1"/>
-              <a:t>to</a:t>
-            </a:r>
-            <a:r>
-              <a:rPr lang="tr-TR" dirty="0"/>
-              <a:t> </a:t>
-            </a:r>
-            <a:r>
-              <a:rPr lang="tr-TR" dirty="0" err="1"/>
-              <a:t>gain</a:t>
-            </a:r>
-            <a:r>
-              <a:rPr lang="tr-TR" dirty="0"/>
-              <a:t> 5 </a:t>
-            </a:r>
-            <a:r>
-              <a:rPr lang="tr-TR" dirty="0" err="1"/>
-              <a:t>credits</a:t>
-            </a:r>
-            <a:r>
-              <a:rPr lang="tr-TR" dirty="0"/>
-              <a:t> </a:t>
-            </a:r>
-            <a:r>
-              <a:rPr lang="tr-TR" dirty="0" err="1"/>
-              <a:t>for</a:t>
-            </a:r>
-            <a:r>
-              <a:rPr lang="tr-TR" dirty="0"/>
-              <a:t> </a:t>
-            </a:r>
-            <a:r>
-              <a:rPr lang="tr-TR" dirty="0" err="1"/>
-              <a:t>the</a:t>
-            </a:r>
-            <a:r>
-              <a:rPr lang="tr-TR" dirty="0"/>
-              <a:t> </a:t>
-            </a:r>
-            <a:r>
-              <a:rPr lang="tr-TR" dirty="0" err="1"/>
-              <a:t>project</a:t>
-            </a:r>
-            <a:r>
-              <a:rPr lang="tr-TR" dirty="0"/>
-              <a:t> </a:t>
-            </a:r>
-            <a:r>
-              <a:rPr lang="tr-TR" dirty="0" err="1"/>
-              <a:t>work</a:t>
-            </a:r>
-            <a:r>
-              <a:rPr lang="tr-TR" dirty="0"/>
-              <a:t>.</a:t>
-            </a:r>
-          </a:p>
-          <a:p>
-            <a:pPr lvl="1">
-              <a:buFont typeface="Wingdings" panose="05000000000000000000" pitchFamily="2" charset="2"/>
-              <a:buChar char="Ø"/>
-            </a:pPr>
-            <a:endParaRPr lang="tr-TR" dirty="0"/>
-          </a:p>
-          <a:p>
-            <a:pPr lvl="1">
-              <a:buFont typeface="Wingdings" panose="05000000000000000000" pitchFamily="2" charset="2"/>
-              <a:buChar char="Ø"/>
-            </a:pPr>
-            <a:r>
-              <a:rPr lang="tr-TR" dirty="0" err="1"/>
-              <a:t>The</a:t>
-            </a:r>
-            <a:r>
-              <a:rPr lang="tr-TR" dirty="0"/>
-              <a:t> </a:t>
-            </a:r>
-            <a:r>
-              <a:rPr lang="tr-TR" dirty="0" err="1"/>
-              <a:t>work</a:t>
-            </a:r>
-            <a:r>
-              <a:rPr lang="tr-TR" dirty="0"/>
-              <a:t> </a:t>
-            </a:r>
-            <a:r>
-              <a:rPr lang="tr-TR" dirty="0" err="1"/>
-              <a:t>spent</a:t>
-            </a:r>
-            <a:r>
-              <a:rPr lang="tr-TR" dirty="0"/>
-              <a:t> on </a:t>
-            </a:r>
-            <a:r>
-              <a:rPr lang="tr-TR" dirty="0" err="1"/>
-              <a:t>the</a:t>
-            </a:r>
-            <a:r>
-              <a:rPr lang="tr-TR" dirty="0"/>
-              <a:t> </a:t>
-            </a:r>
-            <a:r>
-              <a:rPr lang="tr-TR" dirty="0" err="1"/>
-              <a:t>basic</a:t>
-            </a:r>
-            <a:r>
-              <a:rPr lang="tr-TR" dirty="0"/>
-              <a:t> </a:t>
-            </a:r>
-            <a:r>
-              <a:rPr lang="tr-TR" dirty="0" err="1"/>
-              <a:t>goal</a:t>
-            </a:r>
-            <a:r>
-              <a:rPr lang="tr-TR" dirty="0"/>
-              <a:t> </a:t>
-            </a:r>
-            <a:r>
-              <a:rPr lang="tr-TR" dirty="0" err="1"/>
-              <a:t>will</a:t>
-            </a:r>
-            <a:r>
-              <a:rPr lang="tr-TR" dirty="0"/>
-              <a:t> be </a:t>
-            </a:r>
-            <a:r>
-              <a:rPr lang="tr-TR" dirty="0" err="1"/>
-              <a:t>about</a:t>
-            </a:r>
-            <a:r>
-              <a:rPr lang="tr-TR" dirty="0"/>
-              <a:t> 133.3 </a:t>
-            </a:r>
-            <a:r>
-              <a:rPr lang="tr-TR" dirty="0" err="1"/>
-              <a:t>hours</a:t>
-            </a:r>
-            <a:r>
-              <a:rPr lang="tr-TR" dirty="0"/>
-              <a:t> </a:t>
-            </a:r>
-            <a:r>
-              <a:rPr lang="tr-TR" dirty="0" err="1"/>
-              <a:t>for</a:t>
-            </a:r>
-            <a:r>
-              <a:rPr lang="tr-TR" dirty="0"/>
-              <a:t> </a:t>
-            </a:r>
-            <a:r>
-              <a:rPr lang="tr-TR" dirty="0" err="1"/>
-              <a:t>each</a:t>
-            </a:r>
-            <a:r>
-              <a:rPr lang="tr-TR" dirty="0"/>
-              <a:t> Project </a:t>
-            </a:r>
-            <a:r>
-              <a:rPr lang="tr-TR" dirty="0" err="1"/>
-              <a:t>member</a:t>
-            </a:r>
-            <a:r>
-              <a:rPr lang="tr-TR" dirty="0"/>
-              <a:t>.</a:t>
-            </a:r>
           </a:p>
         </p:txBody>
       </p:sp>
@@ -16452,7 +18603,7 @@
     </p:spTree>
     <p:extLst>
       <p:ext uri="{BB962C8B-B14F-4D97-AF65-F5344CB8AC3E}">
-        <p14:creationId xmlns:p14="http://schemas.microsoft.com/office/powerpoint/2010/main" val="1476493522"/>
+        <p14:creationId xmlns:p14="http://schemas.microsoft.com/office/powerpoint/2010/main" val="3219230322"/>
       </p:ext>
     </p:extLst>
   </p:cSld>
@@ -16502,11 +18653,15 @@
           <a:p>
             <a:r>
               <a:rPr lang="tr-TR" dirty="0"/>
-              <a:t>Project </a:t>
-            </a:r>
-            <a:r>
-              <a:rPr lang="tr-TR" dirty="0" err="1"/>
-              <a:t>Objectives</a:t>
+              <a:t>Project Objectives</a:t>
+            </a:r>
+            <a:r>
+              <a:rPr lang="fi-FI" dirty="0"/>
+              <a:t> – Basic </a:t>
+            </a:r>
+            <a:r>
+              <a:rPr lang="fi-FI" dirty="0" err="1"/>
+              <a:t>Goal</a:t>
             </a:r>
             <a:endParaRPr lang="en-US" dirty="0"/>
           </a:p>
@@ -16538,363 +18693,37 @@
           <a:bodyPr/>
           <a:lstStyle/>
           <a:p>
-            <a:pPr marL="828675" lvl="1" indent="-514350">
-              <a:buAutoNum type="arabicPeriod"/>
-            </a:pPr>
-            <a:r>
-              <a:rPr lang="tr-TR" b="1" dirty="0"/>
-              <a:t> Basic </a:t>
-            </a:r>
-            <a:r>
-              <a:rPr lang="tr-TR" b="1" dirty="0" err="1"/>
-              <a:t>Goals</a:t>
-            </a:r>
-            <a:endParaRPr lang="tr-TR" b="1" dirty="0"/>
-          </a:p>
-          <a:p>
-            <a:pPr marL="314325" lvl="1" indent="0">
-              <a:buNone/>
-            </a:pPr>
-            <a:endParaRPr lang="tr-TR" b="1" dirty="0"/>
-          </a:p>
-          <a:p>
-            <a:pPr marL="314325" lvl="1" indent="0">
-              <a:buNone/>
-            </a:pPr>
-            <a:r>
-              <a:rPr lang="tr-TR" dirty="0" err="1"/>
-              <a:t>The</a:t>
-            </a:r>
-            <a:r>
-              <a:rPr lang="tr-TR" dirty="0"/>
-              <a:t> </a:t>
-            </a:r>
-            <a:r>
-              <a:rPr lang="tr-TR" dirty="0" err="1"/>
-              <a:t>objectives</a:t>
-            </a:r>
-            <a:r>
-              <a:rPr lang="tr-TR" dirty="0"/>
-              <a:t> of </a:t>
-            </a:r>
-            <a:r>
-              <a:rPr lang="tr-TR" dirty="0" err="1"/>
-              <a:t>the</a:t>
-            </a:r>
-            <a:r>
-              <a:rPr lang="tr-TR" dirty="0"/>
-              <a:t> </a:t>
-            </a:r>
-            <a:r>
-              <a:rPr lang="tr-TR" dirty="0" err="1"/>
-              <a:t>basic</a:t>
-            </a:r>
-            <a:r>
-              <a:rPr lang="tr-TR" dirty="0"/>
-              <a:t> </a:t>
-            </a:r>
-            <a:r>
-              <a:rPr lang="tr-TR" dirty="0" err="1"/>
-              <a:t>goal</a:t>
-            </a:r>
-            <a:r>
-              <a:rPr lang="tr-TR" dirty="0"/>
-              <a:t> </a:t>
-            </a:r>
-            <a:r>
-              <a:rPr lang="tr-TR" dirty="0" err="1"/>
-              <a:t>are</a:t>
-            </a:r>
-            <a:r>
-              <a:rPr lang="tr-TR" dirty="0"/>
-              <a:t> as </a:t>
-            </a:r>
-            <a:r>
-              <a:rPr lang="tr-TR" dirty="0" err="1"/>
-              <a:t>follows</a:t>
-            </a:r>
-            <a:r>
-              <a:rPr lang="tr-TR" dirty="0"/>
-              <a:t>:</a:t>
-            </a:r>
-          </a:p>
-          <a:p>
-            <a:pPr lvl="1">
-              <a:buFont typeface="Wingdings" panose="05000000000000000000" pitchFamily="2" charset="2"/>
-              <a:buChar char="Ø"/>
-            </a:pPr>
-            <a:r>
-              <a:rPr lang="tr-TR" dirty="0"/>
-              <a:t> Project </a:t>
-            </a:r>
-            <a:r>
-              <a:rPr lang="tr-TR" dirty="0" err="1"/>
-              <a:t>initialization</a:t>
-            </a:r>
-            <a:r>
-              <a:rPr lang="tr-TR" dirty="0"/>
-              <a:t> </a:t>
-            </a:r>
-            <a:r>
-              <a:rPr lang="tr-TR" dirty="0" err="1"/>
-              <a:t>and</a:t>
-            </a:r>
-            <a:r>
-              <a:rPr lang="tr-TR" dirty="0"/>
-              <a:t> </a:t>
-            </a:r>
-            <a:r>
-              <a:rPr lang="tr-TR" dirty="0" err="1"/>
-              <a:t>planning</a:t>
-            </a:r>
-            <a:endParaRPr lang="tr-TR" dirty="0"/>
-          </a:p>
-          <a:p>
-            <a:pPr lvl="1">
-              <a:buFont typeface="Wingdings" panose="05000000000000000000" pitchFamily="2" charset="2"/>
-              <a:buChar char="Ø"/>
-            </a:pPr>
-            <a:r>
-              <a:rPr lang="tr-TR" dirty="0" err="1"/>
-              <a:t>Studying</a:t>
-            </a:r>
-            <a:r>
-              <a:rPr lang="tr-TR" dirty="0"/>
-              <a:t> </a:t>
-            </a:r>
-            <a:r>
-              <a:rPr lang="tr-TR" dirty="0" err="1"/>
-              <a:t>object</a:t>
-            </a:r>
-            <a:r>
-              <a:rPr lang="tr-TR" dirty="0"/>
-              <a:t> </a:t>
-            </a:r>
-            <a:r>
-              <a:rPr lang="tr-TR" dirty="0" err="1"/>
-              <a:t>detetction</a:t>
-            </a:r>
-            <a:r>
-              <a:rPr lang="tr-TR" dirty="0"/>
-              <a:t> </a:t>
-            </a:r>
-            <a:r>
-              <a:rPr lang="tr-TR" dirty="0" err="1"/>
-              <a:t>methods</a:t>
-            </a:r>
-            <a:r>
-              <a:rPr lang="tr-TR" dirty="0"/>
-              <a:t> </a:t>
-            </a:r>
-            <a:r>
-              <a:rPr lang="tr-TR" dirty="0" err="1"/>
-              <a:t>for</a:t>
-            </a:r>
-            <a:r>
-              <a:rPr lang="tr-TR" dirty="0"/>
-              <a:t> 360-degree video data</a:t>
-            </a:r>
-          </a:p>
-          <a:p>
-            <a:pPr lvl="1">
-              <a:buFont typeface="Wingdings" panose="05000000000000000000" pitchFamily="2" charset="2"/>
-              <a:buChar char="Ø"/>
-            </a:pPr>
-            <a:r>
-              <a:rPr lang="tr-TR" dirty="0" err="1"/>
-              <a:t>Working</a:t>
-            </a:r>
-            <a:r>
-              <a:rPr lang="tr-TR" dirty="0"/>
-              <a:t> on </a:t>
-            </a:r>
-            <a:r>
-              <a:rPr lang="tr-TR" dirty="0" err="1"/>
-              <a:t>the</a:t>
-            </a:r>
-            <a:r>
-              <a:rPr lang="tr-TR" dirty="0"/>
-              <a:t> </a:t>
-            </a:r>
-            <a:r>
-              <a:rPr lang="tr-TR" dirty="0" err="1"/>
-              <a:t>open</a:t>
-            </a:r>
-            <a:r>
-              <a:rPr lang="tr-TR" dirty="0"/>
-              <a:t> </a:t>
-            </a:r>
-            <a:r>
-              <a:rPr lang="tr-TR" dirty="0" err="1"/>
-              <a:t>source</a:t>
-            </a:r>
-            <a:r>
-              <a:rPr lang="tr-TR" dirty="0"/>
-              <a:t> </a:t>
-            </a:r>
-            <a:r>
-              <a:rPr lang="tr-TR" dirty="0" err="1"/>
-              <a:t>code</a:t>
-            </a:r>
-            <a:r>
-              <a:rPr lang="tr-TR" dirty="0"/>
-              <a:t> </a:t>
-            </a:r>
-            <a:r>
-              <a:rPr lang="tr-TR" dirty="0" err="1"/>
-              <a:t>to</a:t>
-            </a:r>
-            <a:r>
-              <a:rPr lang="tr-TR" dirty="0"/>
-              <a:t> </a:t>
-            </a:r>
-            <a:r>
-              <a:rPr lang="tr-TR" dirty="0" err="1"/>
-              <a:t>get</a:t>
-            </a:r>
-            <a:r>
-              <a:rPr lang="tr-TR" dirty="0"/>
-              <a:t> </a:t>
-            </a:r>
-            <a:r>
-              <a:rPr lang="tr-TR" dirty="0" err="1"/>
-              <a:t>familiar</a:t>
-            </a:r>
-            <a:r>
-              <a:rPr lang="tr-TR" dirty="0"/>
-              <a:t> on how </a:t>
-            </a:r>
-            <a:r>
-              <a:rPr lang="tr-TR" dirty="0" err="1"/>
-              <a:t>object</a:t>
-            </a:r>
-            <a:r>
-              <a:rPr lang="tr-TR" dirty="0"/>
-              <a:t> </a:t>
-            </a:r>
-            <a:r>
-              <a:rPr lang="tr-TR" dirty="0" err="1"/>
-              <a:t>tracking</a:t>
-            </a:r>
-            <a:r>
-              <a:rPr lang="tr-TR" dirty="0"/>
-              <a:t> </a:t>
-            </a:r>
-            <a:r>
-              <a:rPr lang="tr-TR" dirty="0" err="1"/>
-              <a:t>methods</a:t>
-            </a:r>
-            <a:r>
-              <a:rPr lang="tr-TR" dirty="0"/>
-              <a:t> </a:t>
-            </a:r>
-            <a:r>
-              <a:rPr lang="tr-TR" dirty="0" err="1"/>
-              <a:t>could</a:t>
-            </a:r>
-            <a:r>
-              <a:rPr lang="tr-TR" dirty="0"/>
-              <a:t> be </a:t>
-            </a:r>
-            <a:r>
-              <a:rPr lang="tr-TR" dirty="0" err="1"/>
-              <a:t>applied</a:t>
-            </a:r>
-            <a:r>
-              <a:rPr lang="tr-TR" dirty="0"/>
-              <a:t> </a:t>
-            </a:r>
-            <a:r>
-              <a:rPr lang="tr-TR" dirty="0" err="1"/>
-              <a:t>to</a:t>
-            </a:r>
-            <a:r>
-              <a:rPr lang="tr-TR" dirty="0"/>
-              <a:t> </a:t>
-            </a:r>
-            <a:r>
-              <a:rPr lang="tr-TR" dirty="0" err="1"/>
-              <a:t>the</a:t>
-            </a:r>
-            <a:r>
-              <a:rPr lang="tr-TR" dirty="0"/>
-              <a:t> Project.</a:t>
-            </a:r>
-          </a:p>
-          <a:p>
-            <a:pPr lvl="1">
-              <a:buFont typeface="Wingdings" panose="05000000000000000000" pitchFamily="2" charset="2"/>
-              <a:buChar char="Ø"/>
-            </a:pPr>
-            <a:r>
-              <a:rPr lang="tr-TR" dirty="0"/>
-              <a:t> </a:t>
-            </a:r>
-            <a:r>
-              <a:rPr lang="tr-TR" dirty="0" err="1"/>
-              <a:t>determining</a:t>
-            </a:r>
-            <a:r>
-              <a:rPr lang="tr-TR" dirty="0"/>
-              <a:t> </a:t>
-            </a:r>
-            <a:r>
-              <a:rPr lang="tr-TR" dirty="0" err="1"/>
-              <a:t>and</a:t>
-            </a:r>
-            <a:r>
-              <a:rPr lang="tr-TR" dirty="0"/>
-              <a:t> </a:t>
-            </a:r>
-            <a:r>
-              <a:rPr lang="tr-TR" dirty="0" err="1"/>
-              <a:t>defining</a:t>
-            </a:r>
-            <a:r>
-              <a:rPr lang="tr-TR" dirty="0"/>
-              <a:t> </a:t>
-            </a:r>
-            <a:r>
-              <a:rPr lang="tr-TR" dirty="0" err="1"/>
-              <a:t>the</a:t>
-            </a:r>
-            <a:r>
-              <a:rPr lang="tr-TR" dirty="0"/>
-              <a:t> </a:t>
-            </a:r>
-            <a:r>
-              <a:rPr lang="tr-TR" dirty="0" err="1"/>
-              <a:t>scenes</a:t>
-            </a:r>
-            <a:r>
-              <a:rPr lang="tr-TR" dirty="0"/>
-              <a:t> </a:t>
-            </a:r>
-            <a:r>
-              <a:rPr lang="tr-TR" dirty="0" err="1"/>
-              <a:t>to</a:t>
-            </a:r>
-            <a:r>
-              <a:rPr lang="tr-TR" dirty="0"/>
-              <a:t> be </a:t>
-            </a:r>
-            <a:r>
-              <a:rPr lang="tr-TR" dirty="0" err="1"/>
-              <a:t>recorded</a:t>
-            </a:r>
-            <a:endParaRPr lang="tr-TR" dirty="0"/>
-          </a:p>
-          <a:p>
-            <a:pPr marL="314325" lvl="1" indent="0">
-              <a:buNone/>
-            </a:pPr>
-            <a:endParaRPr lang="tr-TR" dirty="0"/>
-          </a:p>
-          <a:p>
-            <a:pPr lvl="1">
-              <a:buFont typeface="Wingdings" panose="05000000000000000000" pitchFamily="2" charset="2"/>
-              <a:buChar char="Ø"/>
-            </a:pPr>
+            <a:pPr lvl="1"/>
+            <a:r>
+              <a:rPr lang="tr-TR" dirty="0">
+                <a:latin typeface="NimbusSanL-Regu"/>
+              </a:rPr>
+              <a:t>The objectives of the basic goal are as follows:</a:t>
+            </a:r>
+            <a:endParaRPr lang="fi-FI" dirty="0">
+              <a:latin typeface="NimbusSanL-Regu"/>
+            </a:endParaRPr>
+          </a:p>
+          <a:p>
+            <a:pPr lvl="2"/>
+            <a:r>
+              <a:rPr lang="en-GB" dirty="0"/>
+              <a:t>Developing a set of Python scripts for applying object detection (and possibly object tracking) for the video data frames 4 </a:t>
+            </a:r>
+          </a:p>
+          <a:p>
+            <a:pPr lvl="2"/>
+            <a:r>
+              <a:rPr lang="en-GB" dirty="0"/>
+              <a:t>Developing a method for outputting the detected visual objects, their locations and the time interval of detection to be used together with spatial audio detection</a:t>
+            </a:r>
+          </a:p>
+          <a:p>
+            <a:pPr lvl="2"/>
+            <a:r>
+              <a:rPr lang="en-GB" dirty="0"/>
+              <a:t>Testing the developed video handling scripts with the recorded video data </a:t>
+            </a:r>
             <a:endParaRPr lang="tr-TR" dirty="0"/>
           </a:p>
           <a:p>
@@ -16942,7 +18771,7 @@
     </p:spTree>
     <p:extLst>
       <p:ext uri="{BB962C8B-B14F-4D97-AF65-F5344CB8AC3E}">
-        <p14:creationId xmlns:p14="http://schemas.microsoft.com/office/powerpoint/2010/main" val="3219230322"/>
+        <p14:creationId xmlns:p14="http://schemas.microsoft.com/office/powerpoint/2010/main" val="3273946077"/>
       </p:ext>
     </p:extLst>
   </p:cSld>
@@ -16992,11 +18821,15 @@
           <a:p>
             <a:r>
               <a:rPr lang="tr-TR" dirty="0"/>
-              <a:t>Project </a:t>
-            </a:r>
-            <a:r>
-              <a:rPr lang="tr-TR" dirty="0" err="1"/>
-              <a:t>Objectives</a:t>
+              <a:t>Project Objectives</a:t>
+            </a:r>
+            <a:r>
+              <a:rPr lang="fi-FI" dirty="0"/>
+              <a:t> – Basic </a:t>
+            </a:r>
+            <a:r>
+              <a:rPr lang="fi-FI" dirty="0" err="1"/>
+              <a:t>Goal</a:t>
             </a:r>
             <a:endParaRPr lang="en-US" dirty="0"/>
           </a:p>
@@ -17028,270 +18861,44 @@
           <a:bodyPr/>
           <a:lstStyle/>
           <a:p>
-            <a:pPr marL="828675" lvl="1" indent="-514350">
-              <a:buAutoNum type="arabicPeriod"/>
-            </a:pPr>
-            <a:r>
-              <a:rPr lang="tr-TR" b="1" dirty="0"/>
-              <a:t> Basic </a:t>
-            </a:r>
-            <a:r>
-              <a:rPr lang="tr-TR" b="1" dirty="0" err="1"/>
-              <a:t>Goals</a:t>
-            </a:r>
-            <a:r>
-              <a:rPr lang="tr-TR" b="1" dirty="0"/>
-              <a:t> </a:t>
-            </a:r>
-            <a:r>
-              <a:rPr lang="tr-TR" b="1" dirty="0" err="1"/>
-              <a:t>Cont</a:t>
-            </a:r>
-            <a:r>
-              <a:rPr lang="tr-TR" b="1" dirty="0"/>
-              <a:t>.</a:t>
-            </a:r>
-          </a:p>
-          <a:p>
-            <a:pPr marL="314325" lvl="1" indent="0">
-              <a:buNone/>
-            </a:pPr>
-            <a:endParaRPr lang="tr-TR" b="1" dirty="0"/>
-          </a:p>
-          <a:p>
-            <a:pPr lvl="1">
-              <a:buFont typeface="Wingdings" panose="05000000000000000000" pitchFamily="2" charset="2"/>
-              <a:buChar char="Ø"/>
-            </a:pPr>
-            <a:r>
-              <a:rPr lang="en-US" b="0" i="0" u="none" strike="noStrike" baseline="0" dirty="0">
-                <a:latin typeface="+mj-lt"/>
-              </a:rPr>
-              <a:t>Extracting</a:t>
-            </a:r>
-            <a:r>
-              <a:rPr lang="en-US" b="0" i="0" u="none" strike="noStrike" baseline="0" dirty="0">
-                <a:latin typeface="NimbusSanL-Regu"/>
-              </a:rPr>
-              <a:t> temporal object detections and their locations from the video recording</a:t>
-            </a:r>
-            <a:endParaRPr lang="tr-TR" b="0" i="0" u="none" strike="noStrike" baseline="0" dirty="0">
+            <a:pPr lvl="1"/>
+            <a:r>
+              <a:rPr lang="tr-TR" dirty="0">
+                <a:latin typeface="NimbusSanL-Regu"/>
+              </a:rPr>
+              <a:t>The objectives of the basic goal are as follows:</a:t>
+            </a:r>
+            <a:endParaRPr lang="fi-FI" dirty="0">
               <a:latin typeface="NimbusSanL-Regu"/>
             </a:endParaRPr>
           </a:p>
           <a:p>
-            <a:pPr lvl="1">
-              <a:buFont typeface="Wingdings" panose="05000000000000000000" pitchFamily="2" charset="2"/>
-              <a:buChar char="Ø"/>
-            </a:pPr>
-            <a:r>
-              <a:rPr lang="tr-TR" dirty="0" err="1">
-                <a:latin typeface="NimbusSanL-Regu"/>
-              </a:rPr>
-              <a:t>Formulating</a:t>
-            </a:r>
-            <a:r>
-              <a:rPr lang="tr-TR" dirty="0">
-                <a:latin typeface="NimbusSanL-Regu"/>
-              </a:rPr>
-              <a:t> </a:t>
-            </a:r>
-            <a:r>
-              <a:rPr lang="tr-TR" dirty="0" err="1">
-                <a:latin typeface="NimbusSanL-Regu"/>
-              </a:rPr>
-              <a:t>spatiotemporal</a:t>
-            </a:r>
-            <a:r>
-              <a:rPr lang="tr-TR" dirty="0">
-                <a:latin typeface="NimbusSanL-Regu"/>
-              </a:rPr>
-              <a:t> </a:t>
-            </a:r>
-            <a:r>
-              <a:rPr lang="tr-TR" dirty="0" err="1">
-                <a:latin typeface="NimbusSanL-Regu"/>
-              </a:rPr>
-              <a:t>labels</a:t>
-            </a:r>
-            <a:r>
-              <a:rPr lang="tr-TR" dirty="0">
-                <a:latin typeface="NimbusSanL-Regu"/>
-              </a:rPr>
-              <a:t> </a:t>
-            </a:r>
-            <a:r>
-              <a:rPr lang="tr-TR" dirty="0" err="1">
-                <a:latin typeface="NimbusSanL-Regu"/>
-              </a:rPr>
-              <a:t>for</a:t>
-            </a:r>
-            <a:r>
-              <a:rPr lang="tr-TR" dirty="0">
-                <a:latin typeface="NimbusSanL-Regu"/>
-              </a:rPr>
-              <a:t> </a:t>
-            </a:r>
-            <a:r>
-              <a:rPr lang="tr-TR" dirty="0" err="1">
-                <a:latin typeface="NimbusSanL-Regu"/>
-              </a:rPr>
-              <a:t>the</a:t>
-            </a:r>
-            <a:r>
-              <a:rPr lang="tr-TR" dirty="0">
-                <a:latin typeface="NimbusSanL-Regu"/>
-              </a:rPr>
-              <a:t> </a:t>
-            </a:r>
-            <a:r>
-              <a:rPr lang="tr-TR" dirty="0" err="1">
-                <a:latin typeface="NimbusSanL-Regu"/>
-              </a:rPr>
-              <a:t>audiodata</a:t>
-            </a:r>
-            <a:r>
-              <a:rPr lang="tr-TR" dirty="0">
-                <a:latin typeface="NimbusSanL-Regu"/>
-              </a:rPr>
-              <a:t> </a:t>
-            </a:r>
-            <a:r>
-              <a:rPr lang="tr-TR" dirty="0" err="1">
-                <a:latin typeface="NimbusSanL-Regu"/>
-              </a:rPr>
-              <a:t>by</a:t>
-            </a:r>
-            <a:r>
-              <a:rPr lang="tr-TR" dirty="0">
-                <a:latin typeface="NimbusSanL-Regu"/>
-              </a:rPr>
-              <a:t> </a:t>
-            </a:r>
-            <a:r>
-              <a:rPr lang="tr-TR" dirty="0" err="1">
-                <a:latin typeface="NimbusSanL-Regu"/>
-              </a:rPr>
-              <a:t>combining</a:t>
-            </a:r>
-            <a:r>
-              <a:rPr lang="tr-TR" dirty="0">
-                <a:latin typeface="NimbusSanL-Regu"/>
-              </a:rPr>
-              <a:t> video </a:t>
-            </a:r>
-            <a:r>
-              <a:rPr lang="tr-TR" dirty="0" err="1">
-                <a:latin typeface="NimbusSanL-Regu"/>
-              </a:rPr>
-              <a:t>and</a:t>
-            </a:r>
-            <a:r>
-              <a:rPr lang="tr-TR" dirty="0">
-                <a:latin typeface="NimbusSanL-Regu"/>
-              </a:rPr>
-              <a:t> </a:t>
-            </a:r>
-            <a:r>
-              <a:rPr lang="tr-TR" dirty="0" err="1">
-                <a:latin typeface="NimbusSanL-Regu"/>
-              </a:rPr>
-              <a:t>audio</a:t>
-            </a:r>
-            <a:r>
-              <a:rPr lang="tr-TR" dirty="0">
-                <a:latin typeface="NimbusSanL-Regu"/>
-              </a:rPr>
-              <a:t> </a:t>
-            </a:r>
-            <a:r>
-              <a:rPr lang="tr-TR" dirty="0" err="1">
-                <a:latin typeface="NimbusSanL-Regu"/>
-              </a:rPr>
-              <a:t>detetctions</a:t>
-            </a:r>
-            <a:endParaRPr lang="tr-TR" dirty="0">
-              <a:latin typeface="NimbusSanL-Regu"/>
-            </a:endParaRPr>
-          </a:p>
-          <a:p>
-            <a:pPr lvl="1">
-              <a:buFont typeface="Wingdings" panose="05000000000000000000" pitchFamily="2" charset="2"/>
-              <a:buChar char="Ø"/>
-            </a:pPr>
-            <a:r>
-              <a:rPr lang="tr-TR" dirty="0" err="1">
-                <a:latin typeface="NimbusSanL-Regu"/>
-              </a:rPr>
-              <a:t>Testing</a:t>
-            </a:r>
-            <a:r>
-              <a:rPr lang="tr-TR" dirty="0">
-                <a:latin typeface="NimbusSanL-Regu"/>
-              </a:rPr>
-              <a:t> </a:t>
-            </a:r>
-            <a:r>
-              <a:rPr lang="tr-TR" dirty="0" err="1">
-                <a:latin typeface="NimbusSanL-Regu"/>
-              </a:rPr>
-              <a:t>the</a:t>
-            </a:r>
-            <a:r>
-              <a:rPr lang="tr-TR" dirty="0">
-                <a:latin typeface="NimbusSanL-Regu"/>
-              </a:rPr>
-              <a:t> </a:t>
-            </a:r>
-            <a:r>
-              <a:rPr lang="tr-TR" dirty="0" err="1">
-                <a:latin typeface="NimbusSanL-Regu"/>
-              </a:rPr>
-              <a:t>method</a:t>
-            </a:r>
-            <a:r>
-              <a:rPr lang="tr-TR" dirty="0">
-                <a:latin typeface="NimbusSanL-Regu"/>
-              </a:rPr>
-              <a:t> </a:t>
-            </a:r>
-            <a:r>
-              <a:rPr lang="tr-TR" dirty="0" err="1">
-                <a:latin typeface="NimbusSanL-Regu"/>
-              </a:rPr>
-              <a:t>against</a:t>
-            </a:r>
-            <a:r>
-              <a:rPr lang="tr-TR" dirty="0">
-                <a:latin typeface="NimbusSanL-Regu"/>
-              </a:rPr>
-              <a:t> </a:t>
-            </a:r>
-            <a:r>
-              <a:rPr lang="tr-TR" dirty="0" err="1">
-                <a:latin typeface="NimbusSanL-Regu"/>
-              </a:rPr>
-              <a:t>manual</a:t>
-            </a:r>
-            <a:r>
-              <a:rPr lang="tr-TR" dirty="0">
-                <a:latin typeface="NimbusSanL-Regu"/>
-              </a:rPr>
-              <a:t> </a:t>
-            </a:r>
-            <a:r>
-              <a:rPr lang="tr-TR" dirty="0" err="1">
-                <a:latin typeface="NimbusSanL-Regu"/>
-              </a:rPr>
-              <a:t>annotation</a:t>
-            </a:r>
-            <a:endParaRPr lang="tr-TR" dirty="0"/>
-          </a:p>
-          <a:p>
-            <a:pPr lvl="1">
-              <a:buFont typeface="Wingdings" panose="05000000000000000000" pitchFamily="2" charset="2"/>
-              <a:buChar char="Ø"/>
-            </a:pPr>
+            <a:pPr lvl="2"/>
+            <a:r>
+              <a:rPr lang="en-GB" dirty="0"/>
+              <a:t>Developing a method for outputting the detected sound events, their locations and the time interval of detection </a:t>
+            </a:r>
+          </a:p>
+          <a:p>
+            <a:pPr lvl="2"/>
+            <a:r>
+              <a:rPr lang="en-GB" dirty="0"/>
+              <a:t>Manually mapping visual object labels with the sound event labels to be used for automated annotation </a:t>
+            </a:r>
+          </a:p>
+          <a:p>
+            <a:pPr lvl="2"/>
+            <a:r>
+              <a:rPr lang="en-GB" dirty="0"/>
+              <a:t>Documenting </a:t>
+            </a:r>
+          </a:p>
+          <a:p>
+            <a:pPr lvl="2"/>
+            <a:r>
+              <a:rPr lang="en-GB" dirty="0"/>
+              <a:t>Testing the method against manual annotation</a:t>
+            </a:r>
             <a:endParaRPr lang="tr-TR" dirty="0"/>
           </a:p>
           <a:p>
@@ -17339,7 +18946,7 @@
     </p:spTree>
     <p:extLst>
       <p:ext uri="{BB962C8B-B14F-4D97-AF65-F5344CB8AC3E}">
-        <p14:creationId xmlns:p14="http://schemas.microsoft.com/office/powerpoint/2010/main" val="1560777811"/>
+        <p14:creationId xmlns:p14="http://schemas.microsoft.com/office/powerpoint/2010/main" val="3030577759"/>
       </p:ext>
     </p:extLst>
   </p:cSld>

--- a/Power point files/Project plan report.pptx
+++ b/Power point files/Project plan report.pptx
@@ -16507,23 +16507,7 @@
             </a:r>
             <a:r>
               <a:rPr lang="fi-FI" dirty="0"/>
-              <a:t>: 1h per </a:t>
-            </a:r>
-            <a:r>
-              <a:rPr lang="fi-FI" dirty="0" err="1"/>
-              <a:t>week</a:t>
-            </a:r>
-            <a:r>
-              <a:rPr lang="fi-FI" dirty="0"/>
-              <a:t>, 28h </a:t>
-            </a:r>
-            <a:r>
-              <a:rPr lang="fi-FI" dirty="0" err="1"/>
-              <a:t>hours</a:t>
-            </a:r>
-            <a:r>
-              <a:rPr lang="fi-FI" dirty="0"/>
-              <a:t> in </a:t>
+              <a:t>: 2*1*14h = 28h in </a:t>
             </a:r>
             <a:r>
               <a:rPr lang="fi-FI" dirty="0" err="1"/>

--- a/Power point files/Project plan report.pptx
+++ b/Power point files/Project plan report.pptx
@@ -230,7 +230,7 @@
           <a:p>
             <a:fld id="{3C11D06C-D5DE-814D-931E-02A0CE659BAA}" type="datetimeFigureOut">
               <a:rPr lang="fi-FI" smtClean="0"/>
-              <a:t>11.2.2021</a:t>
+              <a:t>12.2.2021</a:t>
             </a:fld>
             <a:endParaRPr lang="fi-FI"/>
           </a:p>
@@ -407,7 +407,7 @@
           <a:p>
             <a:fld id="{5CE9BFB5-475C-5B44-BA4D-42DE8089864D}" type="datetimeFigureOut">
               <a:rPr lang="fi-FI" smtClean="0"/>
-              <a:t>11.2.2021</a:t>
+              <a:t>12.2.2021</a:t>
             </a:fld>
             <a:endParaRPr lang="fi-FI"/>
           </a:p>
@@ -961,7 +961,7 @@
           <a:p>
             <a:fld id="{46F494B7-536B-4523-A93B-014DDA635166}" type="datetime1">
               <a:rPr lang="en-GB" noProof="0" smtClean="0"/>
-              <a:t>11/02/2021</a:t>
+              <a:t>12/02/2021</a:t>
             </a:fld>
             <a:endParaRPr lang="en-GB" noProof="0"/>
           </a:p>
@@ -1273,7 +1273,7 @@
           <a:p>
             <a:fld id="{E49F6CDD-3D96-4E59-90E6-D27F0B55FBA1}" type="datetime1">
               <a:rPr lang="en-GB" noProof="0" smtClean="0"/>
-              <a:t>11/02/2021</a:t>
+              <a:t>12/02/2021</a:t>
             </a:fld>
             <a:endParaRPr lang="en-GB" noProof="0"/>
           </a:p>
@@ -1410,7 +1410,7 @@
           <a:p>
             <a:fld id="{CF43835C-B417-41EC-B18F-FE0259E07427}" type="datetime1">
               <a:rPr lang="en-GB" noProof="0" smtClean="0"/>
-              <a:t>11/02/2021</a:t>
+              <a:t>12/02/2021</a:t>
             </a:fld>
             <a:endParaRPr lang="en-GB" noProof="0"/>
           </a:p>
@@ -1808,7 +1808,7 @@
           <a:p>
             <a:fld id="{2AA00BC7-E6BD-409E-AC0A-D889FBBF3E1F}" type="datetime1">
               <a:rPr lang="en-GB" noProof="0" smtClean="0"/>
-              <a:t>11/02/2021</a:t>
+              <a:t>12/02/2021</a:t>
             </a:fld>
             <a:endParaRPr lang="en-GB" noProof="0"/>
           </a:p>
@@ -2007,7 +2007,7 @@
           <a:p>
             <a:fld id="{79F7EF30-58D9-49C5-94D1-8B67946A371B}" type="datetime1">
               <a:rPr lang="en-GB" noProof="0" smtClean="0"/>
-              <a:t>11/02/2021</a:t>
+              <a:t>12/02/2021</a:t>
             </a:fld>
             <a:endParaRPr lang="en-GB" noProof="0"/>
           </a:p>
@@ -2370,7 +2370,7 @@
           <a:p>
             <a:fld id="{9A4C26E0-BC88-47C0-AD7A-A430FED46C56}" type="datetime1">
               <a:rPr lang="en-GB" noProof="0" smtClean="0"/>
-              <a:t>11/02/2021</a:t>
+              <a:t>12/02/2021</a:t>
             </a:fld>
             <a:endParaRPr lang="en-GB" noProof="0"/>
           </a:p>
@@ -2861,7 +2861,7 @@
           <a:p>
             <a:fld id="{F4E85C38-12AF-4A65-9090-146927E09118}" type="datetime1">
               <a:rPr lang="en-GB" noProof="0" smtClean="0"/>
-              <a:t>11/02/2021</a:t>
+              <a:t>12/02/2021</a:t>
             </a:fld>
             <a:endParaRPr lang="en-GB" noProof="0"/>
           </a:p>
@@ -3086,7 +3086,7 @@
           <a:p>
             <a:fld id="{2AD8DA1C-8DF2-40CF-A6C6-9495D045055C}" type="datetime1">
               <a:rPr lang="en-GB" noProof="0" smtClean="0"/>
-              <a:t>11/02/2021</a:t>
+              <a:t>12/02/2021</a:t>
             </a:fld>
             <a:endParaRPr lang="en-GB" noProof="0"/>
           </a:p>
@@ -3491,7 +3491,7 @@
           <a:p>
             <a:fld id="{FA1142E9-37CE-4F05-A30E-024093FAE7FE}" type="datetime1">
               <a:rPr lang="en-GB" noProof="0" smtClean="0"/>
-              <a:t>11/02/2021</a:t>
+              <a:t>12/02/2021</a:t>
             </a:fld>
             <a:endParaRPr lang="en-GB" noProof="0"/>
           </a:p>
@@ -3716,7 +3716,7 @@
           <a:p>
             <a:fld id="{BA4F5F4A-6670-4A3D-BA5D-CF8F09F6A2E1}" type="datetime1">
               <a:rPr lang="en-GB" noProof="0" smtClean="0"/>
-              <a:t>11/02/2021</a:t>
+              <a:t>12/02/2021</a:t>
             </a:fld>
             <a:endParaRPr lang="en-GB" noProof="0"/>
           </a:p>
@@ -4103,7 +4103,7 @@
           <a:p>
             <a:fld id="{FA6CB48B-6017-439D-AA22-D52A1E8E03DF}" type="datetime1">
               <a:rPr lang="en-GB" noProof="0" smtClean="0"/>
-              <a:t>11/02/2021</a:t>
+              <a:t>12/02/2021</a:t>
             </a:fld>
             <a:endParaRPr lang="en-GB" noProof="0"/>
           </a:p>
@@ -4499,7 +4499,7 @@
           <a:p>
             <a:fld id="{43E7B4C2-9CD6-4CF3-963A-B0F7A6D52886}" type="datetime1">
               <a:rPr lang="en-GB" noProof="0" smtClean="0"/>
-              <a:t>11/02/2021</a:t>
+              <a:t>12/02/2021</a:t>
             </a:fld>
             <a:endParaRPr lang="en-GB" noProof="0"/>
           </a:p>
@@ -4807,7 +4807,7 @@
           <a:p>
             <a:fld id="{1EE6AC87-9CEE-4DB8-8548-B22705DD2657}" type="datetime1">
               <a:rPr lang="en-GB" noProof="0" smtClean="0"/>
-              <a:t>11/02/2021</a:t>
+              <a:t>12/02/2021</a:t>
             </a:fld>
             <a:endParaRPr lang="en-GB" noProof="0"/>
           </a:p>
@@ -5263,7 +5263,7 @@
           <a:p>
             <a:fld id="{9D03F41F-2DF9-4314-B419-CB3131364AA1}" type="datetime1">
               <a:rPr lang="en-GB" noProof="0" smtClean="0"/>
-              <a:t>11/02/2021</a:t>
+              <a:t>12/02/2021</a:t>
             </a:fld>
             <a:endParaRPr lang="en-GB" noProof="0"/>
           </a:p>
@@ -5537,7 +5537,7 @@
           <a:p>
             <a:fld id="{A586C00E-9402-4F7D-8E29-ACD9F4C25B61}" type="datetime1">
               <a:rPr lang="en-GB" noProof="0" smtClean="0"/>
-              <a:t>11/02/2021</a:t>
+              <a:t>12/02/2021</a:t>
             </a:fld>
             <a:endParaRPr lang="en-GB" noProof="0"/>
           </a:p>
@@ -5947,7 +5947,7 @@
           <a:p>
             <a:fld id="{DD093AD3-EDC3-4310-A3F5-847AF7FE82B9}" type="datetime1">
               <a:rPr lang="en-GB" noProof="0" smtClean="0"/>
-              <a:t>11/02/2021</a:t>
+              <a:t>12/02/2021</a:t>
             </a:fld>
             <a:endParaRPr lang="en-GB" noProof="0"/>
           </a:p>
@@ -6264,7 +6264,7 @@
           <a:p>
             <a:fld id="{1AFFCF40-801B-4055-982B-AEEA190E0F59}" type="datetime1">
               <a:rPr lang="en-GB" noProof="0" smtClean="0"/>
-              <a:t>11/02/2021</a:t>
+              <a:t>12/02/2021</a:t>
             </a:fld>
             <a:endParaRPr lang="en-GB" noProof="0"/>
           </a:p>
@@ -6717,7 +6717,7 @@
           <a:p>
             <a:fld id="{99D4FE21-5C27-4278-912B-A716F3E94A20}" type="datetime1">
               <a:rPr lang="en-GB" noProof="0" smtClean="0"/>
-              <a:t>11/02/2021</a:t>
+              <a:t>12/02/2021</a:t>
             </a:fld>
             <a:endParaRPr lang="en-GB" noProof="0"/>
           </a:p>
@@ -7471,7 +7471,7 @@
           <a:p>
             <a:fld id="{64EDD59F-3A17-4BC6-9E83-53686DFA9C26}" type="datetime1">
               <a:rPr lang="en-GB" noProof="0" smtClean="0"/>
-              <a:t>11/02/2021</a:t>
+              <a:t>12/02/2021</a:t>
             </a:fld>
             <a:endParaRPr lang="en-GB" noProof="0"/>
           </a:p>
@@ -8100,7 +8100,7 @@
           <a:p>
             <a:fld id="{C03CCED2-7CB5-4D58-8E64-3F32DD8AC35B}" type="datetime1">
               <a:rPr lang="en-GB" noProof="0" smtClean="0"/>
-              <a:t>11/02/2021</a:t>
+              <a:t>12/02/2021</a:t>
             </a:fld>
             <a:endParaRPr lang="en-GB" noProof="0"/>
           </a:p>
@@ -8385,7 +8385,7 @@
           <a:p>
             <a:fld id="{05B95343-439D-47C2-AB7D-A7B7FEDBEAB3}" type="datetime1">
               <a:rPr lang="en-GB" noProof="0" smtClean="0"/>
-              <a:t>11/02/2021</a:t>
+              <a:t>12/02/2021</a:t>
             </a:fld>
             <a:endParaRPr lang="en-GB" noProof="0"/>
           </a:p>
@@ -8712,7 +8712,7 @@
           <a:p>
             <a:fld id="{DFF24113-B408-42F9-B448-C515AD4E1B6E}" type="datetime1">
               <a:rPr lang="en-GB" noProof="0" smtClean="0"/>
-              <a:t>11/02/2021</a:t>
+              <a:t>12/02/2021</a:t>
             </a:fld>
             <a:endParaRPr lang="en-GB" noProof="0"/>
           </a:p>
@@ -9095,7 +9095,7 @@
           <a:p>
             <a:fld id="{E469B13D-3954-4F23-A09B-162115E21D05}" type="datetime1">
               <a:rPr lang="en-GB" noProof="0" smtClean="0"/>
-              <a:t>11/02/2021</a:t>
+              <a:t>12/02/2021</a:t>
             </a:fld>
             <a:endParaRPr lang="en-GB" noProof="0"/>
           </a:p>
@@ -9808,7 +9808,7 @@
           <a:p>
             <a:fld id="{FE98C067-8722-48C5-8452-DDEDD7114E73}" type="datetime1">
               <a:rPr lang="en-GB" noProof="0" smtClean="0"/>
-              <a:t>11/02/2021</a:t>
+              <a:t>12/02/2021</a:t>
             </a:fld>
             <a:endParaRPr lang="en-GB" noProof="0" dirty="0"/>
           </a:p>
@@ -10022,7 +10022,7 @@
           <a:p>
             <a:fld id="{6FA188AA-A794-4652-BE5A-909F08B6167B}" type="datetime1">
               <a:rPr lang="en-GB" noProof="0" smtClean="0"/>
-              <a:t>11/02/2021</a:t>
+              <a:t>12/02/2021</a:t>
             </a:fld>
             <a:endParaRPr lang="en-GB" noProof="0"/>
           </a:p>
@@ -10551,7 +10551,7 @@
           <a:p>
             <a:fld id="{19B791B1-16A9-4796-ABE1-3107E5C870A1}" type="datetime1">
               <a:rPr lang="en-GB" noProof="0" smtClean="0"/>
-              <a:t>11/02/2021</a:t>
+              <a:t>12/02/2021</a:t>
             </a:fld>
             <a:endParaRPr lang="en-GB" noProof="0"/>
           </a:p>
@@ -10913,7 +10913,7 @@
           <a:p>
             <a:fld id="{077F78B7-30BA-47DC-8D3D-B6AF7AA5C106}" type="datetime1">
               <a:rPr lang="en-GB" noProof="0" smtClean="0"/>
-              <a:t>11/02/2021</a:t>
+              <a:t>12/02/2021</a:t>
             </a:fld>
             <a:endParaRPr lang="en-GB" noProof="0"/>
           </a:p>
@@ -11238,7 +11238,7 @@
           <a:p>
             <a:fld id="{7A384A62-AD18-48D9-B88A-A3C8BA3326D3}" type="datetime1">
               <a:rPr lang="en-GB" noProof="0" smtClean="0"/>
-              <a:t>11/02/2021</a:t>
+              <a:t>12/02/2021</a:t>
             </a:fld>
             <a:endParaRPr lang="en-GB" noProof="0"/>
           </a:p>
@@ -11693,7 +11693,7 @@
           <a:p>
             <a:fld id="{B93D2B77-21B4-4503-8F96-67D29A8E98C1}" type="datetime1">
               <a:rPr lang="en-GB" noProof="0" smtClean="0"/>
-              <a:t>11/02/2021</a:t>
+              <a:t>12/02/2021</a:t>
             </a:fld>
             <a:endParaRPr lang="en-GB" noProof="0"/>
           </a:p>
@@ -12180,7 +12180,7 @@
           <a:p>
             <a:fld id="{7B41531B-607C-47F8-B3A9-9457FE35A658}" type="datetime1">
               <a:rPr lang="en-GB" noProof="0" smtClean="0"/>
-              <a:t>11/02/2021</a:t>
+              <a:t>12/02/2021</a:t>
             </a:fld>
             <a:endParaRPr lang="en-GB" noProof="0"/>
           </a:p>
@@ -12783,7 +12783,7 @@
           <a:p>
             <a:fld id="{2B82FCDA-E02D-49C5-97D6-3E67AC7AAA7E}" type="datetime1">
               <a:rPr lang="en-GB" noProof="0" smtClean="0"/>
-              <a:t>11/02/2021</a:t>
+              <a:t>12/02/2021</a:t>
             </a:fld>
             <a:endParaRPr lang="en-GB" noProof="0"/>
           </a:p>
@@ -12980,7 +12980,7 @@
           <a:p>
             <a:fld id="{78524CAB-73A3-4E1C-B819-63001E3C8AC4}" type="datetime1">
               <a:rPr lang="en-GB" noProof="0" smtClean="0"/>
-              <a:t>11/02/2021</a:t>
+              <a:t>12/02/2021</a:t>
             </a:fld>
             <a:endParaRPr lang="en-GB" noProof="0"/>
           </a:p>
@@ -14638,7 +14638,19 @@
               <a:rPr lang="tr-TR" dirty="0">
                 <a:latin typeface="NimbusSanL-Regu"/>
               </a:rPr>
-              <a:t>The objectives of the basic goal are as follows:</a:t>
+              <a:t>The objectives of the </a:t>
+            </a:r>
+            <a:r>
+              <a:rPr lang="fi-FI" dirty="0" err="1">
+                <a:latin typeface="NimbusSanL-Regu"/>
+              </a:rPr>
+              <a:t>advanced</a:t>
+            </a:r>
+            <a:r>
+              <a:rPr lang="tr-TR" dirty="0">
+                <a:latin typeface="NimbusSanL-Regu"/>
+              </a:rPr>
+              <a:t> goal are as follows:</a:t>
             </a:r>
             <a:endParaRPr lang="fi-FI" dirty="0">
               <a:latin typeface="NimbusSanL-Regu"/>
@@ -18692,8 +18704,13 @@
             <a:pPr lvl="2"/>
             <a:r>
               <a:rPr lang="en-GB" dirty="0"/>
-              <a:t>Developing a set of Python scripts for applying object detection (and possibly object tracking) for the video data frames 4 </a:t>
-            </a:r>
+              <a:t>Developing a set of Python scripts for applying object detection (and possibly object tracking) for the video data </a:t>
+            </a:r>
+            <a:r>
+              <a:rPr lang="en-GB"/>
+              <a:t>frames </a:t>
+            </a:r>
+            <a:endParaRPr lang="en-GB" dirty="0"/>
           </a:p>
           <a:p>
             <a:pPr lvl="2"/>
